--- a/第八章.pptx
+++ b/第八章.pptx
@@ -5,21 +5,29 @@
     <p:sldMasterId id="2147483648" r:id="rId1"/>
   </p:sldMasterIdLst>
   <p:sldIdLst>
-    <p:sldId id="256" r:id="rId3"/>
-    <p:sldId id="257" r:id="rId4"/>
-    <p:sldId id="258" r:id="rId5"/>
-    <p:sldId id="259" r:id="rId6"/>
-    <p:sldId id="260" r:id="rId7"/>
-    <p:sldId id="261" r:id="rId8"/>
-    <p:sldId id="262" r:id="rId9"/>
-    <p:sldId id="263" r:id="rId10"/>
-    <p:sldId id="264" r:id="rId11"/>
-    <p:sldId id="265" r:id="rId12"/>
-    <p:sldId id="266" r:id="rId13"/>
-    <p:sldId id="267" r:id="rId14"/>
+    <p:sldId id="256" r:id="rId2"/>
+    <p:sldId id="257" r:id="rId3"/>
+    <p:sldId id="258" r:id="rId4"/>
+    <p:sldId id="259" r:id="rId5"/>
+    <p:sldId id="260" r:id="rId6"/>
+    <p:sldId id="261" r:id="rId7"/>
+    <p:sldId id="262" r:id="rId8"/>
+    <p:sldId id="263" r:id="rId9"/>
+    <p:sldId id="264" r:id="rId10"/>
+    <p:sldId id="265" r:id="rId11"/>
+    <p:sldId id="266" r:id="rId12"/>
+    <p:sldId id="267" r:id="rId13"/>
+    <p:sldId id="268" r:id="rId14"/>
+    <p:sldId id="269" r:id="rId15"/>
+    <p:sldId id="270" r:id="rId16"/>
+    <p:sldId id="271" r:id="rId17"/>
+    <p:sldId id="272" r:id="rId18"/>
+    <p:sldId id="273" r:id="rId19"/>
+    <p:sldId id="274" r:id="rId20"/>
+    <p:sldId id="275" r:id="rId21"/>
   </p:sldIdLst>
   <p:sldSz cx="12192000" cy="6858000"/>
-  <p:notesSz cx="7103745" cy="10234295"/>
+  <p:notesSz cx="7104063" cy="10234613"/>
   <p:defaultTextStyle>
     <a:defPPr>
       <a:defRPr lang="zh-CN"/>
@@ -249,6 +257,7 @@
           <a:p>
             <a:fld id="{82F288E0-7875-42C4-84C8-98DBBD3BF4D2}" type="datetimeFigureOut">
               <a:rPr lang="zh-CN" altLang="en-US" smtClean="0"/>
+              <a:t>2018/10/20</a:t>
             </a:fld>
             <a:endParaRPr lang="zh-CN" altLang="en-US"/>
           </a:p>
@@ -290,6 +299,7 @@
           <a:p>
             <a:fld id="{7D9BB5D0-35E4-459D-AEF3-FE4D7C45CC19}" type="slidenum">
               <a:rPr lang="zh-CN" altLang="en-US" smtClean="0"/>
+              <a:t>‹#›</a:t>
             </a:fld>
             <a:endParaRPr lang="zh-CN" altLang="en-US"/>
           </a:p>
@@ -345,7 +355,6 @@
               <a:rPr lang="zh-CN" altLang="en-US" smtClean="0"/>
               <a:t>单击此处编辑母版文本样式</a:t>
             </a:r>
-            <a:endParaRPr lang="zh-CN" altLang="en-US" smtClean="0"/>
           </a:p>
           <a:p>
             <a:pPr lvl="1"/>
@@ -353,7 +362,6 @@
               <a:rPr lang="zh-CN" altLang="en-US" smtClean="0"/>
               <a:t>第二级</a:t>
             </a:r>
-            <a:endParaRPr lang="zh-CN" altLang="en-US" smtClean="0"/>
           </a:p>
           <a:p>
             <a:pPr lvl="2"/>
@@ -361,7 +369,6 @@
               <a:rPr lang="zh-CN" altLang="en-US" smtClean="0"/>
               <a:t>第三级</a:t>
             </a:r>
-            <a:endParaRPr lang="zh-CN" altLang="en-US" smtClean="0"/>
           </a:p>
           <a:p>
             <a:pPr lvl="3"/>
@@ -369,7 +376,6 @@
               <a:rPr lang="zh-CN" altLang="en-US" smtClean="0"/>
               <a:t>第四级</a:t>
             </a:r>
-            <a:endParaRPr lang="zh-CN" altLang="en-US" smtClean="0"/>
           </a:p>
           <a:p>
             <a:pPr lvl="4"/>
@@ -398,6 +404,7 @@
           <a:p>
             <a:fld id="{82F288E0-7875-42C4-84C8-98DBBD3BF4D2}" type="datetimeFigureOut">
               <a:rPr lang="zh-CN" altLang="en-US" smtClean="0"/>
+              <a:t>2018/10/20</a:t>
             </a:fld>
             <a:endParaRPr lang="zh-CN" altLang="en-US"/>
           </a:p>
@@ -439,6 +446,7 @@
           <a:p>
             <a:fld id="{7D9BB5D0-35E4-459D-AEF3-FE4D7C45CC19}" type="slidenum">
               <a:rPr lang="zh-CN" altLang="en-US" smtClean="0"/>
+              <a:t>‹#›</a:t>
             </a:fld>
             <a:endParaRPr lang="zh-CN" altLang="en-US"/>
           </a:p>
@@ -512,7 +520,6 @@
               <a:rPr lang="zh-CN" altLang="en-US" smtClean="0"/>
               <a:t>单击此处编辑母版文本样式</a:t>
             </a:r>
-            <a:endParaRPr lang="zh-CN" altLang="en-US" smtClean="0"/>
           </a:p>
           <a:p>
             <a:pPr lvl="1"/>
@@ -520,7 +527,6 @@
               <a:rPr lang="zh-CN" altLang="en-US" smtClean="0"/>
               <a:t>第二级</a:t>
             </a:r>
-            <a:endParaRPr lang="zh-CN" altLang="en-US" smtClean="0"/>
           </a:p>
           <a:p>
             <a:pPr lvl="2"/>
@@ -528,7 +534,6 @@
               <a:rPr lang="zh-CN" altLang="en-US" smtClean="0"/>
               <a:t>第三级</a:t>
             </a:r>
-            <a:endParaRPr lang="zh-CN" altLang="en-US" smtClean="0"/>
           </a:p>
           <a:p>
             <a:pPr lvl="3"/>
@@ -536,7 +541,6 @@
               <a:rPr lang="zh-CN" altLang="en-US" smtClean="0"/>
               <a:t>第四级</a:t>
             </a:r>
-            <a:endParaRPr lang="zh-CN" altLang="en-US" smtClean="0"/>
           </a:p>
           <a:p>
             <a:pPr lvl="4"/>
@@ -565,6 +569,7 @@
           <a:p>
             <a:fld id="{82F288E0-7875-42C4-84C8-98DBBD3BF4D2}" type="datetimeFigureOut">
               <a:rPr lang="zh-CN" altLang="en-US" smtClean="0"/>
+              <a:t>2018/10/20</a:t>
             </a:fld>
             <a:endParaRPr lang="zh-CN" altLang="en-US"/>
           </a:p>
@@ -606,6 +611,7 @@
           <a:p>
             <a:fld id="{7D9BB5D0-35E4-459D-AEF3-FE4D7C45CC19}" type="slidenum">
               <a:rPr lang="zh-CN" altLang="en-US" smtClean="0"/>
+              <a:t>‹#›</a:t>
             </a:fld>
             <a:endParaRPr lang="zh-CN" altLang="en-US"/>
           </a:p>
@@ -784,7 +790,6 @@
               <a:rPr lang="zh-CN" altLang="en-US" smtClean="0"/>
               <a:t>单击此处编辑母版文本样式</a:t>
             </a:r>
-            <a:endParaRPr lang="zh-CN" altLang="en-US" smtClean="0"/>
           </a:p>
         </p:txBody>
       </p:sp>
@@ -805,6 +810,7 @@
           <a:p>
             <a:fld id="{82F288E0-7875-42C4-84C8-98DBBD3BF4D2}" type="datetimeFigureOut">
               <a:rPr lang="zh-CN" altLang="en-US" smtClean="0"/>
+              <a:t>2018/10/20</a:t>
             </a:fld>
             <a:endParaRPr lang="zh-CN" altLang="en-US"/>
           </a:p>
@@ -846,6 +852,7 @@
           <a:p>
             <a:fld id="{7D9BB5D0-35E4-459D-AEF3-FE4D7C45CC19}" type="slidenum">
               <a:rPr lang="zh-CN" altLang="en-US" smtClean="0"/>
+              <a:t>‹#›</a:t>
             </a:fld>
             <a:endParaRPr lang="zh-CN" altLang="en-US"/>
           </a:p>
@@ -924,7 +931,6 @@
               <a:rPr lang="zh-CN" altLang="en-US" smtClean="0"/>
               <a:t>单击此处编辑母版文本样式</a:t>
             </a:r>
-            <a:endParaRPr lang="zh-CN" altLang="en-US" smtClean="0"/>
           </a:p>
           <a:p>
             <a:pPr lvl="1"/>
@@ -932,7 +938,6 @@
               <a:rPr lang="zh-CN" altLang="en-US" smtClean="0"/>
               <a:t>第二级</a:t>
             </a:r>
-            <a:endParaRPr lang="zh-CN" altLang="en-US" smtClean="0"/>
           </a:p>
           <a:p>
             <a:pPr lvl="2"/>
@@ -940,7 +945,6 @@
               <a:rPr lang="zh-CN" altLang="en-US" smtClean="0"/>
               <a:t>第三级</a:t>
             </a:r>
-            <a:endParaRPr lang="zh-CN" altLang="en-US" smtClean="0"/>
           </a:p>
           <a:p>
             <a:pPr lvl="3"/>
@@ -948,7 +952,6 @@
               <a:rPr lang="zh-CN" altLang="en-US" smtClean="0"/>
               <a:t>第四级</a:t>
             </a:r>
-            <a:endParaRPr lang="zh-CN" altLang="en-US" smtClean="0"/>
           </a:p>
           <a:p>
             <a:pPr lvl="4"/>
@@ -985,7 +988,6 @@
               <a:rPr lang="zh-CN" altLang="en-US" smtClean="0"/>
               <a:t>单击此处编辑母版文本样式</a:t>
             </a:r>
-            <a:endParaRPr lang="zh-CN" altLang="en-US" smtClean="0"/>
           </a:p>
           <a:p>
             <a:pPr lvl="1"/>
@@ -993,7 +995,6 @@
               <a:rPr lang="zh-CN" altLang="en-US" smtClean="0"/>
               <a:t>第二级</a:t>
             </a:r>
-            <a:endParaRPr lang="zh-CN" altLang="en-US" smtClean="0"/>
           </a:p>
           <a:p>
             <a:pPr lvl="2"/>
@@ -1001,7 +1002,6 @@
               <a:rPr lang="zh-CN" altLang="en-US" smtClean="0"/>
               <a:t>第三级</a:t>
             </a:r>
-            <a:endParaRPr lang="zh-CN" altLang="en-US" smtClean="0"/>
           </a:p>
           <a:p>
             <a:pPr lvl="3"/>
@@ -1009,7 +1009,6 @@
               <a:rPr lang="zh-CN" altLang="en-US" smtClean="0"/>
               <a:t>第四级</a:t>
             </a:r>
-            <a:endParaRPr lang="zh-CN" altLang="en-US" smtClean="0"/>
           </a:p>
           <a:p>
             <a:pPr lvl="4"/>
@@ -1038,6 +1037,7 @@
           <a:p>
             <a:fld id="{82F288E0-7875-42C4-84C8-98DBBD3BF4D2}" type="datetimeFigureOut">
               <a:rPr lang="zh-CN" altLang="en-US" smtClean="0"/>
+              <a:t>2018/10/20</a:t>
             </a:fld>
             <a:endParaRPr lang="zh-CN" altLang="en-US"/>
           </a:p>
@@ -1079,6 +1079,7 @@
           <a:p>
             <a:fld id="{7D9BB5D0-35E4-459D-AEF3-FE4D7C45CC19}" type="slidenum">
               <a:rPr lang="zh-CN" altLang="en-US" smtClean="0"/>
+              <a:t>‹#›</a:t>
             </a:fld>
             <a:endParaRPr lang="zh-CN" altLang="en-US"/>
           </a:p>
@@ -1199,7 +1200,6 @@
               <a:rPr lang="zh-CN" altLang="en-US" smtClean="0"/>
               <a:t>单击此处编辑母版文本样式</a:t>
             </a:r>
-            <a:endParaRPr lang="zh-CN" altLang="en-US" smtClean="0"/>
           </a:p>
         </p:txBody>
       </p:sp>
@@ -1228,7 +1228,6 @@
               <a:rPr lang="zh-CN" altLang="en-US" smtClean="0"/>
               <a:t>单击此处编辑母版文本样式</a:t>
             </a:r>
-            <a:endParaRPr lang="zh-CN" altLang="en-US" smtClean="0"/>
           </a:p>
           <a:p>
             <a:pPr lvl="1"/>
@@ -1236,7 +1235,6 @@
               <a:rPr lang="zh-CN" altLang="en-US" smtClean="0"/>
               <a:t>第二级</a:t>
             </a:r>
-            <a:endParaRPr lang="zh-CN" altLang="en-US" smtClean="0"/>
           </a:p>
           <a:p>
             <a:pPr lvl="2"/>
@@ -1244,7 +1242,6 @@
               <a:rPr lang="zh-CN" altLang="en-US" smtClean="0"/>
               <a:t>第三级</a:t>
             </a:r>
-            <a:endParaRPr lang="zh-CN" altLang="en-US" smtClean="0"/>
           </a:p>
           <a:p>
             <a:pPr lvl="3"/>
@@ -1252,7 +1249,6 @@
               <a:rPr lang="zh-CN" altLang="en-US" smtClean="0"/>
               <a:t>第四级</a:t>
             </a:r>
-            <a:endParaRPr lang="zh-CN" altLang="en-US" smtClean="0"/>
           </a:p>
           <a:p>
             <a:pPr lvl="4"/>
@@ -1326,7 +1322,6 @@
               <a:rPr lang="zh-CN" altLang="en-US" smtClean="0"/>
               <a:t>单击此处编辑母版文本样式</a:t>
             </a:r>
-            <a:endParaRPr lang="zh-CN" altLang="en-US" smtClean="0"/>
           </a:p>
         </p:txBody>
       </p:sp>
@@ -1355,7 +1350,6 @@
               <a:rPr lang="zh-CN" altLang="en-US" smtClean="0"/>
               <a:t>单击此处编辑母版文本样式</a:t>
             </a:r>
-            <a:endParaRPr lang="zh-CN" altLang="en-US" smtClean="0"/>
           </a:p>
           <a:p>
             <a:pPr lvl="1"/>
@@ -1363,7 +1357,6 @@
               <a:rPr lang="zh-CN" altLang="en-US" smtClean="0"/>
               <a:t>第二级</a:t>
             </a:r>
-            <a:endParaRPr lang="zh-CN" altLang="en-US" smtClean="0"/>
           </a:p>
           <a:p>
             <a:pPr lvl="2"/>
@@ -1371,7 +1364,6 @@
               <a:rPr lang="zh-CN" altLang="en-US" smtClean="0"/>
               <a:t>第三级</a:t>
             </a:r>
-            <a:endParaRPr lang="zh-CN" altLang="en-US" smtClean="0"/>
           </a:p>
           <a:p>
             <a:pPr lvl="3"/>
@@ -1379,7 +1371,6 @@
               <a:rPr lang="zh-CN" altLang="en-US" smtClean="0"/>
               <a:t>第四级</a:t>
             </a:r>
-            <a:endParaRPr lang="zh-CN" altLang="en-US" smtClean="0"/>
           </a:p>
           <a:p>
             <a:pPr lvl="4"/>
@@ -1408,6 +1399,7 @@
           <a:p>
             <a:fld id="{82F288E0-7875-42C4-84C8-98DBBD3BF4D2}" type="datetimeFigureOut">
               <a:rPr lang="zh-CN" altLang="en-US" smtClean="0"/>
+              <a:t>2018/10/20</a:t>
             </a:fld>
             <a:endParaRPr lang="zh-CN" altLang="en-US"/>
           </a:p>
@@ -1449,6 +1441,7 @@
           <a:p>
             <a:fld id="{7D9BB5D0-35E4-459D-AEF3-FE4D7C45CC19}" type="slidenum">
               <a:rPr lang="zh-CN" altLang="en-US" smtClean="0"/>
+              <a:t>‹#›</a:t>
             </a:fld>
             <a:endParaRPr lang="zh-CN" altLang="en-US"/>
           </a:p>
@@ -1519,6 +1512,7 @@
           <a:p>
             <a:fld id="{82F288E0-7875-42C4-84C8-98DBBD3BF4D2}" type="datetimeFigureOut">
               <a:rPr lang="zh-CN" altLang="en-US" smtClean="0"/>
+              <a:t>2018/10/20</a:t>
             </a:fld>
             <a:endParaRPr lang="zh-CN" altLang="en-US"/>
           </a:p>
@@ -1560,6 +1554,7 @@
           <a:p>
             <a:fld id="{7D9BB5D0-35E4-459D-AEF3-FE4D7C45CC19}" type="slidenum">
               <a:rPr lang="zh-CN" altLang="en-US" smtClean="0"/>
+              <a:t>‹#›</a:t>
             </a:fld>
             <a:endParaRPr lang="zh-CN" altLang="en-US"/>
           </a:p>
@@ -1607,6 +1602,7 @@
           <a:p>
             <a:fld id="{82F288E0-7875-42C4-84C8-98DBBD3BF4D2}" type="datetimeFigureOut">
               <a:rPr lang="zh-CN" altLang="en-US" smtClean="0"/>
+              <a:t>2018/10/20</a:t>
             </a:fld>
             <a:endParaRPr lang="zh-CN" altLang="en-US"/>
           </a:p>
@@ -1648,6 +1644,7 @@
           <a:p>
             <a:fld id="{7D9BB5D0-35E4-459D-AEF3-FE4D7C45CC19}" type="slidenum">
               <a:rPr lang="zh-CN" altLang="en-US" smtClean="0"/>
+              <a:t>‹#›</a:t>
             </a:fld>
             <a:endParaRPr lang="zh-CN" altLang="en-US"/>
           </a:p>
@@ -1833,7 +1830,6 @@
               <a:rPr lang="zh-CN" altLang="en-US" smtClean="0"/>
               <a:t>单击此处编辑母版文本样式</a:t>
             </a:r>
-            <a:endParaRPr lang="zh-CN" altLang="en-US" smtClean="0"/>
           </a:p>
         </p:txBody>
       </p:sp>
@@ -1854,6 +1850,7 @@
           <a:p>
             <a:fld id="{82F288E0-7875-42C4-84C8-98DBBD3BF4D2}" type="datetimeFigureOut">
               <a:rPr lang="zh-CN" altLang="en-US" smtClean="0"/>
+              <a:t>2018/10/20</a:t>
             </a:fld>
             <a:endParaRPr lang="zh-CN" altLang="en-US"/>
           </a:p>
@@ -1895,6 +1892,7 @@
           <a:p>
             <a:fld id="{7D9BB5D0-35E4-459D-AEF3-FE4D7C45CC19}" type="slidenum">
               <a:rPr lang="zh-CN" altLang="en-US" smtClean="0"/>
+              <a:t>‹#›</a:t>
             </a:fld>
             <a:endParaRPr lang="zh-CN" altLang="en-US"/>
           </a:p>
@@ -1978,7 +1976,6 @@
               <a:rPr lang="zh-CN" altLang="en-US" smtClean="0"/>
               <a:t>单击此处编辑母版文本样式</a:t>
             </a:r>
-            <a:endParaRPr lang="zh-CN" altLang="en-US" smtClean="0"/>
           </a:p>
           <a:p>
             <a:pPr lvl="1"/>
@@ -1986,7 +1983,6 @@
               <a:rPr lang="zh-CN" altLang="en-US" smtClean="0"/>
               <a:t>第二级</a:t>
             </a:r>
-            <a:endParaRPr lang="zh-CN" altLang="en-US" smtClean="0"/>
           </a:p>
           <a:p>
             <a:pPr lvl="2"/>
@@ -1994,7 +1990,6 @@
               <a:rPr lang="zh-CN" altLang="en-US" smtClean="0"/>
               <a:t>第三级</a:t>
             </a:r>
-            <a:endParaRPr lang="zh-CN" altLang="en-US" smtClean="0"/>
           </a:p>
           <a:p>
             <a:pPr lvl="3"/>
@@ -2002,7 +1997,6 @@
               <a:rPr lang="zh-CN" altLang="en-US" smtClean="0"/>
               <a:t>第四级</a:t>
             </a:r>
-            <a:endParaRPr lang="zh-CN" altLang="en-US" smtClean="0"/>
           </a:p>
           <a:p>
             <a:pPr lvl="4"/>
@@ -2031,6 +2025,7 @@
           <a:p>
             <a:fld id="{82F288E0-7875-42C4-84C8-98DBBD3BF4D2}" type="datetimeFigureOut">
               <a:rPr lang="zh-CN" altLang="en-US" smtClean="0"/>
+              <a:t>2018/10/20</a:t>
             </a:fld>
             <a:endParaRPr lang="zh-CN" altLang="en-US"/>
           </a:p>
@@ -2072,6 +2067,7 @@
           <a:p>
             <a:fld id="{7D9BB5D0-35E4-459D-AEF3-FE4D7C45CC19}" type="slidenum">
               <a:rPr lang="zh-CN" altLang="en-US" smtClean="0"/>
+              <a:t>‹#›</a:t>
             </a:fld>
             <a:endParaRPr lang="zh-CN" altLang="en-US"/>
           </a:p>
@@ -2170,7 +2166,6 @@
               <a:rPr lang="zh-CN" altLang="en-US" smtClean="0"/>
               <a:t>单击此处编辑母版文本样式</a:t>
             </a:r>
-            <a:endParaRPr lang="zh-CN" altLang="en-US" smtClean="0"/>
           </a:p>
           <a:p>
             <a:pPr lvl="1"/>
@@ -2178,7 +2173,6 @@
               <a:rPr lang="zh-CN" altLang="en-US" smtClean="0"/>
               <a:t>第二级</a:t>
             </a:r>
-            <a:endParaRPr lang="zh-CN" altLang="en-US" smtClean="0"/>
           </a:p>
           <a:p>
             <a:pPr lvl="2"/>
@@ -2186,7 +2180,6 @@
               <a:rPr lang="zh-CN" altLang="en-US" smtClean="0"/>
               <a:t>第三级</a:t>
             </a:r>
-            <a:endParaRPr lang="zh-CN" altLang="en-US" smtClean="0"/>
           </a:p>
           <a:p>
             <a:pPr lvl="3"/>
@@ -2194,7 +2187,6 @@
               <a:rPr lang="zh-CN" altLang="en-US" smtClean="0"/>
               <a:t>第四级</a:t>
             </a:r>
-            <a:endParaRPr lang="zh-CN" altLang="en-US" smtClean="0"/>
           </a:p>
           <a:p>
             <a:pPr lvl="4"/>
@@ -2241,6 +2233,7 @@
           <a:p>
             <a:fld id="{82F288E0-7875-42C4-84C8-98DBBD3BF4D2}" type="datetimeFigureOut">
               <a:rPr lang="zh-CN" altLang="en-US" smtClean="0"/>
+              <a:t>2018/10/20</a:t>
             </a:fld>
             <a:endParaRPr lang="zh-CN" altLang="en-US"/>
           </a:p>
@@ -2318,6 +2311,7 @@
           <a:p>
             <a:fld id="{7D9BB5D0-35E4-459D-AEF3-FE4D7C45CC19}" type="slidenum">
               <a:rPr lang="zh-CN" altLang="en-US" smtClean="0"/>
+              <a:t>‹#›</a:t>
             </a:fld>
             <a:endParaRPr lang="zh-CN" altLang="en-US"/>
           </a:p>
@@ -2630,7 +2624,14 @@
         <p:cNvGrpSpPr/>
         <p:nvPr/>
       </p:nvGrpSpPr>
-      <p:grpSpPr/>
+      <p:grpSpPr>
+        <a:xfrm>
+          <a:off x="0" y="0"/>
+          <a:ext cx="0" cy="0"/>
+          <a:chOff x="0" y="0"/>
+          <a:chExt cx="0" cy="0"/>
+        </a:xfrm>
+      </p:grpSpPr>
       <p:sp>
         <p:nvSpPr>
           <p:cNvPr id="2" name="标题 1"/>
@@ -2644,6 +2645,7 @@
         <p:spPr/>
         <p:txBody>
           <a:bodyPr/>
+          <a:lstStyle/>
           <a:p>
             <a:r>
               <a:rPr lang="zh-CN" altLang="en-US"/>
@@ -2653,7 +2655,6 @@
               <a:rPr lang="en-US" altLang="zh-CN"/>
               <a:t>——需求分析</a:t>
             </a:r>
-            <a:endParaRPr lang="en-US" altLang="zh-CN"/>
           </a:p>
         </p:txBody>
       </p:sp>
@@ -2670,12 +2671,12 @@
         <p:spPr/>
         <p:txBody>
           <a:bodyPr/>
+          <a:lstStyle/>
           <a:p>
             <a:r>
               <a:rPr lang="zh-CN" altLang="en-US"/>
               <a:t>樊子鹏</a:t>
             </a:r>
-            <a:endParaRPr lang="zh-CN" altLang="en-US"/>
           </a:p>
         </p:txBody>
       </p:sp>
@@ -2696,7 +2697,14 @@
         <p:cNvGrpSpPr/>
         <p:nvPr/>
       </p:nvGrpSpPr>
-      <p:grpSpPr/>
+      <p:grpSpPr>
+        <a:xfrm>
+          <a:off x="0" y="0"/>
+          <a:ext cx="0" cy="0"/>
+          <a:chOff x="0" y="0"/>
+          <a:chExt cx="0" cy="0"/>
+        </a:xfrm>
+      </p:grpSpPr>
       <p:sp>
         <p:nvSpPr>
           <p:cNvPr id="2" name="标题 1"/>
@@ -2710,12 +2718,12 @@
         <p:spPr/>
         <p:txBody>
           <a:bodyPr/>
+          <a:lstStyle/>
           <a:p>
             <a:r>
               <a:rPr lang="zh-CN" altLang="en-US"/>
               <a:t>获取用户需求</a:t>
             </a:r>
-            <a:endParaRPr lang="zh-CN" altLang="en-US"/>
           </a:p>
         </p:txBody>
       </p:sp>
@@ -2723,14 +2731,14 @@
         <p:nvPicPr>
           <p:cNvPr id="9" name="内容占位符 8" descr="捕获"/>
           <p:cNvPicPr>
-            <a:picLocks noChangeAspect="1"/>
+            <a:picLocks noGrp="1" noChangeAspect="1"/>
           </p:cNvPicPr>
           <p:nvPr>
             <p:ph idx="1"/>
           </p:nvPr>
         </p:nvPicPr>
         <p:blipFill>
-          <a:blip r:embed="rId1"/>
+          <a:blip r:embed="rId2"/>
           <a:stretch>
             <a:fillRect/>
           </a:stretch>
@@ -2762,7 +2770,14 @@
         <p:cNvGrpSpPr/>
         <p:nvPr/>
       </p:nvGrpSpPr>
-      <p:grpSpPr/>
+      <p:grpSpPr>
+        <a:xfrm>
+          <a:off x="0" y="0"/>
+          <a:ext cx="0" cy="0"/>
+          <a:chOff x="0" y="0"/>
+          <a:chExt cx="0" cy="0"/>
+        </a:xfrm>
+      </p:grpSpPr>
       <p:sp>
         <p:nvSpPr>
           <p:cNvPr id="2" name="标题 1"/>
@@ -2776,12 +2791,12 @@
         <p:spPr/>
         <p:txBody>
           <a:bodyPr/>
+          <a:lstStyle/>
           <a:p>
             <a:r>
               <a:rPr lang="zh-CN" altLang="en-US"/>
               <a:t>竞争性需求分析的框架</a:t>
             </a:r>
-            <a:endParaRPr lang="zh-CN" altLang="en-US"/>
           </a:p>
         </p:txBody>
       </p:sp>
@@ -2798,54 +2813,48 @@
         <p:spPr/>
         <p:txBody>
           <a:bodyPr/>
+          <a:lstStyle/>
           <a:p>
             <a:r>
               <a:rPr lang="zh-CN" altLang="en-US"/>
               <a:t>要在竞争性的环境中实践软件工程，要做实用并且创新的项目</a:t>
             </a:r>
-            <a:endParaRPr lang="zh-CN" altLang="en-US"/>
           </a:p>
           <a:p>
             <a:r>
               <a:rPr lang="zh-CN" altLang="en-US"/>
               <a:t>怎么提出创新的想法，怎么说服别人我的创意是靠谱的</a:t>
             </a:r>
-            <a:endParaRPr lang="zh-CN" altLang="en-US"/>
           </a:p>
           <a:p>
             <a:r>
               <a:rPr lang="zh-CN" altLang="en-US"/>
               <a:t>N（Need，需求）</a:t>
             </a:r>
-            <a:endParaRPr lang="zh-CN" altLang="en-US"/>
           </a:p>
           <a:p>
             <a:r>
               <a:rPr lang="zh-CN" altLang="en-US"/>
               <a:t>A（Approach，做法）</a:t>
             </a:r>
-            <a:endParaRPr lang="zh-CN" altLang="en-US"/>
           </a:p>
           <a:p>
             <a:r>
               <a:rPr lang="zh-CN" altLang="en-US"/>
               <a:t>B（Benefit，好处）</a:t>
             </a:r>
-            <a:endParaRPr lang="zh-CN" altLang="en-US"/>
           </a:p>
           <a:p>
             <a:r>
               <a:rPr lang="zh-CN" altLang="en-US"/>
               <a:t>C（Competitors，竞争）</a:t>
             </a:r>
-            <a:endParaRPr lang="zh-CN" altLang="en-US"/>
           </a:p>
           <a:p>
             <a:r>
               <a:rPr lang="zh-CN" altLang="en-US"/>
               <a:t>D（Delivery，推广）</a:t>
             </a:r>
-            <a:endParaRPr lang="zh-CN" altLang="en-US"/>
           </a:p>
         </p:txBody>
       </p:sp>
@@ -2866,7 +2875,14 @@
         <p:cNvGrpSpPr/>
         <p:nvPr/>
       </p:nvGrpSpPr>
-      <p:grpSpPr/>
+      <p:grpSpPr>
+        <a:xfrm>
+          <a:off x="0" y="0"/>
+          <a:ext cx="0" cy="0"/>
+          <a:chOff x="0" y="0"/>
+          <a:chExt cx="0" cy="0"/>
+        </a:xfrm>
+      </p:grpSpPr>
       <p:sp>
         <p:nvSpPr>
           <p:cNvPr id="2" name="标题 1"/>
@@ -2880,12 +2896,12 @@
         <p:spPr/>
         <p:txBody>
           <a:bodyPr/>
+          <a:lstStyle/>
           <a:p>
             <a:r>
               <a:rPr lang="zh-CN" altLang="en-US"/>
               <a:t>功能的定位和优先级</a:t>
             </a:r>
-            <a:endParaRPr lang="zh-CN" altLang="en-US"/>
           </a:p>
         </p:txBody>
       </p:sp>
@@ -2902,12 +2918,12 @@
         <p:spPr/>
         <p:txBody>
           <a:bodyPr/>
+          <a:lstStyle/>
           <a:p>
             <a:r>
               <a:rPr lang="zh-CN" altLang="en-US"/>
               <a:t>一个团队的资源毕竟有限，怎样才能保证我们的投入能得到较大的回报呢</a:t>
             </a:r>
-            <a:endParaRPr lang="zh-CN" altLang="en-US"/>
           </a:p>
           <a:p>
             <a:endParaRPr lang="zh-CN" altLang="en-US"/>
@@ -2923,7 +2939,7 @@
           <p:nvPr/>
         </p:nvPicPr>
         <p:blipFill>
-          <a:blip r:embed="rId1"/>
+          <a:blip r:embed="rId2"/>
           <a:stretch>
             <a:fillRect/>
           </a:stretch>
@@ -2946,6 +2962,1068 @@
 </p:sld>
 </file>
 
+<file path=ppt/slides/slide13.xml><?xml version="1.0" encoding="utf-8"?>
+<p:sld xmlns:a="http://schemas.openxmlformats.org/drawingml/2006/main" xmlns:r="http://schemas.openxmlformats.org/officeDocument/2006/relationships" xmlns:p="http://schemas.openxmlformats.org/presentationml/2006/main">
+  <p:cSld>
+    <p:spTree>
+      <p:nvGrpSpPr>
+        <p:cNvPr id="1" name=""/>
+        <p:cNvGrpSpPr/>
+        <p:nvPr/>
+      </p:nvGrpSpPr>
+      <p:grpSpPr>
+        <a:xfrm>
+          <a:off x="0" y="0"/>
+          <a:ext cx="0" cy="0"/>
+          <a:chOff x="0" y="0"/>
+          <a:chExt cx="0" cy="0"/>
+        </a:xfrm>
+      </p:grpSpPr>
+      <p:sp>
+        <p:nvSpPr>
+          <p:cNvPr id="2" name="标题 1"/>
+          <p:cNvSpPr>
+            <a:spLocks noGrp="1"/>
+          </p:cNvSpPr>
+          <p:nvPr>
+            <p:ph type="title"/>
+          </p:nvPr>
+        </p:nvSpPr>
+        <p:spPr/>
+        <p:txBody>
+          <a:bodyPr/>
+          <a:lstStyle/>
+          <a:p>
+            <a:r>
+              <a:rPr lang="zh-CN" altLang="en-US" dirty="0"/>
+              <a:t>计划和估计</a:t>
+            </a:r>
+          </a:p>
+        </p:txBody>
+      </p:sp>
+      <p:sp>
+        <p:nvSpPr>
+          <p:cNvPr id="3" name="内容占位符 2"/>
+          <p:cNvSpPr>
+            <a:spLocks noGrp="1"/>
+          </p:cNvSpPr>
+          <p:nvPr>
+            <p:ph idx="1"/>
+          </p:nvPr>
+        </p:nvSpPr>
+        <p:spPr/>
+        <p:txBody>
+          <a:bodyPr/>
+          <a:lstStyle/>
+          <a:p>
+            <a:pPr marL="0" indent="0">
+              <a:buNone/>
+            </a:pPr>
+            <a:r>
+              <a:rPr lang="zh-CN" altLang="en-US" dirty="0"/>
+              <a:t>软件项目计划的一个重要环节就是估计</a:t>
+            </a:r>
+            <a:r>
+              <a:rPr lang="zh-CN" altLang="en-US" dirty="0" smtClean="0"/>
+              <a:t>项目各</a:t>
+            </a:r>
+            <a:r>
+              <a:rPr lang="zh-CN" altLang="en-US" dirty="0"/>
+              <a:t>类工作（特别是各种功能）所需的</a:t>
+            </a:r>
+            <a:r>
+              <a:rPr lang="zh-CN" altLang="en-US" dirty="0" smtClean="0"/>
+              <a:t>时间。在</a:t>
+            </a:r>
+            <a:r>
+              <a:rPr lang="zh-CN" altLang="en-US" dirty="0"/>
+              <a:t>开始</a:t>
+            </a:r>
+            <a:r>
+              <a:rPr lang="zh-CN" altLang="en-US" dirty="0" smtClean="0"/>
+              <a:t>估计</a:t>
+            </a:r>
+            <a:r>
+              <a:rPr lang="zh-CN" altLang="en-US" dirty="0"/>
+              <a:t>之前，我们先分清楚几个概念：目标、估计</a:t>
+            </a:r>
+            <a:r>
+              <a:rPr lang="zh-CN" altLang="en-US" dirty="0" smtClean="0"/>
+              <a:t>和决心</a:t>
+            </a:r>
+            <a:endParaRPr lang="zh-CN" altLang="en-US" dirty="0"/>
+          </a:p>
+          <a:p>
+            <a:r>
+              <a:rPr lang="zh-CN" altLang="en-US" dirty="0" smtClean="0"/>
+              <a:t>目标</a:t>
+            </a:r>
+            <a:r>
+              <a:rPr lang="zh-CN" altLang="en-US" dirty="0"/>
+              <a:t>：表明一个希望达到的</a:t>
+            </a:r>
+            <a:r>
+              <a:rPr lang="zh-CN" altLang="en-US" dirty="0" smtClean="0"/>
+              <a:t>状态</a:t>
+            </a:r>
+            <a:endParaRPr lang="en-US" altLang="zh-CN" dirty="0" smtClean="0"/>
+          </a:p>
+          <a:p>
+            <a:r>
+              <a:rPr lang="zh-CN" altLang="en-US" dirty="0"/>
+              <a:t>估计：以当前了解的情况和掌握的资源，要</a:t>
+            </a:r>
+            <a:r>
+              <a:rPr lang="zh-CN" altLang="en-US" dirty="0" smtClean="0"/>
+              <a:t>花费多少</a:t>
+            </a:r>
+            <a:r>
+              <a:rPr lang="zh-CN" altLang="en-US" dirty="0"/>
+              <a:t>人力物力</a:t>
+            </a:r>
+            <a:r>
+              <a:rPr lang="zh-CN" altLang="en-US" dirty="0" smtClean="0"/>
+              <a:t>时       间</a:t>
+            </a:r>
+            <a:r>
+              <a:rPr lang="zh-CN" altLang="en-US" dirty="0"/>
+              <a:t>才能实现某</a:t>
+            </a:r>
+            <a:r>
+              <a:rPr lang="zh-CN" altLang="en-US" dirty="0" smtClean="0"/>
+              <a:t>事</a:t>
+            </a:r>
+            <a:endParaRPr lang="en-US" altLang="zh-CN" dirty="0" smtClean="0"/>
+          </a:p>
+          <a:p>
+            <a:r>
+              <a:rPr lang="zh-CN" altLang="en-US" dirty="0"/>
+              <a:t>决心：保证在某个时间之前完成预先规定的</a:t>
+            </a:r>
+            <a:r>
+              <a:rPr lang="zh-CN" altLang="en-US" dirty="0" smtClean="0"/>
+              <a:t>功能和质量</a:t>
+            </a:r>
+            <a:endParaRPr lang="zh-CN" altLang="en-US" dirty="0"/>
+          </a:p>
+        </p:txBody>
+      </p:sp>
+    </p:spTree>
+    <p:extLst>
+      <p:ext uri="{BB962C8B-B14F-4D97-AF65-F5344CB8AC3E}">
+        <p14:creationId xmlns:p14="http://schemas.microsoft.com/office/powerpoint/2010/main" val="2634761341"/>
+      </p:ext>
+    </p:extLst>
+  </p:cSld>
+  <p:clrMapOvr>
+    <a:masterClrMapping/>
+  </p:clrMapOvr>
+</p:sld>
+</file>
+
+<file path=ppt/slides/slide14.xml><?xml version="1.0" encoding="utf-8"?>
+<p:sld xmlns:a="http://schemas.openxmlformats.org/drawingml/2006/main" xmlns:r="http://schemas.openxmlformats.org/officeDocument/2006/relationships" xmlns:p="http://schemas.openxmlformats.org/presentationml/2006/main">
+  <p:cSld>
+    <p:spTree>
+      <p:nvGrpSpPr>
+        <p:cNvPr id="1" name=""/>
+        <p:cNvGrpSpPr/>
+        <p:nvPr/>
+      </p:nvGrpSpPr>
+      <p:grpSpPr>
+        <a:xfrm>
+          <a:off x="0" y="0"/>
+          <a:ext cx="0" cy="0"/>
+          <a:chOff x="0" y="0"/>
+          <a:chExt cx="0" cy="0"/>
+        </a:xfrm>
+      </p:grpSpPr>
+      <p:sp>
+        <p:nvSpPr>
+          <p:cNvPr id="2" name="标题 1"/>
+          <p:cNvSpPr>
+            <a:spLocks noGrp="1"/>
+          </p:cNvSpPr>
+          <p:nvPr>
+            <p:ph type="title"/>
+          </p:nvPr>
+        </p:nvSpPr>
+        <p:spPr/>
+        <p:txBody>
+          <a:bodyPr/>
+          <a:lstStyle/>
+          <a:p>
+            <a:r>
+              <a:rPr lang="zh-CN" altLang="en-US" dirty="0"/>
+              <a:t>估计后面的假设</a:t>
+            </a:r>
+          </a:p>
+        </p:txBody>
+      </p:sp>
+      <p:sp>
+        <p:nvSpPr>
+          <p:cNvPr id="3" name="内容占位符 2"/>
+          <p:cNvSpPr>
+            <a:spLocks noGrp="1"/>
+          </p:cNvSpPr>
+          <p:nvPr>
+            <p:ph idx="1"/>
+          </p:nvPr>
+        </p:nvSpPr>
+        <p:spPr/>
+        <p:txBody>
+          <a:bodyPr/>
+          <a:lstStyle/>
+          <a:p>
+            <a:r>
+              <a:rPr lang="zh-CN" altLang="en-US" dirty="0"/>
+              <a:t>找到一个</a:t>
+            </a:r>
+            <a:r>
+              <a:rPr lang="zh-CN" altLang="en-US" dirty="0" smtClean="0"/>
+              <a:t>主持人</a:t>
+            </a:r>
+            <a:endParaRPr lang="en-US" altLang="zh-CN" dirty="0" smtClean="0"/>
+          </a:p>
+          <a:p>
+            <a:r>
+              <a:rPr lang="zh-CN" altLang="en-US" dirty="0"/>
+              <a:t>主持几轮讨论，先确定大家对目标有统一的</a:t>
+            </a:r>
+            <a:r>
+              <a:rPr lang="zh-CN" altLang="en-US" dirty="0" smtClean="0"/>
+              <a:t>理解。然后</a:t>
+            </a:r>
+            <a:r>
+              <a:rPr lang="zh-CN" altLang="en-US" dirty="0"/>
+              <a:t>每一轮统计</a:t>
+            </a:r>
+            <a:r>
+              <a:rPr lang="zh-CN" altLang="en-US" dirty="0" smtClean="0"/>
+              <a:t>大家</a:t>
+            </a:r>
+            <a:r>
+              <a:rPr lang="zh-CN" altLang="en-US" dirty="0"/>
+              <a:t>对时间的估计，并且询问大家估计值的前提</a:t>
+            </a:r>
+            <a:r>
+              <a:rPr lang="zh-CN" altLang="en-US" dirty="0" smtClean="0"/>
+              <a:t>假设</a:t>
+            </a:r>
+            <a:r>
+              <a:rPr lang="zh-CN" altLang="en-US" dirty="0"/>
+              <a:t>是什么，</a:t>
+            </a:r>
+            <a:r>
+              <a:rPr lang="zh-CN" altLang="en-US" dirty="0" smtClean="0"/>
+              <a:t>找到</a:t>
+            </a:r>
+            <a:r>
+              <a:rPr lang="zh-CN" altLang="en-US" dirty="0"/>
+              <a:t>合理的假设，然后</a:t>
+            </a:r>
+            <a:r>
+              <a:rPr lang="zh-CN" altLang="en-US" dirty="0" smtClean="0"/>
+              <a:t>继续</a:t>
+            </a:r>
+            <a:endParaRPr lang="en-US" altLang="zh-CN" dirty="0" smtClean="0"/>
+          </a:p>
+          <a:p>
+            <a:r>
+              <a:rPr lang="zh-CN" altLang="en-US" dirty="0"/>
+              <a:t>最后大家的估计收敛到一个大家都</a:t>
+            </a:r>
+            <a:r>
+              <a:rPr lang="zh-CN" altLang="en-US" dirty="0" smtClean="0"/>
+              <a:t>比较满意</a:t>
+            </a:r>
+            <a:r>
+              <a:rPr lang="zh-CN" altLang="en-US" dirty="0"/>
+              <a:t>的精度数值。于是估计就结束</a:t>
+            </a:r>
+            <a:r>
+              <a:rPr lang="zh-CN" altLang="en-US" dirty="0" smtClean="0"/>
+              <a:t>了</a:t>
+            </a:r>
+            <a:endParaRPr lang="zh-CN" altLang="en-US" dirty="0"/>
+          </a:p>
+        </p:txBody>
+      </p:sp>
+    </p:spTree>
+    <p:extLst>
+      <p:ext uri="{BB962C8B-B14F-4D97-AF65-F5344CB8AC3E}">
+        <p14:creationId xmlns:p14="http://schemas.microsoft.com/office/powerpoint/2010/main" val="1012849926"/>
+      </p:ext>
+    </p:extLst>
+  </p:cSld>
+  <p:clrMapOvr>
+    <a:masterClrMapping/>
+  </p:clrMapOvr>
+</p:sld>
+</file>
+
+<file path=ppt/slides/slide15.xml><?xml version="1.0" encoding="utf-8"?>
+<p:sld xmlns:a="http://schemas.openxmlformats.org/drawingml/2006/main" xmlns:r="http://schemas.openxmlformats.org/officeDocument/2006/relationships" xmlns:p="http://schemas.openxmlformats.org/presentationml/2006/main">
+  <p:cSld>
+    <p:spTree>
+      <p:nvGrpSpPr>
+        <p:cNvPr id="1" name=""/>
+        <p:cNvGrpSpPr/>
+        <p:nvPr/>
+      </p:nvGrpSpPr>
+      <p:grpSpPr>
+        <a:xfrm>
+          <a:off x="0" y="0"/>
+          <a:ext cx="0" cy="0"/>
+          <a:chOff x="0" y="0"/>
+          <a:chExt cx="0" cy="0"/>
+        </a:xfrm>
+      </p:grpSpPr>
+      <p:sp>
+        <p:nvSpPr>
+          <p:cNvPr id="4" name="内容占位符 3"/>
+          <p:cNvSpPr>
+            <a:spLocks noGrp="1"/>
+          </p:cNvSpPr>
+          <p:nvPr>
+            <p:ph/>
+          </p:nvPr>
+        </p:nvSpPr>
+        <p:spPr/>
+        <p:txBody>
+          <a:bodyPr/>
+          <a:lstStyle/>
+          <a:p>
+            <a:r>
+              <a:rPr lang="zh-CN" altLang="en-US" dirty="0"/>
+              <a:t>不必太拘泥于</a:t>
+            </a:r>
+            <a:r>
+              <a:rPr lang="zh-CN" altLang="en-US" dirty="0" smtClean="0"/>
+              <a:t>精度</a:t>
+            </a:r>
+            <a:endParaRPr lang="en-US" altLang="zh-CN" dirty="0" smtClean="0"/>
+          </a:p>
+          <a:p>
+            <a:r>
+              <a:rPr lang="zh-CN" altLang="en-US" dirty="0"/>
+              <a:t>主持人要记住在每一轮的讨论中探询</a:t>
+            </a:r>
+            <a:r>
+              <a:rPr lang="zh-CN" altLang="en-US" dirty="0" smtClean="0"/>
+              <a:t>数值</a:t>
+            </a:r>
+            <a:r>
+              <a:rPr lang="zh-CN" altLang="en-US" dirty="0"/>
+              <a:t>背后的</a:t>
+            </a:r>
+            <a:r>
+              <a:rPr lang="zh-CN" altLang="en-US" dirty="0" smtClean="0"/>
+              <a:t>假设</a:t>
+            </a:r>
+            <a:endParaRPr lang="en-US" altLang="zh-CN" dirty="0" smtClean="0"/>
+          </a:p>
+          <a:p>
+            <a:r>
+              <a:rPr lang="zh-CN" altLang="en-US" dirty="0"/>
+              <a:t>大家的</a:t>
+            </a:r>
+            <a:r>
+              <a:rPr lang="zh-CN" altLang="en-US" dirty="0" smtClean="0"/>
+              <a:t>假设要</a:t>
+            </a:r>
+            <a:r>
+              <a:rPr lang="zh-CN" altLang="en-US" dirty="0"/>
+              <a:t>收敛，不要</a:t>
+            </a:r>
+            <a:r>
+              <a:rPr lang="zh-CN" altLang="en-US" dirty="0" smtClean="0"/>
+              <a:t>天马行空，</a:t>
+            </a:r>
+            <a:r>
+              <a:rPr lang="zh-CN" altLang="en-US" dirty="0"/>
+              <a:t>每一轮的讨论中，估计值的上界和下界</a:t>
+            </a:r>
+            <a:r>
+              <a:rPr lang="zh-CN" altLang="en-US" dirty="0" smtClean="0"/>
+              <a:t>要不断</a:t>
+            </a:r>
+            <a:r>
+              <a:rPr lang="zh-CN" altLang="en-US" dirty="0"/>
+              <a:t>接近</a:t>
+            </a:r>
+          </a:p>
+          <a:p>
+            <a:r>
+              <a:rPr lang="zh-CN" altLang="en-US" dirty="0"/>
+              <a:t>最后得到的估计数值，也许</a:t>
+            </a:r>
+            <a:r>
+              <a:rPr lang="zh-CN" altLang="en-US" dirty="0" smtClean="0"/>
+              <a:t>和某人</a:t>
+            </a:r>
+            <a:r>
+              <a:rPr lang="zh-CN" altLang="en-US" dirty="0"/>
+              <a:t>最初提出的数值很接近，但是这意义</a:t>
+            </a:r>
+            <a:r>
+              <a:rPr lang="zh-CN" altLang="en-US" dirty="0" smtClean="0"/>
+              <a:t>并不大</a:t>
+            </a:r>
+            <a:endParaRPr lang="zh-CN" altLang="en-US" dirty="0"/>
+          </a:p>
+          <a:p>
+            <a:r>
+              <a:rPr lang="zh-CN" altLang="en-US" dirty="0" smtClean="0"/>
+              <a:t>长期项目要考虑人员变动问题</a:t>
+            </a:r>
+            <a:endParaRPr lang="en-US" altLang="zh-CN" dirty="0" smtClean="0"/>
+          </a:p>
+          <a:p>
+            <a:r>
+              <a:rPr lang="zh-CN" altLang="en-US" dirty="0"/>
+              <a:t>软件</a:t>
+            </a:r>
+            <a:r>
+              <a:rPr lang="zh-CN" altLang="en-US" dirty="0" smtClean="0"/>
+              <a:t>项目有不少</a:t>
+            </a:r>
+            <a:r>
+              <a:rPr lang="zh-CN" altLang="en-US" dirty="0"/>
+              <a:t>东西可以重用别人的结果，但是项目中最</a:t>
+            </a:r>
+            <a:r>
+              <a:rPr lang="zh-CN" altLang="en-US" dirty="0" smtClean="0"/>
+              <a:t>有价值</a:t>
+            </a:r>
+            <a:r>
+              <a:rPr lang="zh-CN" altLang="en-US" dirty="0"/>
+              <a:t>的部分，别人都还没做过</a:t>
+            </a:r>
+            <a:r>
+              <a:rPr lang="zh-CN" altLang="en-US" dirty="0" smtClean="0"/>
+              <a:t>，得</a:t>
+            </a:r>
+            <a:r>
+              <a:rPr lang="zh-CN" altLang="en-US" dirty="0"/>
+              <a:t>自己</a:t>
+            </a:r>
+            <a:r>
+              <a:rPr lang="zh-CN" altLang="en-US" dirty="0" smtClean="0"/>
+              <a:t>动手，这时不能</a:t>
+            </a:r>
+            <a:r>
+              <a:rPr lang="zh-CN" altLang="en-US" dirty="0"/>
+              <a:t>高估自己的</a:t>
+            </a:r>
+            <a:r>
+              <a:rPr lang="zh-CN" altLang="en-US" dirty="0" smtClean="0"/>
+              <a:t>能力</a:t>
+            </a:r>
+            <a:r>
+              <a:rPr lang="zh-CN" altLang="en-US" dirty="0"/>
+              <a:t>，低估未知的困难</a:t>
+            </a:r>
+          </a:p>
+          <a:p>
+            <a:endParaRPr lang="zh-CN" altLang="en-US" dirty="0"/>
+          </a:p>
+          <a:p>
+            <a:endParaRPr lang="en-US" altLang="zh-CN" dirty="0" smtClean="0"/>
+          </a:p>
+          <a:p>
+            <a:endParaRPr lang="zh-CN" altLang="en-US" dirty="0"/>
+          </a:p>
+          <a:p>
+            <a:endParaRPr lang="zh-CN" altLang="en-US" dirty="0"/>
+          </a:p>
+          <a:p>
+            <a:endParaRPr lang="zh-CN" altLang="en-US" dirty="0"/>
+          </a:p>
+        </p:txBody>
+      </p:sp>
+    </p:spTree>
+    <p:extLst>
+      <p:ext uri="{BB962C8B-B14F-4D97-AF65-F5344CB8AC3E}">
+        <p14:creationId xmlns:p14="http://schemas.microsoft.com/office/powerpoint/2010/main" val="1894574621"/>
+      </p:ext>
+    </p:extLst>
+  </p:cSld>
+  <p:clrMapOvr>
+    <a:masterClrMapping/>
+  </p:clrMapOvr>
+</p:sld>
+</file>
+
+<file path=ppt/slides/slide16.xml><?xml version="1.0" encoding="utf-8"?>
+<p:sld xmlns:a="http://schemas.openxmlformats.org/drawingml/2006/main" xmlns:r="http://schemas.openxmlformats.org/officeDocument/2006/relationships" xmlns:p="http://schemas.openxmlformats.org/presentationml/2006/main">
+  <p:cSld>
+    <p:spTree>
+      <p:nvGrpSpPr>
+        <p:cNvPr id="1" name=""/>
+        <p:cNvGrpSpPr/>
+        <p:nvPr/>
+      </p:nvGrpSpPr>
+      <p:grpSpPr>
+        <a:xfrm>
+          <a:off x="0" y="0"/>
+          <a:ext cx="0" cy="0"/>
+          <a:chOff x="0" y="0"/>
+          <a:chExt cx="0" cy="0"/>
+        </a:xfrm>
+      </p:grpSpPr>
+      <p:sp>
+        <p:nvSpPr>
+          <p:cNvPr id="2" name="内容占位符 1"/>
+          <p:cNvSpPr>
+            <a:spLocks noGrp="1"/>
+          </p:cNvSpPr>
+          <p:nvPr>
+            <p:ph/>
+          </p:nvPr>
+        </p:nvSpPr>
+        <p:spPr/>
+        <p:txBody>
+          <a:bodyPr/>
+          <a:lstStyle/>
+          <a:p>
+            <a:r>
+              <a:rPr lang="zh-CN" altLang="en-US" dirty="0"/>
+              <a:t>实际时间花费主要取决于两</a:t>
+            </a:r>
+            <a:r>
+              <a:rPr lang="zh-CN" altLang="en-US" dirty="0" smtClean="0"/>
+              <a:t>个因素</a:t>
+            </a:r>
+            <a:r>
+              <a:rPr lang="en-US" altLang="zh-CN" dirty="0" smtClean="0"/>
+              <a:t>—</a:t>
+            </a:r>
+            <a:r>
+              <a:rPr lang="zh-CN" altLang="en-US" dirty="0" smtClean="0"/>
+              <a:t>对</a:t>
+            </a:r>
+            <a:r>
+              <a:rPr lang="zh-CN" altLang="en-US" dirty="0"/>
+              <a:t>某件事的估计</a:t>
+            </a:r>
+            <a:r>
+              <a:rPr lang="zh-CN" altLang="en-US" dirty="0" smtClean="0"/>
+              <a:t>时间</a:t>
+            </a:r>
+            <a:r>
+              <a:rPr lang="en-US" altLang="zh-CN" dirty="0" smtClean="0"/>
+              <a:t>X</a:t>
+            </a:r>
+            <a:r>
+              <a:rPr lang="zh-CN" altLang="en-US" dirty="0" smtClean="0"/>
+              <a:t>，</a:t>
+            </a:r>
+            <a:r>
+              <a:rPr lang="zh-CN" altLang="en-US" dirty="0"/>
+              <a:t>以及他做过</a:t>
+            </a:r>
+            <a:r>
+              <a:rPr lang="zh-CN" altLang="en-US" dirty="0" smtClean="0"/>
+              <a:t>类似开发</a:t>
+            </a:r>
+            <a:r>
+              <a:rPr lang="zh-CN" altLang="en-US" dirty="0"/>
+              <a:t>工作的</a:t>
+            </a:r>
+            <a:r>
+              <a:rPr lang="zh-CN" altLang="en-US" dirty="0" smtClean="0"/>
+              <a:t>次数</a:t>
+            </a:r>
+            <a:r>
+              <a:rPr lang="en-US" altLang="zh-CN" dirty="0" smtClean="0"/>
+              <a:t>N</a:t>
+            </a:r>
+            <a:r>
+              <a:rPr lang="zh-CN" altLang="en-US" dirty="0" smtClean="0"/>
+              <a:t>：</a:t>
+            </a:r>
+            <a:r>
+              <a:rPr lang="en-US" altLang="zh-CN" dirty="0"/>
+              <a:t>Y = X ± X ÷ </a:t>
+            </a:r>
+            <a:r>
+              <a:rPr lang="en-US" altLang="zh-CN" dirty="0" smtClean="0"/>
+              <a:t>N</a:t>
+            </a:r>
+          </a:p>
+          <a:p>
+            <a:r>
+              <a:rPr lang="zh-CN" altLang="en-US" dirty="0"/>
+              <a:t>项目的</a:t>
+            </a:r>
+            <a:r>
+              <a:rPr lang="zh-CN" altLang="en-US" dirty="0" smtClean="0"/>
+              <a:t>复杂程度</a:t>
+            </a:r>
+            <a:r>
+              <a:rPr lang="zh-CN" altLang="en-US" dirty="0"/>
+              <a:t>将由下面两个因素决定：</a:t>
+            </a:r>
+          </a:p>
+          <a:p>
+            <a:r>
+              <a:rPr lang="zh-CN" altLang="en-US" dirty="0"/>
+              <a:t>需求的复杂程度：程序员是第几次实现类似</a:t>
+            </a:r>
+            <a:r>
+              <a:rPr lang="zh-CN" altLang="en-US" dirty="0" smtClean="0"/>
+              <a:t>的需求</a:t>
+            </a:r>
+            <a:endParaRPr lang="zh-CN" altLang="en-US" dirty="0"/>
+          </a:p>
+          <a:p>
+            <a:r>
+              <a:rPr lang="zh-CN" altLang="en-US" dirty="0"/>
+              <a:t>技术的复杂程度：程序员是第几次用这个</a:t>
+            </a:r>
+            <a:r>
+              <a:rPr lang="zh-CN" altLang="en-US" dirty="0" smtClean="0"/>
+              <a:t>技术实现</a:t>
+            </a:r>
+            <a:endParaRPr lang="en-US" altLang="zh-CN" dirty="0" smtClean="0"/>
+          </a:p>
+          <a:p>
+            <a:endParaRPr lang="zh-CN" altLang="en-US" dirty="0"/>
+          </a:p>
+          <a:p>
+            <a:pPr marL="0" indent="0">
+              <a:buNone/>
+            </a:pPr>
+            <a:endParaRPr lang="zh-CN" altLang="en-US" dirty="0"/>
+          </a:p>
+        </p:txBody>
+      </p:sp>
+      <p:pic>
+        <p:nvPicPr>
+          <p:cNvPr id="3" name="图片 2"/>
+          <p:cNvPicPr>
+            <a:picLocks noChangeAspect="1"/>
+          </p:cNvPicPr>
+          <p:nvPr/>
+        </p:nvPicPr>
+        <p:blipFill>
+          <a:blip r:embed="rId2">
+            <a:extLst>
+              <a:ext uri="{28A0092B-C50C-407E-A947-70E740481C1C}">
+                <a14:useLocalDpi xmlns:a14="http://schemas.microsoft.com/office/drawing/2010/main" val="0"/>
+              </a:ext>
+            </a:extLst>
+          </a:blip>
+          <a:stretch>
+            <a:fillRect/>
+          </a:stretch>
+        </p:blipFill>
+        <p:spPr>
+          <a:xfrm>
+            <a:off x="2323651" y="2844845"/>
+            <a:ext cx="4174003" cy="3451580"/>
+          </a:xfrm>
+          <a:prstGeom prst="rect">
+            <a:avLst/>
+          </a:prstGeom>
+        </p:spPr>
+      </p:pic>
+    </p:spTree>
+    <p:extLst>
+      <p:ext uri="{BB962C8B-B14F-4D97-AF65-F5344CB8AC3E}">
+        <p14:creationId xmlns:p14="http://schemas.microsoft.com/office/powerpoint/2010/main" val="2307718755"/>
+      </p:ext>
+    </p:extLst>
+  </p:cSld>
+  <p:clrMapOvr>
+    <a:masterClrMapping/>
+  </p:clrMapOvr>
+</p:sld>
+</file>
+
+<file path=ppt/slides/slide17.xml><?xml version="1.0" encoding="utf-8"?>
+<p:sld xmlns:a="http://schemas.openxmlformats.org/drawingml/2006/main" xmlns:r="http://schemas.openxmlformats.org/officeDocument/2006/relationships" xmlns:p="http://schemas.openxmlformats.org/presentationml/2006/main">
+  <p:cSld>
+    <p:spTree>
+      <p:nvGrpSpPr>
+        <p:cNvPr id="1" name=""/>
+        <p:cNvGrpSpPr/>
+        <p:nvPr/>
+      </p:nvGrpSpPr>
+      <p:grpSpPr>
+        <a:xfrm>
+          <a:off x="0" y="0"/>
+          <a:ext cx="0" cy="0"/>
+          <a:chOff x="0" y="0"/>
+          <a:chExt cx="0" cy="0"/>
+        </a:xfrm>
+      </p:grpSpPr>
+      <p:sp>
+        <p:nvSpPr>
+          <p:cNvPr id="3" name="标题 2"/>
+          <p:cNvSpPr>
+            <a:spLocks noGrp="1"/>
+          </p:cNvSpPr>
+          <p:nvPr>
+            <p:ph type="title"/>
+          </p:nvPr>
+        </p:nvSpPr>
+        <p:spPr/>
+        <p:txBody>
+          <a:bodyPr/>
+          <a:lstStyle/>
+          <a:p>
+            <a:r>
+              <a:rPr lang="zh-CN" altLang="en-US" dirty="0" smtClean="0"/>
+              <a:t>时间估计的两</a:t>
+            </a:r>
+            <a:r>
+              <a:rPr lang="zh-CN" altLang="en-US" dirty="0"/>
+              <a:t>个方面</a:t>
+            </a:r>
+          </a:p>
+        </p:txBody>
+      </p:sp>
+      <p:sp>
+        <p:nvSpPr>
+          <p:cNvPr id="4" name="内容占位符 3"/>
+          <p:cNvSpPr>
+            <a:spLocks noGrp="1"/>
+          </p:cNvSpPr>
+          <p:nvPr>
+            <p:ph idx="1"/>
+          </p:nvPr>
+        </p:nvSpPr>
+        <p:spPr/>
+        <p:txBody>
+          <a:bodyPr/>
+          <a:lstStyle/>
+          <a:p>
+            <a:r>
+              <a:rPr lang="zh-CN" altLang="en-US" dirty="0"/>
+              <a:t>自底向上。团队成员各自估计底层模块和</a:t>
+            </a:r>
+            <a:r>
+              <a:rPr lang="zh-CN" altLang="en-US" dirty="0" smtClean="0"/>
+              <a:t>单个功能</a:t>
+            </a:r>
+            <a:r>
+              <a:rPr lang="zh-CN" altLang="en-US" dirty="0"/>
+              <a:t>（及单元测试）所需的时间，再加上集成</a:t>
+            </a:r>
+            <a:r>
+              <a:rPr lang="zh-CN" altLang="en-US" dirty="0" smtClean="0"/>
+              <a:t>及基本</a:t>
+            </a:r>
+            <a:r>
+              <a:rPr lang="zh-CN" altLang="en-US" dirty="0"/>
+              <a:t>测试的时间，就是大概的开发</a:t>
+            </a:r>
+            <a:r>
+              <a:rPr lang="zh-CN" altLang="en-US" dirty="0" smtClean="0"/>
+              <a:t>时间</a:t>
+            </a:r>
+            <a:endParaRPr lang="en-US" altLang="zh-CN" dirty="0" smtClean="0"/>
+          </a:p>
+          <a:p>
+            <a:r>
+              <a:rPr lang="zh-CN" altLang="en-US" dirty="0"/>
+              <a:t>回溯。团队从整个项目最终交付之日往回</a:t>
+            </a:r>
+            <a:r>
+              <a:rPr lang="zh-CN" altLang="en-US" dirty="0" smtClean="0"/>
+              <a:t>倒推</a:t>
+            </a:r>
+            <a:endParaRPr lang="zh-CN" altLang="en-US" dirty="0"/>
+          </a:p>
+          <a:p>
+            <a:endParaRPr lang="zh-CN" altLang="en-US" dirty="0"/>
+          </a:p>
+          <a:p>
+            <a:endParaRPr lang="zh-CN" altLang="en-US" dirty="0"/>
+          </a:p>
+        </p:txBody>
+      </p:sp>
+    </p:spTree>
+    <p:extLst>
+      <p:ext uri="{BB962C8B-B14F-4D97-AF65-F5344CB8AC3E}">
+        <p14:creationId xmlns:p14="http://schemas.microsoft.com/office/powerpoint/2010/main" val="3282757872"/>
+      </p:ext>
+    </p:extLst>
+  </p:cSld>
+  <p:clrMapOvr>
+    <a:masterClrMapping/>
+  </p:clrMapOvr>
+</p:sld>
+</file>
+
+<file path=ppt/slides/slide18.xml><?xml version="1.0" encoding="utf-8"?>
+<p:sld xmlns:a="http://schemas.openxmlformats.org/drawingml/2006/main" xmlns:r="http://schemas.openxmlformats.org/officeDocument/2006/relationships" xmlns:p="http://schemas.openxmlformats.org/presentationml/2006/main">
+  <p:cSld>
+    <p:spTree>
+      <p:nvGrpSpPr>
+        <p:cNvPr id="1" name=""/>
+        <p:cNvGrpSpPr/>
+        <p:nvPr/>
+      </p:nvGrpSpPr>
+      <p:grpSpPr>
+        <a:xfrm>
+          <a:off x="0" y="0"/>
+          <a:ext cx="0" cy="0"/>
+          <a:chOff x="0" y="0"/>
+          <a:chExt cx="0" cy="0"/>
+        </a:xfrm>
+      </p:grpSpPr>
+      <p:sp>
+        <p:nvSpPr>
+          <p:cNvPr id="4" name="内容占位符 3"/>
+          <p:cNvSpPr>
+            <a:spLocks noGrp="1"/>
+          </p:cNvSpPr>
+          <p:nvPr>
+            <p:ph/>
+          </p:nvPr>
+        </p:nvSpPr>
+        <p:spPr/>
+        <p:txBody>
+          <a:bodyPr>
+            <a:normAutofit/>
+          </a:bodyPr>
+          <a:lstStyle/>
+          <a:p>
+            <a:endParaRPr lang="en-US" altLang="zh-CN" dirty="0" smtClean="0"/>
+          </a:p>
+          <a:p>
+            <a:endParaRPr lang="en-US" altLang="zh-CN" dirty="0"/>
+          </a:p>
+          <a:p>
+            <a:endParaRPr lang="en-US" altLang="zh-CN" dirty="0" smtClean="0"/>
+          </a:p>
+          <a:p>
+            <a:pPr marL="0" indent="0">
+              <a:buNone/>
+            </a:pPr>
+            <a:r>
+              <a:rPr lang="zh-CN" altLang="en-US" dirty="0" smtClean="0"/>
+              <a:t>在</a:t>
+            </a:r>
+            <a:r>
+              <a:rPr lang="zh-CN" altLang="en-US" dirty="0"/>
+              <a:t>敏捷开发的项目中，团队一般不过分</a:t>
+            </a:r>
+            <a:r>
+              <a:rPr lang="zh-CN" altLang="en-US" dirty="0" smtClean="0"/>
+              <a:t>强调“估计”的</a:t>
+            </a:r>
+            <a:r>
+              <a:rPr lang="zh-CN" altLang="en-US" dirty="0"/>
+              <a:t>价值，因为它就是一</a:t>
+            </a:r>
+            <a:r>
+              <a:rPr lang="zh-CN" altLang="en-US" dirty="0" smtClean="0"/>
+              <a:t>个“猜”字。“猜得准”不是</a:t>
+            </a:r>
+            <a:r>
+              <a:rPr lang="zh-CN" altLang="en-US" dirty="0"/>
+              <a:t>团队的目标。团队的目标是把软件写出来，</a:t>
+            </a:r>
+            <a:r>
+              <a:rPr lang="zh-CN" altLang="en-US" dirty="0" smtClean="0"/>
+              <a:t>让用户</a:t>
+            </a:r>
+            <a:r>
+              <a:rPr lang="zh-CN" altLang="en-US" dirty="0"/>
+              <a:t>满意。如果猜错了，没关系，微调项目</a:t>
+            </a:r>
+            <a:r>
+              <a:rPr lang="zh-CN" altLang="en-US" dirty="0" smtClean="0"/>
+              <a:t>进度即</a:t>
+            </a:r>
+            <a:r>
+              <a:rPr lang="zh-CN" altLang="en-US" dirty="0"/>
+              <a:t>可，不要</a:t>
+            </a:r>
+            <a:r>
+              <a:rPr lang="zh-CN" altLang="en-US" dirty="0" smtClean="0"/>
+              <a:t>为了“猜得准”而</a:t>
+            </a:r>
+            <a:r>
+              <a:rPr lang="zh-CN" altLang="en-US" dirty="0"/>
+              <a:t>踌躇不前，或者</a:t>
+            </a:r>
+            <a:r>
+              <a:rPr lang="zh-CN" altLang="en-US" dirty="0" smtClean="0"/>
+              <a:t>为了让</a:t>
+            </a:r>
+            <a:r>
+              <a:rPr lang="zh-CN" altLang="en-US" dirty="0"/>
+              <a:t>当初的猜测看起来靠谱而不如实报告进度</a:t>
+            </a:r>
+          </a:p>
+          <a:p>
+            <a:pPr marL="0" indent="0">
+              <a:buNone/>
+            </a:pPr>
+            <a:endParaRPr lang="zh-CN" altLang="en-US" dirty="0"/>
+          </a:p>
+        </p:txBody>
+      </p:sp>
+    </p:spTree>
+    <p:extLst>
+      <p:ext uri="{BB962C8B-B14F-4D97-AF65-F5344CB8AC3E}">
+        <p14:creationId xmlns:p14="http://schemas.microsoft.com/office/powerpoint/2010/main" val="1321811906"/>
+      </p:ext>
+    </p:extLst>
+  </p:cSld>
+  <p:clrMapOvr>
+    <a:masterClrMapping/>
+  </p:clrMapOvr>
+</p:sld>
+</file>
+
+<file path=ppt/slides/slide19.xml><?xml version="1.0" encoding="utf-8"?>
+<p:sld xmlns:a="http://schemas.openxmlformats.org/drawingml/2006/main" xmlns:r="http://schemas.openxmlformats.org/officeDocument/2006/relationships" xmlns:p="http://schemas.openxmlformats.org/presentationml/2006/main">
+  <p:cSld>
+    <p:spTree>
+      <p:nvGrpSpPr>
+        <p:cNvPr id="1" name=""/>
+        <p:cNvGrpSpPr/>
+        <p:nvPr/>
+      </p:nvGrpSpPr>
+      <p:grpSpPr>
+        <a:xfrm>
+          <a:off x="0" y="0"/>
+          <a:ext cx="0" cy="0"/>
+          <a:chOff x="0" y="0"/>
+          <a:chExt cx="0" cy="0"/>
+        </a:xfrm>
+      </p:grpSpPr>
+      <p:sp>
+        <p:nvSpPr>
+          <p:cNvPr id="3" name="标题 2"/>
+          <p:cNvSpPr>
+            <a:spLocks noGrp="1"/>
+          </p:cNvSpPr>
+          <p:nvPr>
+            <p:ph type="title"/>
+          </p:nvPr>
+        </p:nvSpPr>
+        <p:spPr/>
+        <p:txBody>
+          <a:bodyPr/>
+          <a:lstStyle/>
+          <a:p>
+            <a:r>
+              <a:rPr lang="zh-CN" altLang="en-US" dirty="0"/>
+              <a:t>分而治之</a:t>
+            </a:r>
+          </a:p>
+        </p:txBody>
+      </p:sp>
+      <p:sp>
+        <p:nvSpPr>
+          <p:cNvPr id="4" name="内容占位符 3"/>
+          <p:cNvSpPr>
+            <a:spLocks noGrp="1"/>
+          </p:cNvSpPr>
+          <p:nvPr>
+            <p:ph idx="1"/>
+          </p:nvPr>
+        </p:nvSpPr>
+        <p:spPr/>
+        <p:txBody>
+          <a:bodyPr/>
+          <a:lstStyle/>
+          <a:p>
+            <a:pPr marL="0" indent="0">
+              <a:buNone/>
+            </a:pPr>
+            <a:r>
+              <a:rPr lang="zh-CN" altLang="en-US" dirty="0"/>
+              <a:t>一个团队项目要在一段时间内完成诸多任务，</a:t>
+            </a:r>
+            <a:r>
+              <a:rPr lang="zh-CN" altLang="en-US" dirty="0" smtClean="0"/>
+              <a:t>满足</a:t>
+            </a:r>
+            <a:r>
+              <a:rPr lang="zh-CN" altLang="en-US" dirty="0"/>
+              <a:t>用户的需求，实现团队的目标，同时还希望</a:t>
+            </a:r>
+            <a:r>
+              <a:rPr lang="zh-CN" altLang="en-US" dirty="0" smtClean="0"/>
+              <a:t>项目</a:t>
+            </a:r>
+            <a:r>
+              <a:rPr lang="zh-CN" altLang="en-US" dirty="0"/>
+              <a:t>能维持良好的技术架构，以便持续开发，</a:t>
+            </a:r>
+            <a:r>
+              <a:rPr lang="zh-CN" altLang="en-US" dirty="0" smtClean="0"/>
+              <a:t>千头万绪</a:t>
+            </a:r>
+            <a:r>
+              <a:rPr lang="zh-CN" altLang="en-US" dirty="0"/>
+              <a:t>，从哪里入手</a:t>
+            </a:r>
+            <a:r>
+              <a:rPr lang="zh-CN" altLang="en-US" dirty="0" smtClean="0"/>
+              <a:t>？</a:t>
+            </a:r>
+            <a:endParaRPr lang="en-US" altLang="zh-CN" dirty="0" smtClean="0"/>
+          </a:p>
+          <a:p>
+            <a:pPr marL="0" indent="0">
+              <a:buNone/>
+            </a:pPr>
+            <a:endParaRPr lang="zh-CN" altLang="en-US" dirty="0"/>
+          </a:p>
+        </p:txBody>
+      </p:sp>
+      <p:pic>
+        <p:nvPicPr>
+          <p:cNvPr id="5" name="图片 4"/>
+          <p:cNvPicPr>
+            <a:picLocks noChangeAspect="1"/>
+          </p:cNvPicPr>
+          <p:nvPr/>
+        </p:nvPicPr>
+        <p:blipFill>
+          <a:blip r:embed="rId2">
+            <a:extLst>
+              <a:ext uri="{28A0092B-C50C-407E-A947-70E740481C1C}">
+                <a14:useLocalDpi xmlns:a14="http://schemas.microsoft.com/office/drawing/2010/main" val="0"/>
+              </a:ext>
+            </a:extLst>
+          </a:blip>
+          <a:stretch>
+            <a:fillRect/>
+          </a:stretch>
+        </p:blipFill>
+        <p:spPr>
+          <a:xfrm>
+            <a:off x="1605369" y="3515060"/>
+            <a:ext cx="7001853" cy="2219635"/>
+          </a:xfrm>
+          <a:prstGeom prst="rect">
+            <a:avLst/>
+          </a:prstGeom>
+        </p:spPr>
+      </p:pic>
+    </p:spTree>
+    <p:extLst>
+      <p:ext uri="{BB962C8B-B14F-4D97-AF65-F5344CB8AC3E}">
+        <p14:creationId xmlns:p14="http://schemas.microsoft.com/office/powerpoint/2010/main" val="3082895364"/>
+      </p:ext>
+    </p:extLst>
+  </p:cSld>
+  <p:clrMapOvr>
+    <a:masterClrMapping/>
+  </p:clrMapOvr>
+</p:sld>
+</file>
+
 <file path=ppt/slides/slide2.xml><?xml version="1.0" encoding="utf-8"?>
 <p:sld xmlns:a="http://schemas.openxmlformats.org/drawingml/2006/main" xmlns:r="http://schemas.openxmlformats.org/officeDocument/2006/relationships" xmlns:p="http://schemas.openxmlformats.org/presentationml/2006/main">
   <p:cSld>
@@ -2955,7 +4033,14 @@
         <p:cNvGrpSpPr/>
         <p:nvPr/>
       </p:nvGrpSpPr>
-      <p:grpSpPr/>
+      <p:grpSpPr>
+        <a:xfrm>
+          <a:off x="0" y="0"/>
+          <a:ext cx="0" cy="0"/>
+          <a:chOff x="0" y="0"/>
+          <a:chExt cx="0" cy="0"/>
+        </a:xfrm>
+      </p:grpSpPr>
       <p:sp>
         <p:nvSpPr>
           <p:cNvPr id="2" name="标题 1"/>
@@ -2969,12 +4054,12 @@
         <p:spPr/>
         <p:txBody>
           <a:bodyPr/>
+          <a:lstStyle/>
           <a:p>
             <a:r>
               <a:rPr lang="zh-CN" altLang="en-US"/>
               <a:t>软件需求</a:t>
             </a:r>
-            <a:endParaRPr lang="zh-CN" altLang="en-US"/>
           </a:p>
         </p:txBody>
       </p:sp>
@@ -2991,6 +4076,7 @@
         <p:spPr/>
         <p:txBody>
           <a:bodyPr/>
+          <a:lstStyle/>
           <a:p>
             <a:pPr marL="0" indent="0">
               <a:buNone/>
@@ -2999,7 +4085,6 @@
               <a:rPr lang="zh-CN" altLang="en-US"/>
               <a:t>人们的需求五花八门，那么软件团队如何才能准确而全面地找到这些需求呢？</a:t>
             </a:r>
-            <a:endParaRPr lang="zh-CN" altLang="en-US"/>
           </a:p>
           <a:p>
             <a:r>
@@ -3010,7 +4095,6 @@
               <a:rPr lang="zh-CN" altLang="en-US"/>
               <a:t>、获取和引导需求</a:t>
             </a:r>
-            <a:endParaRPr lang="zh-CN" altLang="en-US"/>
           </a:p>
           <a:p>
             <a:r>
@@ -3021,7 +4105,6 @@
               <a:rPr lang="zh-CN" altLang="en-US"/>
               <a:t>、分析和定义需求</a:t>
             </a:r>
-            <a:endParaRPr lang="zh-CN" altLang="en-US"/>
           </a:p>
           <a:p>
             <a:r>
@@ -3032,7 +4115,6 @@
               <a:rPr lang="zh-CN" altLang="en-US"/>
               <a:t>、验证需求</a:t>
             </a:r>
-            <a:endParaRPr lang="zh-CN" altLang="en-US"/>
           </a:p>
           <a:p>
             <a:r>
@@ -3043,11 +4125,188 @@
               <a:rPr lang="zh-CN" altLang="en-US"/>
               <a:t>、在软件产品的生命周期中管理需求</a:t>
             </a:r>
-            <a:endParaRPr lang="zh-CN" altLang="en-US"/>
           </a:p>
         </p:txBody>
       </p:sp>
     </p:spTree>
+  </p:cSld>
+  <p:clrMapOvr>
+    <a:masterClrMapping/>
+  </p:clrMapOvr>
+</p:sld>
+</file>
+
+<file path=ppt/slides/slide20.xml><?xml version="1.0" encoding="utf-8"?>
+<p:sld xmlns:a="http://schemas.openxmlformats.org/drawingml/2006/main" xmlns:r="http://schemas.openxmlformats.org/officeDocument/2006/relationships" xmlns:p="http://schemas.openxmlformats.org/presentationml/2006/main">
+  <p:cSld>
+    <p:spTree>
+      <p:nvGrpSpPr>
+        <p:cNvPr id="1" name=""/>
+        <p:cNvGrpSpPr/>
+        <p:nvPr/>
+      </p:nvGrpSpPr>
+      <p:grpSpPr>
+        <a:xfrm>
+          <a:off x="0" y="0"/>
+          <a:ext cx="0" cy="0"/>
+          <a:chOff x="0" y="0"/>
+          <a:chExt cx="0" cy="0"/>
+        </a:xfrm>
+      </p:grpSpPr>
+      <p:sp>
+        <p:nvSpPr>
+          <p:cNvPr id="2" name="标题 1"/>
+          <p:cNvSpPr>
+            <a:spLocks noGrp="1"/>
+          </p:cNvSpPr>
+          <p:nvPr>
+            <p:ph type="title"/>
+          </p:nvPr>
+        </p:nvSpPr>
+        <p:spPr/>
+        <p:txBody>
+          <a:bodyPr/>
+          <a:lstStyle/>
+          <a:p>
+            <a:r>
+              <a:rPr lang="zh-CN" altLang="en-US" dirty="0" smtClean="0"/>
+              <a:t>分而治之</a:t>
+            </a:r>
+            <a:endParaRPr lang="zh-CN" altLang="en-US" dirty="0"/>
+          </a:p>
+        </p:txBody>
+      </p:sp>
+      <p:sp>
+        <p:nvSpPr>
+          <p:cNvPr id="3" name="内容占位符 2"/>
+          <p:cNvSpPr>
+            <a:spLocks noGrp="1"/>
+          </p:cNvSpPr>
+          <p:nvPr>
+            <p:ph idx="1"/>
+          </p:nvPr>
+        </p:nvSpPr>
+        <p:spPr/>
+        <p:txBody>
+          <a:bodyPr>
+            <a:normAutofit/>
+          </a:bodyPr>
+          <a:lstStyle/>
+          <a:p>
+            <a:r>
+              <a:rPr lang="zh-CN" altLang="en-US" dirty="0"/>
+              <a:t>保证所有子节点覆盖了全部父节点包含的</a:t>
+            </a:r>
+            <a:r>
+              <a:rPr lang="zh-CN" altLang="en-US" dirty="0" smtClean="0"/>
+              <a:t>内容</a:t>
+            </a:r>
+            <a:endParaRPr lang="zh-CN" altLang="en-US" dirty="0"/>
+          </a:p>
+          <a:p>
+            <a:r>
+              <a:rPr lang="zh-CN" altLang="en-US" dirty="0"/>
+              <a:t>保证各个子节点不要相互</a:t>
+            </a:r>
+            <a:r>
+              <a:rPr lang="zh-CN" altLang="en-US" dirty="0" smtClean="0"/>
+              <a:t>覆盖</a:t>
+            </a:r>
+            <a:endParaRPr lang="en-US" altLang="zh-CN" dirty="0"/>
+          </a:p>
+          <a:p>
+            <a:r>
+              <a:rPr lang="zh-CN" altLang="en-US" dirty="0" smtClean="0"/>
+              <a:t>叶子</a:t>
+            </a:r>
+            <a:r>
+              <a:rPr lang="zh-CN" altLang="en-US" dirty="0"/>
+              <a:t>节点要保证足够小，能在一个里程碑中</a:t>
+            </a:r>
+            <a:r>
+              <a:rPr lang="zh-CN" altLang="en-US" dirty="0" smtClean="0"/>
+              <a:t>完成</a:t>
+            </a:r>
+            <a:r>
+              <a:rPr lang="zh-CN" altLang="en-US" dirty="0"/>
+              <a:t>。在通常的软件项目中，叶节点的成本最好</a:t>
+            </a:r>
+            <a:r>
+              <a:rPr lang="zh-CN" altLang="en-US" dirty="0" smtClean="0"/>
+              <a:t>不要</a:t>
+            </a:r>
+            <a:r>
+              <a:rPr lang="zh-CN" altLang="en-US" dirty="0"/>
+              <a:t>超过两周</a:t>
+            </a:r>
+          </a:p>
+          <a:p>
+            <a:r>
+              <a:rPr lang="zh-CN" altLang="en-US" dirty="0"/>
+              <a:t>从结果</a:t>
+            </a:r>
+            <a:r>
+              <a:rPr lang="zh-CN" altLang="en-US" dirty="0" smtClean="0"/>
+              <a:t>（</a:t>
+            </a:r>
+            <a:r>
+              <a:rPr lang="en-US" altLang="zh-CN" dirty="0" smtClean="0"/>
+              <a:t>Outcome</a:t>
+            </a:r>
+            <a:r>
+              <a:rPr lang="zh-CN" altLang="en-US" dirty="0" smtClean="0"/>
+              <a:t>）</a:t>
+            </a:r>
+            <a:r>
+              <a:rPr lang="zh-CN" altLang="en-US" dirty="0"/>
+              <a:t>出发</a:t>
+            </a:r>
+            <a:r>
+              <a:rPr lang="zh-CN" altLang="en-US" dirty="0" smtClean="0"/>
+              <a:t>构建</a:t>
+            </a:r>
+            <a:r>
+              <a:rPr lang="en-US" altLang="zh-CN" dirty="0" smtClean="0"/>
+              <a:t>WBS</a:t>
+            </a:r>
+            <a:r>
+              <a:rPr lang="zh-CN" altLang="en-US" dirty="0" smtClean="0"/>
+              <a:t>，</a:t>
+            </a:r>
+            <a:r>
+              <a:rPr lang="zh-CN" altLang="en-US" dirty="0"/>
+              <a:t>而</a:t>
+            </a:r>
+            <a:r>
+              <a:rPr lang="zh-CN" altLang="en-US" dirty="0" smtClean="0"/>
+              <a:t>不是从</a:t>
+            </a:r>
+            <a:r>
+              <a:rPr lang="zh-CN" altLang="en-US" dirty="0"/>
+              <a:t>团队的活动</a:t>
+            </a:r>
+            <a:r>
+              <a:rPr lang="zh-CN" altLang="en-US" dirty="0" smtClean="0"/>
+              <a:t>（</a:t>
+            </a:r>
+            <a:r>
+              <a:rPr lang="en-US" altLang="zh-CN" dirty="0" smtClean="0"/>
+              <a:t>Action</a:t>
+            </a:r>
+            <a:r>
+              <a:rPr lang="zh-CN" altLang="en-US" dirty="0" smtClean="0"/>
+              <a:t>）出发</a:t>
+            </a:r>
+            <a:endParaRPr lang="zh-CN" altLang="en-US" dirty="0"/>
+          </a:p>
+        </p:txBody>
+      </p:sp>
+    </p:spTree>
+    <p:extLst>
+      <p:ext uri="{BB962C8B-B14F-4D97-AF65-F5344CB8AC3E}">
+        <p14:creationId xmlns:p14="http://schemas.microsoft.com/office/powerpoint/2010/main" val="1221635081"/>
+      </p:ext>
+    </p:extLst>
   </p:cSld>
   <p:clrMapOvr>
     <a:masterClrMapping/>
@@ -3064,7 +4323,14 @@
         <p:cNvGrpSpPr/>
         <p:nvPr/>
       </p:nvGrpSpPr>
-      <p:grpSpPr/>
+      <p:grpSpPr>
+        <a:xfrm>
+          <a:off x="0" y="0"/>
+          <a:ext cx="0" cy="0"/>
+          <a:chOff x="0" y="0"/>
+          <a:chExt cx="0" cy="0"/>
+        </a:xfrm>
+      </p:grpSpPr>
       <p:sp>
         <p:nvSpPr>
           <p:cNvPr id="2" name="标题 1"/>
@@ -3078,6 +4344,7 @@
         <p:spPr/>
         <p:txBody>
           <a:bodyPr/>
+          <a:lstStyle/>
           <a:p>
             <a:r>
               <a:rPr lang="zh-CN" altLang="en-US">
@@ -3102,6 +4369,7 @@
         <p:spPr/>
         <p:txBody>
           <a:bodyPr/>
+          <a:lstStyle/>
           <a:p>
             <a:r>
               <a:rPr lang="zh-CN" altLang="en-US"/>
@@ -3118,7 +4386,6 @@
               <a:rPr lang="zh-CN" altLang="en-US"/>
               <a:t>、需求捕捉</a:t>
             </a:r>
-            <a:endParaRPr lang="zh-CN" altLang="en-US"/>
           </a:p>
           <a:p>
             <a:r>
@@ -3129,7 +4396,6 @@
               <a:rPr lang="zh-CN" altLang="en-US"/>
               <a:t>、引导需求</a:t>
             </a:r>
-            <a:endParaRPr lang="zh-CN" altLang="en-US"/>
           </a:p>
           <a:p>
             <a:r>
@@ -3140,7 +4406,6 @@
               <a:rPr lang="zh-CN" altLang="en-US"/>
               <a:t>、挖掘需求</a:t>
             </a:r>
-            <a:endParaRPr lang="zh-CN" altLang="en-US"/>
           </a:p>
           <a:p>
             <a:r>
@@ -3151,7 +4416,6 @@
               <a:rPr lang="zh-CN" altLang="en-US"/>
               <a:t>、推测需求（快捷支付、音乐分享）</a:t>
             </a:r>
-            <a:endParaRPr lang="zh-CN" altLang="en-US"/>
           </a:p>
         </p:txBody>
       </p:sp>
@@ -3172,7 +4436,14 @@
         <p:cNvGrpSpPr/>
         <p:nvPr/>
       </p:nvGrpSpPr>
-      <p:grpSpPr/>
+      <p:grpSpPr>
+        <a:xfrm>
+          <a:off x="0" y="0"/>
+          <a:ext cx="0" cy="0"/>
+          <a:chOff x="0" y="0"/>
+          <a:chExt cx="0" cy="0"/>
+        </a:xfrm>
+      </p:grpSpPr>
       <p:sp>
         <p:nvSpPr>
           <p:cNvPr id="4" name="内容占位符 3"/>
@@ -3186,6 +4457,7 @@
         <p:spPr/>
         <p:txBody>
           <a:bodyPr/>
+          <a:lstStyle/>
           <a:p>
             <a:r>
               <a:rPr lang="zh-CN" altLang="en-US">
@@ -3209,7 +4481,7 @@
           <p:nvPr/>
         </p:nvPicPr>
         <p:blipFill>
-          <a:blip r:embed="rId1"/>
+          <a:blip r:embed="rId2"/>
           <a:stretch>
             <a:fillRect/>
           </a:stretch>
@@ -3241,7 +4513,14 @@
         <p:cNvGrpSpPr/>
         <p:nvPr/>
       </p:nvGrpSpPr>
-      <p:grpSpPr/>
+      <p:grpSpPr>
+        <a:xfrm>
+          <a:off x="0" y="0"/>
+          <a:ext cx="0" cy="0"/>
+          <a:chOff x="0" y="0"/>
+          <a:chExt cx="0" cy="0"/>
+        </a:xfrm>
+      </p:grpSpPr>
       <p:sp>
         <p:nvSpPr>
           <p:cNvPr id="2" name="内容占位符 1"/>
@@ -3255,12 +4534,12 @@
         <p:spPr/>
         <p:txBody>
           <a:bodyPr/>
+          <a:lstStyle/>
           <a:p>
             <a:r>
               <a:rPr lang="zh-CN" altLang="en-US"/>
               <a:t>技术团队需求</a:t>
             </a:r>
-            <a:endParaRPr lang="zh-CN" altLang="en-US"/>
           </a:p>
           <a:p>
             <a:pPr marL="0" indent="0">
@@ -3270,7 +4549,6 @@
               <a:rPr lang="zh-CN" altLang="en-US"/>
               <a:t>考虑软件的代码、架构、所依赖平台的长期演化的时候，会提出技术性的需求，包括代码的迁移、架构的演化、平台的变化，或者引入新的技术</a:t>
             </a:r>
-            <a:endParaRPr lang="zh-CN" altLang="en-US"/>
           </a:p>
         </p:txBody>
       </p:sp>
@@ -3291,7 +4569,14 @@
         <p:cNvGrpSpPr/>
         <p:nvPr/>
       </p:nvGrpSpPr>
-      <p:grpSpPr/>
+      <p:grpSpPr>
+        <a:xfrm>
+          <a:off x="0" y="0"/>
+          <a:ext cx="0" cy="0"/>
+          <a:chOff x="0" y="0"/>
+          <a:chExt cx="0" cy="0"/>
+        </a:xfrm>
+      </p:grpSpPr>
       <p:sp>
         <p:nvSpPr>
           <p:cNvPr id="3" name="标题 2"/>
@@ -3305,12 +4590,12 @@
         <p:spPr/>
         <p:txBody>
           <a:bodyPr/>
+          <a:lstStyle/>
           <a:p>
             <a:r>
               <a:rPr lang="zh-CN" altLang="en-US"/>
               <a:t>分析和定义需求</a:t>
             </a:r>
-            <a:endParaRPr lang="zh-CN" altLang="en-US"/>
           </a:p>
         </p:txBody>
       </p:sp>
@@ -3327,6 +4612,7 @@
         <p:spPr/>
         <p:txBody>
           <a:bodyPr/>
+          <a:lstStyle/>
           <a:p>
             <a:pPr marL="0" indent="0">
               <a:buNone/>
@@ -3335,7 +4621,6 @@
               <a:rPr lang="zh-CN" altLang="en-US"/>
               <a:t>从各个方面获取的需求进行规整，定义需求的内涵，从各个角度将需求量化（需求实现的最后期限，实现需求大致所需的时间和资源成本，各个不同需求的优先级，需求带来的收益，等等）</a:t>
             </a:r>
-            <a:endParaRPr lang="zh-CN" altLang="en-US"/>
           </a:p>
         </p:txBody>
       </p:sp>
@@ -3356,7 +4641,14 @@
         <p:cNvGrpSpPr/>
         <p:nvPr/>
       </p:nvGrpSpPr>
-      <p:grpSpPr/>
+      <p:grpSpPr>
+        <a:xfrm>
+          <a:off x="0" y="0"/>
+          <a:ext cx="0" cy="0"/>
+          <a:chOff x="0" y="0"/>
+          <a:chExt cx="0" cy="0"/>
+        </a:xfrm>
+      </p:grpSpPr>
       <p:sp>
         <p:nvSpPr>
           <p:cNvPr id="2" name="标题 1"/>
@@ -3370,12 +4662,12 @@
         <p:spPr/>
         <p:txBody>
           <a:bodyPr/>
+          <a:lstStyle/>
           <a:p>
             <a:r>
               <a:rPr lang="zh-CN" altLang="en-US"/>
               <a:t>验证需求</a:t>
             </a:r>
-            <a:endParaRPr lang="zh-CN" altLang="en-US"/>
           </a:p>
         </p:txBody>
       </p:sp>
@@ -3392,6 +4684,7 @@
         <p:spPr/>
         <p:txBody>
           <a:bodyPr/>
+          <a:lstStyle/>
           <a:p>
             <a:pPr marL="0" indent="0">
               <a:buNone/>
@@ -3400,7 +4693,6 @@
               <a:rPr lang="zh-CN" altLang="en-US"/>
               <a:t>软件团队要跟利益相关者沟通，通过分析报告、技术原型、用户调查或演示等形式向他们验证软件团队对于这些需求的认知</a:t>
             </a:r>
-            <a:endParaRPr lang="zh-CN" altLang="en-US"/>
           </a:p>
         </p:txBody>
       </p:sp>
@@ -3421,7 +4713,14 @@
         <p:cNvGrpSpPr/>
         <p:nvPr/>
       </p:nvGrpSpPr>
-      <p:grpSpPr/>
+      <p:grpSpPr>
+        <a:xfrm>
+          <a:off x="0" y="0"/>
+          <a:ext cx="0" cy="0"/>
+          <a:chOff x="0" y="0"/>
+          <a:chExt cx="0" cy="0"/>
+        </a:xfrm>
+      </p:grpSpPr>
       <p:sp>
         <p:nvSpPr>
           <p:cNvPr id="2" name="标题 1"/>
@@ -3435,12 +4734,12 @@
         <p:spPr/>
         <p:txBody>
           <a:bodyPr/>
+          <a:lstStyle/>
           <a:p>
             <a:r>
               <a:rPr lang="zh-CN" altLang="en-US"/>
               <a:t>在软件产品的生命周期中管理需求</a:t>
             </a:r>
-            <a:endParaRPr lang="zh-CN" altLang="en-US"/>
           </a:p>
         </p:txBody>
       </p:sp>
@@ -3457,6 +4756,7 @@
         <p:spPr/>
         <p:txBody>
           <a:bodyPr/>
+          <a:lstStyle/>
           <a:p>
             <a:pPr marL="0" indent="0">
               <a:buNone/>
@@ -3465,7 +4765,6 @@
               <a:rPr lang="zh-CN" altLang="en-US"/>
               <a:t>在软件的生命周期中，需求在发生变化，技术在发展，团队成员的能力也在提高。原来认为重要的事情可能不再重要，有些功能原来技术上很难实现，现在出现了捷径，一些相关的法规会发生变化，外部的合作伙伴突然发生变化，这些都要求我们不断对需求进行重新审核并做出相应的调整</a:t>
             </a:r>
-            <a:endParaRPr lang="zh-CN" altLang="en-US"/>
           </a:p>
         </p:txBody>
       </p:sp>
@@ -3486,7 +4785,14 @@
         <p:cNvGrpSpPr/>
         <p:nvPr/>
       </p:nvGrpSpPr>
-      <p:grpSpPr/>
+      <p:grpSpPr>
+        <a:xfrm>
+          <a:off x="0" y="0"/>
+          <a:ext cx="0" cy="0"/>
+          <a:chOff x="0" y="0"/>
+          <a:chExt cx="0" cy="0"/>
+        </a:xfrm>
+      </p:grpSpPr>
       <p:sp>
         <p:nvSpPr>
           <p:cNvPr id="2" name="标题 1"/>
@@ -3500,12 +4806,12 @@
         <p:spPr/>
         <p:txBody>
           <a:bodyPr/>
+          <a:lstStyle/>
           <a:p>
             <a:r>
               <a:rPr lang="zh-CN" altLang="en-US"/>
               <a:t>软件产品的利益相关者</a:t>
             </a:r>
-            <a:endParaRPr lang="zh-CN" altLang="en-US"/>
           </a:p>
         </p:txBody>
       </p:sp>
@@ -3522,6 +4828,7 @@
         <p:spPr/>
         <p:txBody>
           <a:bodyPr/>
+          <a:lstStyle/>
           <a:p>
             <a:pPr marL="0" indent="0">
               <a:buNone/>
@@ -3563,13 +4870,13 @@
         </p:style>
         <p:txBody>
           <a:bodyPr rtlCol="0" anchor="ctr"/>
+          <a:lstStyle/>
           <a:p>
             <a:pPr algn="ctr"/>
             <a:r>
               <a:rPr lang="zh-CN" altLang="en-US" sz="3200" b="1"/>
               <a:t>利益相关者</a:t>
             </a:r>
-            <a:endParaRPr lang="zh-CN" altLang="en-US" sz="3200" b="1"/>
           </a:p>
         </p:txBody>
       </p:sp>
@@ -3606,13 +4913,13 @@
         </p:style>
         <p:txBody>
           <a:bodyPr rtlCol="0" anchor="ctr"/>
+          <a:lstStyle/>
           <a:p>
             <a:pPr algn="ctr"/>
             <a:r>
               <a:rPr lang="zh-CN" altLang="en-US" sz="3200" b="1"/>
               <a:t>用户</a:t>
             </a:r>
-            <a:endParaRPr lang="zh-CN" altLang="en-US" sz="3200" b="1"/>
           </a:p>
         </p:txBody>
       </p:sp>
@@ -3649,13 +4956,13 @@
         </p:style>
         <p:txBody>
           <a:bodyPr rtlCol="0" anchor="ctr"/>
+          <a:lstStyle/>
           <a:p>
             <a:pPr algn="ctr"/>
             <a:r>
               <a:rPr lang="zh-CN" altLang="en-US" sz="3200" b="1"/>
               <a:t>顾客</a:t>
             </a:r>
-            <a:endParaRPr lang="zh-CN" altLang="en-US" sz="3200" b="1"/>
           </a:p>
         </p:txBody>
       </p:sp>
@@ -3692,13 +4999,13 @@
         </p:style>
         <p:txBody>
           <a:bodyPr rtlCol="0" anchor="ctr"/>
+          <a:lstStyle/>
           <a:p>
             <a:pPr algn="ctr"/>
             <a:r>
               <a:rPr lang="zh-CN" altLang="en-US" sz="3200" b="1"/>
               <a:t>市场分析师</a:t>
             </a:r>
-            <a:endParaRPr lang="zh-CN" altLang="en-US" sz="3200" b="1"/>
           </a:p>
         </p:txBody>
       </p:sp>
@@ -3735,13 +5042,13 @@
         </p:style>
         <p:txBody>
           <a:bodyPr rtlCol="0" anchor="ctr"/>
+          <a:lstStyle/>
           <a:p>
             <a:pPr algn="ctr"/>
             <a:r>
               <a:rPr lang="zh-CN" altLang="en-US" sz="3200" b="1"/>
               <a:t>监管部门</a:t>
             </a:r>
-            <a:endParaRPr lang="zh-CN" altLang="en-US" sz="3200" b="1"/>
           </a:p>
         </p:txBody>
       </p:sp>
@@ -3778,13 +5085,13 @@
         </p:style>
         <p:txBody>
           <a:bodyPr rtlCol="0" anchor="ctr"/>
+          <a:lstStyle/>
           <a:p>
             <a:pPr algn="ctr"/>
             <a:r>
               <a:rPr lang="zh-CN" altLang="en-US" sz="3200" b="1"/>
               <a:t>软件工程师</a:t>
             </a:r>
-            <a:endParaRPr lang="zh-CN" altLang="en-US" sz="3200" b="1"/>
           </a:p>
         </p:txBody>
       </p:sp>
@@ -4210,9 +5517,11 @@
       </a:bgFillStyleLst>
     </a:fmtScheme>
   </a:themeElements>
+  <a:objectDefaults/>
+  <a:extraClrSchemeLst/>
   <a:extLst>
     <a:ext uri="{05A4C25C-085E-4340-85A3-A5531E510DB2}">
-      <thm15:themeFamily xmlns:thm15="http://schemas.microsoft.com/office/thememl/2012/main" name="Office Theme" id="{62F939B6-93AF-4DB8-9C6B-D6C7DFDC589F}" vid="{4A3C46E8-61CC-4603-A589-7422A47A8E4A}"/>
+      <thm15:themeFamily xmlns:thm15="http://schemas.microsoft.com/office/thememl/2012/main" xmlns="" name="Office Theme" id="{62F939B6-93AF-4DB8-9C6B-D6C7DFDC589F}" vid="{4A3C46E8-61CC-4603-A589-7422A47A8E4A}"/>
     </a:ext>
   </a:extLst>
 </a:theme>

--- a/第八章.pptx
+++ b/第八章.pptx
@@ -5,29 +5,41 @@
     <p:sldMasterId id="2147483648" r:id="rId1"/>
   </p:sldMasterIdLst>
   <p:sldIdLst>
-    <p:sldId id="256" r:id="rId2"/>
-    <p:sldId id="257" r:id="rId3"/>
-    <p:sldId id="258" r:id="rId4"/>
-    <p:sldId id="259" r:id="rId5"/>
-    <p:sldId id="260" r:id="rId6"/>
-    <p:sldId id="261" r:id="rId7"/>
-    <p:sldId id="262" r:id="rId8"/>
-    <p:sldId id="263" r:id="rId9"/>
-    <p:sldId id="264" r:id="rId10"/>
-    <p:sldId id="265" r:id="rId11"/>
-    <p:sldId id="266" r:id="rId12"/>
-    <p:sldId id="267" r:id="rId13"/>
-    <p:sldId id="268" r:id="rId14"/>
-    <p:sldId id="269" r:id="rId15"/>
-    <p:sldId id="270" r:id="rId16"/>
-    <p:sldId id="271" r:id="rId17"/>
-    <p:sldId id="272" r:id="rId18"/>
-    <p:sldId id="273" r:id="rId19"/>
-    <p:sldId id="274" r:id="rId20"/>
-    <p:sldId id="275" r:id="rId21"/>
+    <p:sldId id="256" r:id="rId3"/>
+    <p:sldId id="257" r:id="rId4"/>
+    <p:sldId id="258" r:id="rId5"/>
+    <p:sldId id="259" r:id="rId6"/>
+    <p:sldId id="260" r:id="rId7"/>
+    <p:sldId id="261" r:id="rId8"/>
+    <p:sldId id="262" r:id="rId9"/>
+    <p:sldId id="263" r:id="rId10"/>
+    <p:sldId id="264" r:id="rId11"/>
+    <p:sldId id="265" r:id="rId12"/>
+    <p:sldId id="276" r:id="rId13"/>
+    <p:sldId id="277" r:id="rId14"/>
+    <p:sldId id="278" r:id="rId15"/>
+    <p:sldId id="279" r:id="rId16"/>
+    <p:sldId id="280" r:id="rId17"/>
+    <p:sldId id="281" r:id="rId18"/>
+    <p:sldId id="282" r:id="rId19"/>
+    <p:sldId id="284" r:id="rId20"/>
+    <p:sldId id="266" r:id="rId21"/>
+    <p:sldId id="267" r:id="rId22"/>
+    <p:sldId id="285" r:id="rId23"/>
+    <p:sldId id="286" r:id="rId24"/>
+    <p:sldId id="287" r:id="rId25"/>
+    <p:sldId id="288" r:id="rId26"/>
+    <p:sldId id="268" r:id="rId27"/>
+    <p:sldId id="269" r:id="rId28"/>
+    <p:sldId id="270" r:id="rId29"/>
+    <p:sldId id="271" r:id="rId30"/>
+    <p:sldId id="272" r:id="rId31"/>
+    <p:sldId id="273" r:id="rId32"/>
+    <p:sldId id="274" r:id="rId33"/>
+    <p:sldId id="275" r:id="rId34"/>
   </p:sldIdLst>
   <p:sldSz cx="12192000" cy="6858000"/>
-  <p:notesSz cx="7104063" cy="10234613"/>
+  <p:notesSz cx="7103745" cy="10234295"/>
   <p:defaultTextStyle>
     <a:defPPr>
       <a:defRPr lang="zh-CN"/>
@@ -257,7 +269,6 @@
           <a:p>
             <a:fld id="{82F288E0-7875-42C4-84C8-98DBBD3BF4D2}" type="datetimeFigureOut">
               <a:rPr lang="zh-CN" altLang="en-US" smtClean="0"/>
-              <a:t>2018/10/20</a:t>
             </a:fld>
             <a:endParaRPr lang="zh-CN" altLang="en-US"/>
           </a:p>
@@ -299,7 +310,6 @@
           <a:p>
             <a:fld id="{7D9BB5D0-35E4-459D-AEF3-FE4D7C45CC19}" type="slidenum">
               <a:rPr lang="zh-CN" altLang="en-US" smtClean="0"/>
-              <a:t>‹#›</a:t>
             </a:fld>
             <a:endParaRPr lang="zh-CN" altLang="en-US"/>
           </a:p>
@@ -355,6 +365,7 @@
               <a:rPr lang="zh-CN" altLang="en-US" smtClean="0"/>
               <a:t>单击此处编辑母版文本样式</a:t>
             </a:r>
+            <a:endParaRPr lang="zh-CN" altLang="en-US" smtClean="0"/>
           </a:p>
           <a:p>
             <a:pPr lvl="1"/>
@@ -362,6 +373,7 @@
               <a:rPr lang="zh-CN" altLang="en-US" smtClean="0"/>
               <a:t>第二级</a:t>
             </a:r>
+            <a:endParaRPr lang="zh-CN" altLang="en-US" smtClean="0"/>
           </a:p>
           <a:p>
             <a:pPr lvl="2"/>
@@ -369,6 +381,7 @@
               <a:rPr lang="zh-CN" altLang="en-US" smtClean="0"/>
               <a:t>第三级</a:t>
             </a:r>
+            <a:endParaRPr lang="zh-CN" altLang="en-US" smtClean="0"/>
           </a:p>
           <a:p>
             <a:pPr lvl="3"/>
@@ -376,6 +389,7 @@
               <a:rPr lang="zh-CN" altLang="en-US" smtClean="0"/>
               <a:t>第四级</a:t>
             </a:r>
+            <a:endParaRPr lang="zh-CN" altLang="en-US" smtClean="0"/>
           </a:p>
           <a:p>
             <a:pPr lvl="4"/>
@@ -404,7 +418,6 @@
           <a:p>
             <a:fld id="{82F288E0-7875-42C4-84C8-98DBBD3BF4D2}" type="datetimeFigureOut">
               <a:rPr lang="zh-CN" altLang="en-US" smtClean="0"/>
-              <a:t>2018/10/20</a:t>
             </a:fld>
             <a:endParaRPr lang="zh-CN" altLang="en-US"/>
           </a:p>
@@ -446,7 +459,6 @@
           <a:p>
             <a:fld id="{7D9BB5D0-35E4-459D-AEF3-FE4D7C45CC19}" type="slidenum">
               <a:rPr lang="zh-CN" altLang="en-US" smtClean="0"/>
-              <a:t>‹#›</a:t>
             </a:fld>
             <a:endParaRPr lang="zh-CN" altLang="en-US"/>
           </a:p>
@@ -520,6 +532,7 @@
               <a:rPr lang="zh-CN" altLang="en-US" smtClean="0"/>
               <a:t>单击此处编辑母版文本样式</a:t>
             </a:r>
+            <a:endParaRPr lang="zh-CN" altLang="en-US" smtClean="0"/>
           </a:p>
           <a:p>
             <a:pPr lvl="1"/>
@@ -527,6 +540,7 @@
               <a:rPr lang="zh-CN" altLang="en-US" smtClean="0"/>
               <a:t>第二级</a:t>
             </a:r>
+            <a:endParaRPr lang="zh-CN" altLang="en-US" smtClean="0"/>
           </a:p>
           <a:p>
             <a:pPr lvl="2"/>
@@ -534,6 +548,7 @@
               <a:rPr lang="zh-CN" altLang="en-US" smtClean="0"/>
               <a:t>第三级</a:t>
             </a:r>
+            <a:endParaRPr lang="zh-CN" altLang="en-US" smtClean="0"/>
           </a:p>
           <a:p>
             <a:pPr lvl="3"/>
@@ -541,6 +556,7 @@
               <a:rPr lang="zh-CN" altLang="en-US" smtClean="0"/>
               <a:t>第四级</a:t>
             </a:r>
+            <a:endParaRPr lang="zh-CN" altLang="en-US" smtClean="0"/>
           </a:p>
           <a:p>
             <a:pPr lvl="4"/>
@@ -569,7 +585,6 @@
           <a:p>
             <a:fld id="{82F288E0-7875-42C4-84C8-98DBBD3BF4D2}" type="datetimeFigureOut">
               <a:rPr lang="zh-CN" altLang="en-US" smtClean="0"/>
-              <a:t>2018/10/20</a:t>
             </a:fld>
             <a:endParaRPr lang="zh-CN" altLang="en-US"/>
           </a:p>
@@ -611,7 +626,6 @@
           <a:p>
             <a:fld id="{7D9BB5D0-35E4-459D-AEF3-FE4D7C45CC19}" type="slidenum">
               <a:rPr lang="zh-CN" altLang="en-US" smtClean="0"/>
-              <a:t>‹#›</a:t>
             </a:fld>
             <a:endParaRPr lang="zh-CN" altLang="en-US"/>
           </a:p>
@@ -790,6 +804,7 @@
               <a:rPr lang="zh-CN" altLang="en-US" smtClean="0"/>
               <a:t>单击此处编辑母版文本样式</a:t>
             </a:r>
+            <a:endParaRPr lang="zh-CN" altLang="en-US" smtClean="0"/>
           </a:p>
         </p:txBody>
       </p:sp>
@@ -810,7 +825,6 @@
           <a:p>
             <a:fld id="{82F288E0-7875-42C4-84C8-98DBBD3BF4D2}" type="datetimeFigureOut">
               <a:rPr lang="zh-CN" altLang="en-US" smtClean="0"/>
-              <a:t>2018/10/20</a:t>
             </a:fld>
             <a:endParaRPr lang="zh-CN" altLang="en-US"/>
           </a:p>
@@ -852,7 +866,6 @@
           <a:p>
             <a:fld id="{7D9BB5D0-35E4-459D-AEF3-FE4D7C45CC19}" type="slidenum">
               <a:rPr lang="zh-CN" altLang="en-US" smtClean="0"/>
-              <a:t>‹#›</a:t>
             </a:fld>
             <a:endParaRPr lang="zh-CN" altLang="en-US"/>
           </a:p>
@@ -931,6 +944,7 @@
               <a:rPr lang="zh-CN" altLang="en-US" smtClean="0"/>
               <a:t>单击此处编辑母版文本样式</a:t>
             </a:r>
+            <a:endParaRPr lang="zh-CN" altLang="en-US" smtClean="0"/>
           </a:p>
           <a:p>
             <a:pPr lvl="1"/>
@@ -938,6 +952,7 @@
               <a:rPr lang="zh-CN" altLang="en-US" smtClean="0"/>
               <a:t>第二级</a:t>
             </a:r>
+            <a:endParaRPr lang="zh-CN" altLang="en-US" smtClean="0"/>
           </a:p>
           <a:p>
             <a:pPr lvl="2"/>
@@ -945,6 +960,7 @@
               <a:rPr lang="zh-CN" altLang="en-US" smtClean="0"/>
               <a:t>第三级</a:t>
             </a:r>
+            <a:endParaRPr lang="zh-CN" altLang="en-US" smtClean="0"/>
           </a:p>
           <a:p>
             <a:pPr lvl="3"/>
@@ -952,6 +968,7 @@
               <a:rPr lang="zh-CN" altLang="en-US" smtClean="0"/>
               <a:t>第四级</a:t>
             </a:r>
+            <a:endParaRPr lang="zh-CN" altLang="en-US" smtClean="0"/>
           </a:p>
           <a:p>
             <a:pPr lvl="4"/>
@@ -988,6 +1005,7 @@
               <a:rPr lang="zh-CN" altLang="en-US" smtClean="0"/>
               <a:t>单击此处编辑母版文本样式</a:t>
             </a:r>
+            <a:endParaRPr lang="zh-CN" altLang="en-US" smtClean="0"/>
           </a:p>
           <a:p>
             <a:pPr lvl="1"/>
@@ -995,6 +1013,7 @@
               <a:rPr lang="zh-CN" altLang="en-US" smtClean="0"/>
               <a:t>第二级</a:t>
             </a:r>
+            <a:endParaRPr lang="zh-CN" altLang="en-US" smtClean="0"/>
           </a:p>
           <a:p>
             <a:pPr lvl="2"/>
@@ -1002,6 +1021,7 @@
               <a:rPr lang="zh-CN" altLang="en-US" smtClean="0"/>
               <a:t>第三级</a:t>
             </a:r>
+            <a:endParaRPr lang="zh-CN" altLang="en-US" smtClean="0"/>
           </a:p>
           <a:p>
             <a:pPr lvl="3"/>
@@ -1009,6 +1029,7 @@
               <a:rPr lang="zh-CN" altLang="en-US" smtClean="0"/>
               <a:t>第四级</a:t>
             </a:r>
+            <a:endParaRPr lang="zh-CN" altLang="en-US" smtClean="0"/>
           </a:p>
           <a:p>
             <a:pPr lvl="4"/>
@@ -1037,7 +1058,6 @@
           <a:p>
             <a:fld id="{82F288E0-7875-42C4-84C8-98DBBD3BF4D2}" type="datetimeFigureOut">
               <a:rPr lang="zh-CN" altLang="en-US" smtClean="0"/>
-              <a:t>2018/10/20</a:t>
             </a:fld>
             <a:endParaRPr lang="zh-CN" altLang="en-US"/>
           </a:p>
@@ -1079,7 +1099,6 @@
           <a:p>
             <a:fld id="{7D9BB5D0-35E4-459D-AEF3-FE4D7C45CC19}" type="slidenum">
               <a:rPr lang="zh-CN" altLang="en-US" smtClean="0"/>
-              <a:t>‹#›</a:t>
             </a:fld>
             <a:endParaRPr lang="zh-CN" altLang="en-US"/>
           </a:p>
@@ -1200,6 +1219,7 @@
               <a:rPr lang="zh-CN" altLang="en-US" smtClean="0"/>
               <a:t>单击此处编辑母版文本样式</a:t>
             </a:r>
+            <a:endParaRPr lang="zh-CN" altLang="en-US" smtClean="0"/>
           </a:p>
         </p:txBody>
       </p:sp>
@@ -1228,6 +1248,7 @@
               <a:rPr lang="zh-CN" altLang="en-US" smtClean="0"/>
               <a:t>单击此处编辑母版文本样式</a:t>
             </a:r>
+            <a:endParaRPr lang="zh-CN" altLang="en-US" smtClean="0"/>
           </a:p>
           <a:p>
             <a:pPr lvl="1"/>
@@ -1235,6 +1256,7 @@
               <a:rPr lang="zh-CN" altLang="en-US" smtClean="0"/>
               <a:t>第二级</a:t>
             </a:r>
+            <a:endParaRPr lang="zh-CN" altLang="en-US" smtClean="0"/>
           </a:p>
           <a:p>
             <a:pPr lvl="2"/>
@@ -1242,6 +1264,7 @@
               <a:rPr lang="zh-CN" altLang="en-US" smtClean="0"/>
               <a:t>第三级</a:t>
             </a:r>
+            <a:endParaRPr lang="zh-CN" altLang="en-US" smtClean="0"/>
           </a:p>
           <a:p>
             <a:pPr lvl="3"/>
@@ -1249,6 +1272,7 @@
               <a:rPr lang="zh-CN" altLang="en-US" smtClean="0"/>
               <a:t>第四级</a:t>
             </a:r>
+            <a:endParaRPr lang="zh-CN" altLang="en-US" smtClean="0"/>
           </a:p>
           <a:p>
             <a:pPr lvl="4"/>
@@ -1322,6 +1346,7 @@
               <a:rPr lang="zh-CN" altLang="en-US" smtClean="0"/>
               <a:t>单击此处编辑母版文本样式</a:t>
             </a:r>
+            <a:endParaRPr lang="zh-CN" altLang="en-US" smtClean="0"/>
           </a:p>
         </p:txBody>
       </p:sp>
@@ -1350,6 +1375,7 @@
               <a:rPr lang="zh-CN" altLang="en-US" smtClean="0"/>
               <a:t>单击此处编辑母版文本样式</a:t>
             </a:r>
+            <a:endParaRPr lang="zh-CN" altLang="en-US" smtClean="0"/>
           </a:p>
           <a:p>
             <a:pPr lvl="1"/>
@@ -1357,6 +1383,7 @@
               <a:rPr lang="zh-CN" altLang="en-US" smtClean="0"/>
               <a:t>第二级</a:t>
             </a:r>
+            <a:endParaRPr lang="zh-CN" altLang="en-US" smtClean="0"/>
           </a:p>
           <a:p>
             <a:pPr lvl="2"/>
@@ -1364,6 +1391,7 @@
               <a:rPr lang="zh-CN" altLang="en-US" smtClean="0"/>
               <a:t>第三级</a:t>
             </a:r>
+            <a:endParaRPr lang="zh-CN" altLang="en-US" smtClean="0"/>
           </a:p>
           <a:p>
             <a:pPr lvl="3"/>
@@ -1371,6 +1399,7 @@
               <a:rPr lang="zh-CN" altLang="en-US" smtClean="0"/>
               <a:t>第四级</a:t>
             </a:r>
+            <a:endParaRPr lang="zh-CN" altLang="en-US" smtClean="0"/>
           </a:p>
           <a:p>
             <a:pPr lvl="4"/>
@@ -1399,7 +1428,6 @@
           <a:p>
             <a:fld id="{82F288E0-7875-42C4-84C8-98DBBD3BF4D2}" type="datetimeFigureOut">
               <a:rPr lang="zh-CN" altLang="en-US" smtClean="0"/>
-              <a:t>2018/10/20</a:t>
             </a:fld>
             <a:endParaRPr lang="zh-CN" altLang="en-US"/>
           </a:p>
@@ -1441,7 +1469,6 @@
           <a:p>
             <a:fld id="{7D9BB5D0-35E4-459D-AEF3-FE4D7C45CC19}" type="slidenum">
               <a:rPr lang="zh-CN" altLang="en-US" smtClean="0"/>
-              <a:t>‹#›</a:t>
             </a:fld>
             <a:endParaRPr lang="zh-CN" altLang="en-US"/>
           </a:p>
@@ -1512,7 +1539,6 @@
           <a:p>
             <a:fld id="{82F288E0-7875-42C4-84C8-98DBBD3BF4D2}" type="datetimeFigureOut">
               <a:rPr lang="zh-CN" altLang="en-US" smtClean="0"/>
-              <a:t>2018/10/20</a:t>
             </a:fld>
             <a:endParaRPr lang="zh-CN" altLang="en-US"/>
           </a:p>
@@ -1554,7 +1580,6 @@
           <a:p>
             <a:fld id="{7D9BB5D0-35E4-459D-AEF3-FE4D7C45CC19}" type="slidenum">
               <a:rPr lang="zh-CN" altLang="en-US" smtClean="0"/>
-              <a:t>‹#›</a:t>
             </a:fld>
             <a:endParaRPr lang="zh-CN" altLang="en-US"/>
           </a:p>
@@ -1602,7 +1627,6 @@
           <a:p>
             <a:fld id="{82F288E0-7875-42C4-84C8-98DBBD3BF4D2}" type="datetimeFigureOut">
               <a:rPr lang="zh-CN" altLang="en-US" smtClean="0"/>
-              <a:t>2018/10/20</a:t>
             </a:fld>
             <a:endParaRPr lang="zh-CN" altLang="en-US"/>
           </a:p>
@@ -1644,7 +1668,6 @@
           <a:p>
             <a:fld id="{7D9BB5D0-35E4-459D-AEF3-FE4D7C45CC19}" type="slidenum">
               <a:rPr lang="zh-CN" altLang="en-US" smtClean="0"/>
-              <a:t>‹#›</a:t>
             </a:fld>
             <a:endParaRPr lang="zh-CN" altLang="en-US"/>
           </a:p>
@@ -1830,6 +1853,7 @@
               <a:rPr lang="zh-CN" altLang="en-US" smtClean="0"/>
               <a:t>单击此处编辑母版文本样式</a:t>
             </a:r>
+            <a:endParaRPr lang="zh-CN" altLang="en-US" smtClean="0"/>
           </a:p>
         </p:txBody>
       </p:sp>
@@ -1850,7 +1874,6 @@
           <a:p>
             <a:fld id="{82F288E0-7875-42C4-84C8-98DBBD3BF4D2}" type="datetimeFigureOut">
               <a:rPr lang="zh-CN" altLang="en-US" smtClean="0"/>
-              <a:t>2018/10/20</a:t>
             </a:fld>
             <a:endParaRPr lang="zh-CN" altLang="en-US"/>
           </a:p>
@@ -1892,7 +1915,6 @@
           <a:p>
             <a:fld id="{7D9BB5D0-35E4-459D-AEF3-FE4D7C45CC19}" type="slidenum">
               <a:rPr lang="zh-CN" altLang="en-US" smtClean="0"/>
-              <a:t>‹#›</a:t>
             </a:fld>
             <a:endParaRPr lang="zh-CN" altLang="en-US"/>
           </a:p>
@@ -1976,6 +1998,7 @@
               <a:rPr lang="zh-CN" altLang="en-US" smtClean="0"/>
               <a:t>单击此处编辑母版文本样式</a:t>
             </a:r>
+            <a:endParaRPr lang="zh-CN" altLang="en-US" smtClean="0"/>
           </a:p>
           <a:p>
             <a:pPr lvl="1"/>
@@ -1983,6 +2006,7 @@
               <a:rPr lang="zh-CN" altLang="en-US" smtClean="0"/>
               <a:t>第二级</a:t>
             </a:r>
+            <a:endParaRPr lang="zh-CN" altLang="en-US" smtClean="0"/>
           </a:p>
           <a:p>
             <a:pPr lvl="2"/>
@@ -1990,6 +2014,7 @@
               <a:rPr lang="zh-CN" altLang="en-US" smtClean="0"/>
               <a:t>第三级</a:t>
             </a:r>
+            <a:endParaRPr lang="zh-CN" altLang="en-US" smtClean="0"/>
           </a:p>
           <a:p>
             <a:pPr lvl="3"/>
@@ -1997,6 +2022,7 @@
               <a:rPr lang="zh-CN" altLang="en-US" smtClean="0"/>
               <a:t>第四级</a:t>
             </a:r>
+            <a:endParaRPr lang="zh-CN" altLang="en-US" smtClean="0"/>
           </a:p>
           <a:p>
             <a:pPr lvl="4"/>
@@ -2025,7 +2051,6 @@
           <a:p>
             <a:fld id="{82F288E0-7875-42C4-84C8-98DBBD3BF4D2}" type="datetimeFigureOut">
               <a:rPr lang="zh-CN" altLang="en-US" smtClean="0"/>
-              <a:t>2018/10/20</a:t>
             </a:fld>
             <a:endParaRPr lang="zh-CN" altLang="en-US"/>
           </a:p>
@@ -2067,7 +2092,6 @@
           <a:p>
             <a:fld id="{7D9BB5D0-35E4-459D-AEF3-FE4D7C45CC19}" type="slidenum">
               <a:rPr lang="zh-CN" altLang="en-US" smtClean="0"/>
-              <a:t>‹#›</a:t>
             </a:fld>
             <a:endParaRPr lang="zh-CN" altLang="en-US"/>
           </a:p>
@@ -2166,6 +2190,7 @@
               <a:rPr lang="zh-CN" altLang="en-US" smtClean="0"/>
               <a:t>单击此处编辑母版文本样式</a:t>
             </a:r>
+            <a:endParaRPr lang="zh-CN" altLang="en-US" smtClean="0"/>
           </a:p>
           <a:p>
             <a:pPr lvl="1"/>
@@ -2173,6 +2198,7 @@
               <a:rPr lang="zh-CN" altLang="en-US" smtClean="0"/>
               <a:t>第二级</a:t>
             </a:r>
+            <a:endParaRPr lang="zh-CN" altLang="en-US" smtClean="0"/>
           </a:p>
           <a:p>
             <a:pPr lvl="2"/>
@@ -2180,6 +2206,7 @@
               <a:rPr lang="zh-CN" altLang="en-US" smtClean="0"/>
               <a:t>第三级</a:t>
             </a:r>
+            <a:endParaRPr lang="zh-CN" altLang="en-US" smtClean="0"/>
           </a:p>
           <a:p>
             <a:pPr lvl="3"/>
@@ -2187,6 +2214,7 @@
               <a:rPr lang="zh-CN" altLang="en-US" smtClean="0"/>
               <a:t>第四级</a:t>
             </a:r>
+            <a:endParaRPr lang="zh-CN" altLang="en-US" smtClean="0"/>
           </a:p>
           <a:p>
             <a:pPr lvl="4"/>
@@ -2233,7 +2261,6 @@
           <a:p>
             <a:fld id="{82F288E0-7875-42C4-84C8-98DBBD3BF4D2}" type="datetimeFigureOut">
               <a:rPr lang="zh-CN" altLang="en-US" smtClean="0"/>
-              <a:t>2018/10/20</a:t>
             </a:fld>
             <a:endParaRPr lang="zh-CN" altLang="en-US"/>
           </a:p>
@@ -2311,7 +2338,6 @@
           <a:p>
             <a:fld id="{7D9BB5D0-35E4-459D-AEF3-FE4D7C45CC19}" type="slidenum">
               <a:rPr lang="zh-CN" altLang="en-US" smtClean="0"/>
-              <a:t>‹#›</a:t>
             </a:fld>
             <a:endParaRPr lang="zh-CN" altLang="en-US"/>
           </a:p>
@@ -2655,6 +2681,7 @@
               <a:rPr lang="en-US" altLang="zh-CN"/>
               <a:t>——需求分析</a:t>
             </a:r>
+            <a:endParaRPr lang="en-US" altLang="zh-CN"/>
           </a:p>
         </p:txBody>
       </p:sp>
@@ -2677,6 +2704,7 @@
               <a:rPr lang="zh-CN" altLang="en-US"/>
               <a:t>樊子鹏</a:t>
             </a:r>
+            <a:endParaRPr lang="zh-CN" altLang="en-US"/>
           </a:p>
         </p:txBody>
       </p:sp>
@@ -2724,29 +2752,30 @@
               <a:rPr lang="zh-CN" altLang="en-US"/>
               <a:t>获取用户需求</a:t>
             </a:r>
+            <a:endParaRPr lang="zh-CN" altLang="en-US"/>
           </a:p>
         </p:txBody>
       </p:sp>
       <p:pic>
         <p:nvPicPr>
-          <p:cNvPr id="9" name="内容占位符 8" descr="捕获"/>
+          <p:cNvPr id="4" name="内容占位符 3" descr="捕获1"/>
           <p:cNvPicPr>
-            <a:picLocks noGrp="1" noChangeAspect="1"/>
+            <a:picLocks noChangeAspect="1"/>
           </p:cNvPicPr>
           <p:nvPr>
             <p:ph idx="1"/>
           </p:nvPr>
         </p:nvPicPr>
         <p:blipFill>
-          <a:blip r:embed="rId2"/>
+          <a:blip r:embed="rId1"/>
           <a:stretch>
             <a:fillRect/>
           </a:stretch>
         </p:blipFill>
         <p:spPr>
           <a:xfrm>
-            <a:off x="2315210" y="1976120"/>
-            <a:ext cx="7212330" cy="3862705"/>
+            <a:off x="2920365" y="1362710"/>
+            <a:ext cx="5212080" cy="5152390"/>
           </a:xfrm>
           <a:prstGeom prst="rect">
             <a:avLst/>
@@ -2770,14 +2799,7 @@
         <p:cNvGrpSpPr/>
         <p:nvPr/>
       </p:nvGrpSpPr>
-      <p:grpSpPr>
-        <a:xfrm>
-          <a:off x="0" y="0"/>
-          <a:ext cx="0" cy="0"/>
-          <a:chOff x="0" y="0"/>
-          <a:chExt cx="0" cy="0"/>
-        </a:xfrm>
-      </p:grpSpPr>
+      <p:grpSpPr/>
       <p:sp>
         <p:nvSpPr>
           <p:cNvPr id="2" name="标题 1"/>
@@ -2791,12 +2813,12 @@
         <p:spPr/>
         <p:txBody>
           <a:bodyPr/>
-          <a:lstStyle/>
           <a:p>
             <a:r>
               <a:rPr lang="zh-CN" altLang="en-US"/>
-              <a:t>竞争性需求分析的框架</a:t>
-            </a:r>
+              <a:t>焦点小组</a:t>
+            </a:r>
+            <a:endParaRPr lang="zh-CN" altLang="en-US"/>
           </a:p>
         </p:txBody>
       </p:sp>
@@ -2813,51 +2835,49 @@
         <p:spPr/>
         <p:txBody>
           <a:bodyPr/>
-          <a:lstStyle/>
           <a:p>
             <a:r>
               <a:rPr lang="zh-CN" altLang="en-US"/>
-              <a:t>要在竞争性的环境中实践软件工程，要做实用并且创新的项目</a:t>
-            </a:r>
+              <a:t>找到一群目标用户的代表，加上项目的利益相关者来讨论用户想要什么，用户对软件的评价等等</a:t>
+            </a:r>
+            <a:endParaRPr lang="zh-CN" altLang="en-US"/>
           </a:p>
           <a:p>
             <a:r>
               <a:rPr lang="zh-CN" altLang="en-US"/>
-              <a:t>怎么提出创新的想法，怎么说服别人我的创意是靠谱的</a:t>
-            </a:r>
-          </a:p>
-          <a:p>
-            <a:r>
-              <a:rPr lang="zh-CN" altLang="en-US"/>
-              <a:t>N（Need，需求）</a:t>
-            </a:r>
-          </a:p>
-          <a:p>
-            <a:r>
-              <a:rPr lang="zh-CN" altLang="en-US"/>
-              <a:t>A（Approach，做法）</a:t>
-            </a:r>
-          </a:p>
-          <a:p>
-            <a:r>
-              <a:rPr lang="zh-CN" altLang="en-US"/>
-              <a:t>B（Benefit，好处）</a:t>
-            </a:r>
-          </a:p>
-          <a:p>
-            <a:r>
-              <a:rPr lang="zh-CN" altLang="en-US"/>
-              <a:t>C（Competitors，竞争）</a:t>
-            </a:r>
-          </a:p>
-          <a:p>
-            <a:r>
-              <a:rPr lang="zh-CN" altLang="en-US"/>
-              <a:t>D（Delivery，推广）</a:t>
-            </a:r>
-          </a:p>
-        </p:txBody>
-      </p:sp>
+              <a:t>要求会议的组织者要有很强的组织能力，能让不同角色都充分表达意见，并如实地总结这些意见</a:t>
+            </a:r>
+            <a:endParaRPr lang="zh-CN" altLang="en-US"/>
+          </a:p>
+          <a:p>
+            <a:endParaRPr lang="zh-CN" altLang="en-US"/>
+          </a:p>
+        </p:txBody>
+      </p:sp>
+      <p:pic>
+        <p:nvPicPr>
+          <p:cNvPr id="4" name="图片 3"/>
+          <p:cNvPicPr>
+            <a:picLocks noChangeAspect="1"/>
+          </p:cNvPicPr>
+          <p:nvPr/>
+        </p:nvPicPr>
+        <p:blipFill>
+          <a:blip r:embed="rId1"/>
+          <a:stretch>
+            <a:fillRect/>
+          </a:stretch>
+        </p:blipFill>
+        <p:spPr>
+          <a:xfrm>
+            <a:off x="1996440" y="3540125"/>
+            <a:ext cx="7896860" cy="3001010"/>
+          </a:xfrm>
+          <a:prstGeom prst="rect">
+            <a:avLst/>
+          </a:prstGeom>
+        </p:spPr>
+      </p:pic>
     </p:spTree>
   </p:cSld>
   <p:clrMapOvr>
@@ -2875,14 +2895,7 @@
         <p:cNvGrpSpPr/>
         <p:nvPr/>
       </p:nvGrpSpPr>
-      <p:grpSpPr>
-        <a:xfrm>
-          <a:off x="0" y="0"/>
-          <a:ext cx="0" cy="0"/>
-          <a:chOff x="0" y="0"/>
-          <a:chExt cx="0" cy="0"/>
-        </a:xfrm>
-      </p:grpSpPr>
+      <p:grpSpPr/>
       <p:sp>
         <p:nvSpPr>
           <p:cNvPr id="2" name="标题 1"/>
@@ -2893,15 +2906,20 @@
             <p:ph type="title"/>
           </p:nvPr>
         </p:nvSpPr>
-        <p:spPr/>
-        <p:txBody>
-          <a:bodyPr/>
-          <a:lstStyle/>
+        <p:spPr>
+          <a:xfrm>
+            <a:off x="838200" y="355600"/>
+            <a:ext cx="10515600" cy="1325563"/>
+          </a:xfrm>
+        </p:spPr>
+        <p:txBody>
+          <a:bodyPr/>
           <a:p>
             <a:r>
               <a:rPr lang="zh-CN" altLang="en-US"/>
-              <a:t>功能的定位和优先级</a:t>
-            </a:r>
+              <a:t>深入面谈</a:t>
+            </a:r>
+            <a:endParaRPr lang="zh-CN" altLang="en-US"/>
           </a:p>
         </p:txBody>
       </p:sp>
@@ -2918,12 +2936,12 @@
         <p:spPr/>
         <p:txBody>
           <a:bodyPr/>
-          <a:lstStyle/>
           <a:p>
             <a:r>
               <a:rPr lang="zh-CN" altLang="en-US"/>
-              <a:t>一个团队的资源毕竟有限，怎样才能保证我们的投入能得到较大的回报呢</a:t>
-            </a:r>
+              <a:t>通过详细的面谈，广泛而深入地了解用户的背景、心理、需求等。这通常是一对一的采访。这种方法费时费力，效果往往取决于主持面谈的团队成员的能力</a:t>
+            </a:r>
+            <a:endParaRPr lang="zh-CN" altLang="en-US"/>
           </a:p>
           <a:p>
             <a:endParaRPr lang="zh-CN" altLang="en-US"/>
@@ -2932,22 +2950,22 @@
       </p:sp>
       <p:pic>
         <p:nvPicPr>
-          <p:cNvPr id="4" name="图片 3" descr="微信图片_20181017224642"/>
+          <p:cNvPr id="4" name="图片 3"/>
           <p:cNvPicPr>
             <a:picLocks noChangeAspect="1"/>
           </p:cNvPicPr>
           <p:nvPr/>
         </p:nvPicPr>
         <p:blipFill>
-          <a:blip r:embed="rId2"/>
+          <a:blip r:embed="rId1"/>
           <a:stretch>
             <a:fillRect/>
           </a:stretch>
         </p:blipFill>
         <p:spPr>
           <a:xfrm>
-            <a:off x="2937510" y="2270125"/>
-            <a:ext cx="5923915" cy="4182745"/>
+            <a:off x="3330575" y="3398520"/>
+            <a:ext cx="5530215" cy="3110865"/>
           </a:xfrm>
           <a:prstGeom prst="rect">
             <a:avLst/>
@@ -2971,14 +2989,7 @@
         <p:cNvGrpSpPr/>
         <p:nvPr/>
       </p:nvGrpSpPr>
-      <p:grpSpPr>
-        <a:xfrm>
-          <a:off x="0" y="0"/>
-          <a:ext cx="0" cy="0"/>
-          <a:chOff x="0" y="0"/>
-          <a:chExt cx="0" cy="0"/>
-        </a:xfrm>
-      </p:grpSpPr>
+      <p:grpSpPr/>
       <p:sp>
         <p:nvSpPr>
           <p:cNvPr id="2" name="标题 1"/>
@@ -2992,12 +3003,12 @@
         <p:spPr/>
         <p:txBody>
           <a:bodyPr/>
-          <a:lstStyle/>
-          <a:p>
-            <a:r>
-              <a:rPr lang="zh-CN" altLang="en-US" dirty="0"/>
-              <a:t>计划和估计</a:t>
-            </a:r>
+          <a:p>
+            <a:r>
+              <a:rPr lang="zh-CN" altLang="en-US"/>
+              <a:t>卡片分类</a:t>
+            </a:r>
+            <a:endParaRPr lang="zh-CN" altLang="en-US"/>
           </a:p>
         </p:txBody>
       </p:sp>
@@ -3014,106 +3025,16 @@
         <p:spPr/>
         <p:txBody>
           <a:bodyPr/>
-          <a:lstStyle/>
-          <a:p>
-            <a:pPr marL="0" indent="0">
-              <a:buNone/>
-            </a:pPr>
-            <a:r>
-              <a:rPr lang="zh-CN" altLang="en-US" dirty="0"/>
-              <a:t>软件项目计划的一个重要环节就是估计</a:t>
-            </a:r>
-            <a:r>
-              <a:rPr lang="zh-CN" altLang="en-US" dirty="0" smtClean="0"/>
-              <a:t>项目各</a:t>
-            </a:r>
-            <a:r>
-              <a:rPr lang="zh-CN" altLang="en-US" dirty="0"/>
-              <a:t>类工作（特别是各种功能）所需的</a:t>
-            </a:r>
-            <a:r>
-              <a:rPr lang="zh-CN" altLang="en-US" dirty="0" smtClean="0"/>
-              <a:t>时间。在</a:t>
-            </a:r>
-            <a:r>
-              <a:rPr lang="zh-CN" altLang="en-US" dirty="0"/>
-              <a:t>开始</a:t>
-            </a:r>
-            <a:r>
-              <a:rPr lang="zh-CN" altLang="en-US" dirty="0" smtClean="0"/>
-              <a:t>估计</a:t>
-            </a:r>
-            <a:r>
-              <a:rPr lang="zh-CN" altLang="en-US" dirty="0"/>
-              <a:t>之前，我们先分清楚几个概念：目标、估计</a:t>
-            </a:r>
-            <a:r>
-              <a:rPr lang="zh-CN" altLang="en-US" dirty="0" smtClean="0"/>
-              <a:t>和决心</a:t>
-            </a:r>
-            <a:endParaRPr lang="zh-CN" altLang="en-US" dirty="0"/>
-          </a:p>
-          <a:p>
-            <a:r>
-              <a:rPr lang="zh-CN" altLang="en-US" dirty="0" smtClean="0"/>
-              <a:t>目标</a:t>
-            </a:r>
-            <a:r>
-              <a:rPr lang="zh-CN" altLang="en-US" dirty="0"/>
-              <a:t>：表明一个希望达到的</a:t>
-            </a:r>
-            <a:r>
-              <a:rPr lang="zh-CN" altLang="en-US" dirty="0" smtClean="0"/>
-              <a:t>状态</a:t>
-            </a:r>
-            <a:endParaRPr lang="en-US" altLang="zh-CN" dirty="0" smtClean="0"/>
-          </a:p>
-          <a:p>
-            <a:r>
-              <a:rPr lang="zh-CN" altLang="en-US" dirty="0"/>
-              <a:t>估计：以当前了解的情况和掌握的资源，要</a:t>
-            </a:r>
-            <a:r>
-              <a:rPr lang="zh-CN" altLang="en-US" dirty="0" smtClean="0"/>
-              <a:t>花费多少</a:t>
-            </a:r>
-            <a:r>
-              <a:rPr lang="zh-CN" altLang="en-US" dirty="0"/>
-              <a:t>人力物力</a:t>
-            </a:r>
-            <a:r>
-              <a:rPr lang="zh-CN" altLang="en-US" dirty="0" smtClean="0"/>
-              <a:t>时       间</a:t>
-            </a:r>
-            <a:r>
-              <a:rPr lang="zh-CN" altLang="en-US" dirty="0"/>
-              <a:t>才能实现某</a:t>
-            </a:r>
-            <a:r>
-              <a:rPr lang="zh-CN" altLang="en-US" dirty="0" smtClean="0"/>
-              <a:t>事</a:t>
-            </a:r>
-            <a:endParaRPr lang="en-US" altLang="zh-CN" dirty="0" smtClean="0"/>
-          </a:p>
-          <a:p>
-            <a:r>
-              <a:rPr lang="zh-CN" altLang="en-US" dirty="0"/>
-              <a:t>决心：保证在某个时间之前完成预先规定的</a:t>
-            </a:r>
-            <a:r>
-              <a:rPr lang="zh-CN" altLang="en-US" dirty="0" smtClean="0"/>
-              <a:t>功能和质量</a:t>
-            </a:r>
-            <a:endParaRPr lang="zh-CN" altLang="en-US" dirty="0"/>
+          <a:p>
+            <a:r>
+              <a:rPr lang="zh-CN" altLang="en-US"/>
+              <a:t>把各种需求做成便于规整的小卡片（也可以写在小贴纸上），然后反复进行下列活动：讨论 → 明晰定义 → 归类 → 排序这一方法可以帮助我们更好地统一大家对软件需求的认识，量化各种特性，更好地定义一个软件的信息架构、用户的工作流程、软件菜单结构、网站的浏览路径、各种内容的层次关系等</a:t>
+            </a:r>
+            <a:endParaRPr lang="zh-CN" altLang="en-US"/>
           </a:p>
         </p:txBody>
       </p:sp>
     </p:spTree>
-    <p:extLst>
-      <p:ext uri="{BB962C8B-B14F-4D97-AF65-F5344CB8AC3E}">
-        <p14:creationId xmlns:p14="http://schemas.microsoft.com/office/powerpoint/2010/main" val="2634761341"/>
-      </p:ext>
-    </p:extLst>
   </p:cSld>
   <p:clrMapOvr>
     <a:masterClrMapping/>
@@ -3130,14 +3051,7 @@
         <p:cNvGrpSpPr/>
         <p:nvPr/>
       </p:nvGrpSpPr>
-      <p:grpSpPr>
-        <a:xfrm>
-          <a:off x="0" y="0"/>
-          <a:ext cx="0" cy="0"/>
-          <a:chOff x="0" y="0"/>
-          <a:chExt cx="0" cy="0"/>
-        </a:xfrm>
-      </p:grpSpPr>
+      <p:grpSpPr/>
       <p:sp>
         <p:nvSpPr>
           <p:cNvPr id="2" name="标题 1"/>
@@ -3151,12 +3065,12 @@
         <p:spPr/>
         <p:txBody>
           <a:bodyPr/>
-          <a:lstStyle/>
-          <a:p>
-            <a:r>
-              <a:rPr lang="zh-CN" altLang="en-US" dirty="0"/>
-              <a:t>估计后面的假设</a:t>
-            </a:r>
+          <a:p>
+            <a:r>
+              <a:rPr lang="zh-CN" altLang="en-US"/>
+              <a:t>用户调查问卷</a:t>
+            </a:r>
+            <a:endParaRPr lang="zh-CN" altLang="en-US"/>
           </a:p>
         </p:txBody>
       </p:sp>
@@ -3173,88 +3087,44 @@
         <p:spPr/>
         <p:txBody>
           <a:bodyPr/>
-          <a:lstStyle/>
-          <a:p>
-            <a:r>
-              <a:rPr lang="zh-CN" altLang="en-US" dirty="0"/>
-              <a:t>找到一个</a:t>
-            </a:r>
-            <a:r>
-              <a:rPr lang="zh-CN" altLang="en-US" dirty="0" smtClean="0"/>
-              <a:t>主持人</a:t>
-            </a:r>
-            <a:endParaRPr lang="en-US" altLang="zh-CN" dirty="0" smtClean="0"/>
-          </a:p>
-          <a:p>
-            <a:r>
-              <a:rPr lang="zh-CN" altLang="en-US" dirty="0"/>
-              <a:t>主持几轮讨论，先确定大家对目标有统一的</a:t>
-            </a:r>
-            <a:r>
-              <a:rPr lang="zh-CN" altLang="en-US" dirty="0" smtClean="0"/>
-              <a:t>理解。然后</a:t>
-            </a:r>
-            <a:r>
-              <a:rPr lang="zh-CN" altLang="en-US" dirty="0"/>
-              <a:t>每一轮统计</a:t>
-            </a:r>
-            <a:r>
-              <a:rPr lang="zh-CN" altLang="en-US" dirty="0" smtClean="0"/>
-              <a:t>大家</a:t>
-            </a:r>
-            <a:r>
-              <a:rPr lang="zh-CN" altLang="en-US" dirty="0"/>
-              <a:t>对时间的估计，并且询问大家估计值的前提</a:t>
-            </a:r>
-            <a:r>
-              <a:rPr lang="zh-CN" altLang="en-US" dirty="0" smtClean="0"/>
-              <a:t>假设</a:t>
-            </a:r>
-            <a:r>
-              <a:rPr lang="zh-CN" altLang="en-US" dirty="0"/>
-              <a:t>是什么，</a:t>
-            </a:r>
-            <a:r>
-              <a:rPr lang="zh-CN" altLang="en-US" dirty="0" smtClean="0"/>
-              <a:t>找到</a:t>
-            </a:r>
-            <a:r>
-              <a:rPr lang="zh-CN" altLang="en-US" dirty="0"/>
-              <a:t>合理的假设，然后</a:t>
-            </a:r>
-            <a:r>
-              <a:rPr lang="zh-CN" altLang="en-US" dirty="0" smtClean="0"/>
-              <a:t>继续</a:t>
-            </a:r>
-            <a:endParaRPr lang="en-US" altLang="zh-CN" dirty="0" smtClean="0"/>
-          </a:p>
-          <a:p>
-            <a:r>
-              <a:rPr lang="zh-CN" altLang="en-US" dirty="0"/>
-              <a:t>最后大家的估计收敛到一个大家都</a:t>
-            </a:r>
-            <a:r>
-              <a:rPr lang="zh-CN" altLang="en-US" dirty="0" smtClean="0"/>
-              <a:t>比较满意</a:t>
-            </a:r>
-            <a:r>
-              <a:rPr lang="zh-CN" altLang="en-US" dirty="0"/>
-              <a:t>的精度数值。于是估计就结束</a:t>
-            </a:r>
-            <a:r>
-              <a:rPr lang="zh-CN" altLang="en-US" dirty="0" smtClean="0"/>
-              <a:t>了</a:t>
-            </a:r>
-            <a:endParaRPr lang="zh-CN" altLang="en-US" dirty="0"/>
+          <a:p>
+            <a:r>
+              <a:rPr lang="zh-CN" altLang="en-US"/>
+              <a:t>问题定义不准确</a:t>
+            </a:r>
+            <a:endParaRPr lang="zh-CN" altLang="en-US"/>
+          </a:p>
+          <a:p>
+            <a:r>
+              <a:rPr lang="zh-CN" altLang="en-US"/>
+              <a:t>使用含糊不清的形容词、副词描述时间、数量、频率、价格等</a:t>
+            </a:r>
+            <a:endParaRPr lang="zh-CN" altLang="en-US"/>
+          </a:p>
+          <a:p>
+            <a:r>
+              <a:rPr lang="zh-CN" altLang="en-US"/>
+              <a:t>让用户花额外的努力来回答问题</a:t>
+            </a:r>
+            <a:endParaRPr lang="zh-CN" altLang="en-US"/>
+          </a:p>
+          <a:p>
+            <a:r>
+              <a:rPr lang="zh-CN" altLang="en-US"/>
+              <a:t>问题带有引导性的倾向</a:t>
+            </a:r>
+            <a:endParaRPr lang="zh-CN" altLang="en-US"/>
+          </a:p>
+          <a:p>
+            <a:r>
+              <a:rPr lang="zh-CN" altLang="en-US"/>
+              <a:t>问题涉及用户隐私、用户所在公司的商业机密或细节</a:t>
+            </a:r>
+            <a:endParaRPr lang="zh-CN" altLang="en-US"/>
           </a:p>
         </p:txBody>
       </p:sp>
     </p:spTree>
-    <p:extLst>
-      <p:ext uri="{BB962C8B-B14F-4D97-AF65-F5344CB8AC3E}">
-        <p14:creationId xmlns:p14="http://schemas.microsoft.com/office/powerpoint/2010/main" val="1012849926"/>
-      </p:ext>
-    </p:extLst>
   </p:cSld>
   <p:clrMapOvr>
     <a:masterClrMapping/>
@@ -3271,183 +3141,34 @@
         <p:cNvGrpSpPr/>
         <p:nvPr/>
       </p:nvGrpSpPr>
-      <p:grpSpPr>
-        <a:xfrm>
-          <a:off x="0" y="0"/>
-          <a:ext cx="0" cy="0"/>
-          <a:chOff x="0" y="0"/>
-          <a:chExt cx="0" cy="0"/>
-        </a:xfrm>
-      </p:grpSpPr>
-      <p:sp>
-        <p:nvSpPr>
-          <p:cNvPr id="4" name="内容占位符 3"/>
-          <p:cNvSpPr>
-            <a:spLocks noGrp="1"/>
-          </p:cNvSpPr>
+      <p:grpSpPr/>
+      <p:pic>
+        <p:nvPicPr>
+          <p:cNvPr id="5" name="内容占位符 4"/>
+          <p:cNvPicPr>
+            <a:picLocks noChangeAspect="1"/>
+          </p:cNvPicPr>
           <p:nvPr>
             <p:ph/>
           </p:nvPr>
-        </p:nvSpPr>
-        <p:spPr/>
-        <p:txBody>
-          <a:bodyPr/>
-          <a:lstStyle/>
-          <a:p>
-            <a:r>
-              <a:rPr lang="zh-CN" altLang="en-US" dirty="0"/>
-              <a:t>不必太拘泥于</a:t>
-            </a:r>
-            <a:r>
-              <a:rPr lang="zh-CN" altLang="en-US" dirty="0" smtClean="0"/>
-              <a:t>精度</a:t>
-            </a:r>
-            <a:endParaRPr lang="en-US" altLang="zh-CN" dirty="0" smtClean="0"/>
-          </a:p>
-          <a:p>
-            <a:r>
-              <a:rPr lang="zh-CN" altLang="en-US" dirty="0"/>
-              <a:t>主持人要记住在每一轮的讨论中探询</a:t>
-            </a:r>
-            <a:r>
-              <a:rPr lang="zh-CN" altLang="en-US" dirty="0" smtClean="0"/>
-              <a:t>数值</a:t>
-            </a:r>
-            <a:r>
-              <a:rPr lang="zh-CN" altLang="en-US" dirty="0"/>
-              <a:t>背后的</a:t>
-            </a:r>
-            <a:r>
-              <a:rPr lang="zh-CN" altLang="en-US" dirty="0" smtClean="0"/>
-              <a:t>假设</a:t>
-            </a:r>
-            <a:endParaRPr lang="en-US" altLang="zh-CN" dirty="0" smtClean="0"/>
-          </a:p>
-          <a:p>
-            <a:r>
-              <a:rPr lang="zh-CN" altLang="en-US" dirty="0"/>
-              <a:t>大家的</a:t>
-            </a:r>
-            <a:r>
-              <a:rPr lang="zh-CN" altLang="en-US" dirty="0" smtClean="0"/>
-              <a:t>假设要</a:t>
-            </a:r>
-            <a:r>
-              <a:rPr lang="zh-CN" altLang="en-US" dirty="0"/>
-              <a:t>收敛，不要</a:t>
-            </a:r>
-            <a:r>
-              <a:rPr lang="zh-CN" altLang="en-US" dirty="0" smtClean="0"/>
-              <a:t>天马行空，</a:t>
-            </a:r>
-            <a:r>
-              <a:rPr lang="zh-CN" altLang="en-US" dirty="0"/>
-              <a:t>每一轮的讨论中，估计值的上界和下界</a:t>
-            </a:r>
-            <a:r>
-              <a:rPr lang="zh-CN" altLang="en-US" dirty="0" smtClean="0"/>
-              <a:t>要不断</a:t>
-            </a:r>
-            <a:r>
-              <a:rPr lang="zh-CN" altLang="en-US" dirty="0"/>
-              <a:t>接近</a:t>
-            </a:r>
-          </a:p>
-          <a:p>
-            <a:r>
-              <a:rPr lang="zh-CN" altLang="en-US" dirty="0"/>
-              <a:t>最后得到的估计数值，也许</a:t>
-            </a:r>
-            <a:r>
-              <a:rPr lang="zh-CN" altLang="en-US" dirty="0" smtClean="0"/>
-              <a:t>和某人</a:t>
-            </a:r>
-            <a:r>
-              <a:rPr lang="zh-CN" altLang="en-US" dirty="0"/>
-              <a:t>最初提出的数值很接近，但是这意义</a:t>
-            </a:r>
-            <a:r>
-              <a:rPr lang="zh-CN" altLang="en-US" dirty="0" smtClean="0"/>
-              <a:t>并不大</a:t>
-            </a:r>
-            <a:endParaRPr lang="zh-CN" altLang="en-US" dirty="0"/>
-          </a:p>
-          <a:p>
-            <a:r>
-              <a:rPr lang="zh-CN" altLang="en-US" dirty="0" smtClean="0"/>
-              <a:t>长期项目要考虑人员变动问题</a:t>
-            </a:r>
-            <a:endParaRPr lang="en-US" altLang="zh-CN" dirty="0" smtClean="0"/>
-          </a:p>
-          <a:p>
-            <a:r>
-              <a:rPr lang="zh-CN" altLang="en-US" dirty="0"/>
-              <a:t>软件</a:t>
-            </a:r>
-            <a:r>
-              <a:rPr lang="zh-CN" altLang="en-US" dirty="0" smtClean="0"/>
-              <a:t>项目有不少</a:t>
-            </a:r>
-            <a:r>
-              <a:rPr lang="zh-CN" altLang="en-US" dirty="0"/>
-              <a:t>东西可以重用别人的结果，但是项目中最</a:t>
-            </a:r>
-            <a:r>
-              <a:rPr lang="zh-CN" altLang="en-US" dirty="0" smtClean="0"/>
-              <a:t>有价值</a:t>
-            </a:r>
-            <a:r>
-              <a:rPr lang="zh-CN" altLang="en-US" dirty="0"/>
-              <a:t>的部分，别人都还没做过</a:t>
-            </a:r>
-            <a:r>
-              <a:rPr lang="zh-CN" altLang="en-US" dirty="0" smtClean="0"/>
-              <a:t>，得</a:t>
-            </a:r>
-            <a:r>
-              <a:rPr lang="zh-CN" altLang="en-US" dirty="0"/>
-              <a:t>自己</a:t>
-            </a:r>
-            <a:r>
-              <a:rPr lang="zh-CN" altLang="en-US" dirty="0" smtClean="0"/>
-              <a:t>动手，这时不能</a:t>
-            </a:r>
-            <a:r>
-              <a:rPr lang="zh-CN" altLang="en-US" dirty="0"/>
-              <a:t>高估自己的</a:t>
-            </a:r>
-            <a:r>
-              <a:rPr lang="zh-CN" altLang="en-US" dirty="0" smtClean="0"/>
-              <a:t>能力</a:t>
-            </a:r>
-            <a:r>
-              <a:rPr lang="zh-CN" altLang="en-US" dirty="0"/>
-              <a:t>，低估未知的困难</a:t>
-            </a:r>
-          </a:p>
-          <a:p>
-            <a:endParaRPr lang="zh-CN" altLang="en-US" dirty="0"/>
-          </a:p>
-          <a:p>
-            <a:endParaRPr lang="en-US" altLang="zh-CN" dirty="0" smtClean="0"/>
-          </a:p>
-          <a:p>
-            <a:endParaRPr lang="zh-CN" altLang="en-US" dirty="0"/>
-          </a:p>
-          <a:p>
-            <a:endParaRPr lang="zh-CN" altLang="en-US" dirty="0"/>
-          </a:p>
-          <a:p>
-            <a:endParaRPr lang="zh-CN" altLang="en-US" dirty="0"/>
-          </a:p>
-        </p:txBody>
-      </p:sp>
+        </p:nvPicPr>
+        <p:blipFill>
+          <a:blip r:embed="rId1"/>
+          <a:stretch>
+            <a:fillRect/>
+          </a:stretch>
+        </p:blipFill>
+        <p:spPr>
+          <a:xfrm>
+            <a:off x="1764030" y="365125"/>
+            <a:ext cx="8662670" cy="5812155"/>
+          </a:xfrm>
+          <a:prstGeom prst="rect">
+            <a:avLst/>
+          </a:prstGeom>
+        </p:spPr>
+      </p:pic>
     </p:spTree>
-    <p:extLst>
-      <p:ext uri="{BB962C8B-B14F-4D97-AF65-F5344CB8AC3E}">
-        <p14:creationId xmlns:p14="http://schemas.microsoft.com/office/powerpoint/2010/main" val="1894574621"/>
-      </p:ext>
-    </p:extLst>
   </p:cSld>
   <p:clrMapOvr>
     <a:masterClrMapping/>
@@ -3464,165 +3185,96 @@
         <p:cNvGrpSpPr/>
         <p:nvPr/>
       </p:nvGrpSpPr>
-      <p:grpSpPr>
-        <a:xfrm>
-          <a:off x="0" y="0"/>
-          <a:ext cx="0" cy="0"/>
-          <a:chOff x="0" y="0"/>
-          <a:chExt cx="0" cy="0"/>
-        </a:xfrm>
-      </p:grpSpPr>
-      <p:sp>
-        <p:nvSpPr>
-          <p:cNvPr id="2" name="内容占位符 1"/>
-          <p:cNvSpPr>
-            <a:spLocks noGrp="1"/>
-          </p:cNvSpPr>
-          <p:nvPr>
-            <p:ph/>
-          </p:nvPr>
-        </p:nvSpPr>
-        <p:spPr/>
-        <p:txBody>
-          <a:bodyPr/>
-          <a:lstStyle/>
-          <a:p>
-            <a:r>
-              <a:rPr lang="zh-CN" altLang="en-US" dirty="0"/>
-              <a:t>实际时间花费主要取决于两</a:t>
-            </a:r>
-            <a:r>
-              <a:rPr lang="zh-CN" altLang="en-US" dirty="0" smtClean="0"/>
-              <a:t>个因素</a:t>
-            </a:r>
-            <a:r>
-              <a:rPr lang="en-US" altLang="zh-CN" dirty="0" smtClean="0"/>
-              <a:t>—</a:t>
-            </a:r>
-            <a:r>
-              <a:rPr lang="zh-CN" altLang="en-US" dirty="0" smtClean="0"/>
-              <a:t>对</a:t>
-            </a:r>
-            <a:r>
-              <a:rPr lang="zh-CN" altLang="en-US" dirty="0"/>
-              <a:t>某件事的估计</a:t>
-            </a:r>
-            <a:r>
-              <a:rPr lang="zh-CN" altLang="en-US" dirty="0" smtClean="0"/>
-              <a:t>时间</a:t>
-            </a:r>
-            <a:r>
-              <a:rPr lang="en-US" altLang="zh-CN" dirty="0" smtClean="0"/>
-              <a:t>X</a:t>
-            </a:r>
-            <a:r>
-              <a:rPr lang="zh-CN" altLang="en-US" dirty="0" smtClean="0"/>
-              <a:t>，</a:t>
-            </a:r>
-            <a:r>
-              <a:rPr lang="zh-CN" altLang="en-US" dirty="0"/>
-              <a:t>以及他做过</a:t>
-            </a:r>
-            <a:r>
-              <a:rPr lang="zh-CN" altLang="en-US" dirty="0" smtClean="0"/>
-              <a:t>类似开发</a:t>
-            </a:r>
-            <a:r>
-              <a:rPr lang="zh-CN" altLang="en-US" dirty="0"/>
-              <a:t>工作的</a:t>
-            </a:r>
-            <a:r>
-              <a:rPr lang="zh-CN" altLang="en-US" dirty="0" smtClean="0"/>
-              <a:t>次数</a:t>
-            </a:r>
-            <a:r>
-              <a:rPr lang="en-US" altLang="zh-CN" dirty="0" smtClean="0"/>
-              <a:t>N</a:t>
-            </a:r>
-            <a:r>
-              <a:rPr lang="zh-CN" altLang="en-US" dirty="0" smtClean="0"/>
-              <a:t>：</a:t>
-            </a:r>
-            <a:r>
-              <a:rPr lang="en-US" altLang="zh-CN" dirty="0"/>
-              <a:t>Y = X ± X ÷ </a:t>
-            </a:r>
-            <a:r>
-              <a:rPr lang="en-US" altLang="zh-CN" dirty="0" smtClean="0"/>
-              <a:t>N</a:t>
-            </a:r>
-          </a:p>
-          <a:p>
-            <a:r>
-              <a:rPr lang="zh-CN" altLang="en-US" dirty="0"/>
-              <a:t>项目的</a:t>
-            </a:r>
-            <a:r>
-              <a:rPr lang="zh-CN" altLang="en-US" dirty="0" smtClean="0"/>
-              <a:t>复杂程度</a:t>
-            </a:r>
-            <a:r>
-              <a:rPr lang="zh-CN" altLang="en-US" dirty="0"/>
-              <a:t>将由下面两个因素决定：</a:t>
-            </a:r>
-          </a:p>
-          <a:p>
-            <a:r>
-              <a:rPr lang="zh-CN" altLang="en-US" dirty="0"/>
-              <a:t>需求的复杂程度：程序员是第几次实现类似</a:t>
-            </a:r>
-            <a:r>
-              <a:rPr lang="zh-CN" altLang="en-US" dirty="0" smtClean="0"/>
-              <a:t>的需求</a:t>
-            </a:r>
-            <a:endParaRPr lang="zh-CN" altLang="en-US" dirty="0"/>
-          </a:p>
-          <a:p>
-            <a:r>
-              <a:rPr lang="zh-CN" altLang="en-US" dirty="0"/>
-              <a:t>技术的复杂程度：程序员是第几次用这个</a:t>
-            </a:r>
-            <a:r>
-              <a:rPr lang="zh-CN" altLang="en-US" dirty="0" smtClean="0"/>
-              <a:t>技术实现</a:t>
-            </a:r>
-            <a:endParaRPr lang="en-US" altLang="zh-CN" dirty="0" smtClean="0"/>
-          </a:p>
-          <a:p>
-            <a:endParaRPr lang="zh-CN" altLang="en-US" dirty="0"/>
-          </a:p>
-          <a:p>
-            <a:pPr marL="0" indent="0">
-              <a:buNone/>
-            </a:pPr>
-            <a:endParaRPr lang="zh-CN" altLang="en-US" dirty="0"/>
+      <p:grpSpPr/>
+      <p:sp>
+        <p:nvSpPr>
+          <p:cNvPr id="3" name="标题 2"/>
+          <p:cNvSpPr>
+            <a:spLocks noGrp="1"/>
+          </p:cNvSpPr>
+          <p:nvPr>
+            <p:ph type="title"/>
+          </p:nvPr>
+        </p:nvSpPr>
+        <p:spPr/>
+        <p:txBody>
+          <a:bodyPr/>
+          <a:p>
+            <a:r>
+              <a:rPr lang="zh-CN" altLang="en-US"/>
+              <a:t>用户日志研究</a:t>
+            </a:r>
+            <a:endParaRPr lang="zh-CN" altLang="en-US"/>
+          </a:p>
+        </p:txBody>
+      </p:sp>
+      <p:sp>
+        <p:nvSpPr>
+          <p:cNvPr id="4" name="内容占位符 3"/>
+          <p:cNvSpPr>
+            <a:spLocks noGrp="1"/>
+          </p:cNvSpPr>
+          <p:nvPr>
+            <p:ph idx="1"/>
+          </p:nvPr>
+        </p:nvSpPr>
+        <p:spPr/>
+        <p:txBody>
+          <a:bodyPr/>
+          <a:p>
+            <a:r>
+              <a:rPr lang="zh-CN" altLang="en-US"/>
+              <a:t>要求用户记录自己日常工作或生活中与所用软件相关的行为，供软件团队分析</a:t>
+            </a:r>
+            <a:endParaRPr lang="zh-CN" altLang="en-US"/>
+          </a:p>
+          <a:p>
+            <a:endParaRPr lang="zh-CN" altLang="en-US"/>
           </a:p>
         </p:txBody>
       </p:sp>
       <p:pic>
         <p:nvPicPr>
-          <p:cNvPr id="3" name="图片 2"/>
+          <p:cNvPr id="5" name="图片 4" descr="捕获2"/>
           <p:cNvPicPr>
             <a:picLocks noChangeAspect="1"/>
           </p:cNvPicPr>
           <p:nvPr/>
         </p:nvPicPr>
         <p:blipFill>
-          <a:blip r:embed="rId2">
-            <a:extLst>
-              <a:ext uri="{28A0092B-C50C-407E-A947-70E740481C1C}">
-                <a14:useLocalDpi xmlns:a14="http://schemas.microsoft.com/office/drawing/2010/main" val="0"/>
-              </a:ext>
-            </a:extLst>
-          </a:blip>
+          <a:blip r:embed="rId1"/>
           <a:stretch>
             <a:fillRect/>
           </a:stretch>
         </p:blipFill>
         <p:spPr>
           <a:xfrm>
-            <a:off x="2323651" y="2844845"/>
-            <a:ext cx="4174003" cy="3451580"/>
+            <a:off x="301625" y="2731770"/>
+            <a:ext cx="6144260" cy="3305810"/>
+          </a:xfrm>
+          <a:prstGeom prst="rect">
+            <a:avLst/>
+          </a:prstGeom>
+        </p:spPr>
+      </p:pic>
+      <p:pic>
+        <p:nvPicPr>
+          <p:cNvPr id="6" name="图片 5" descr="捕获3"/>
+          <p:cNvPicPr>
+            <a:picLocks noChangeAspect="1"/>
+          </p:cNvPicPr>
+          <p:nvPr/>
+        </p:nvPicPr>
+        <p:blipFill>
+          <a:blip r:embed="rId2"/>
+          <a:stretch>
+            <a:fillRect/>
+          </a:stretch>
+        </p:blipFill>
+        <p:spPr>
+          <a:xfrm>
+            <a:off x="6368415" y="2607945"/>
+            <a:ext cx="5325110" cy="3553460"/>
           </a:xfrm>
           <a:prstGeom prst="rect">
             <a:avLst/>
@@ -3630,11 +3282,6 @@
         </p:spPr>
       </p:pic>
     </p:spTree>
-    <p:extLst>
-      <p:ext uri="{BB962C8B-B14F-4D97-AF65-F5344CB8AC3E}">
-        <p14:creationId xmlns:p14="http://schemas.microsoft.com/office/powerpoint/2010/main" val="2307718755"/>
-      </p:ext>
-    </p:extLst>
   </p:cSld>
   <p:clrMapOvr>
     <a:masterClrMapping/>
@@ -3651,17 +3298,10 @@
         <p:cNvGrpSpPr/>
         <p:nvPr/>
       </p:nvGrpSpPr>
-      <p:grpSpPr>
-        <a:xfrm>
-          <a:off x="0" y="0"/>
-          <a:ext cx="0" cy="0"/>
-          <a:chOff x="0" y="0"/>
-          <a:chExt cx="0" cy="0"/>
-        </a:xfrm>
-      </p:grpSpPr>
-      <p:sp>
-        <p:nvSpPr>
-          <p:cNvPr id="3" name="标题 2"/>
+      <p:grpSpPr/>
+      <p:sp>
+        <p:nvSpPr>
+          <p:cNvPr id="2" name="标题 1"/>
           <p:cNvSpPr>
             <a:spLocks noGrp="1"/>
           </p:cNvSpPr>
@@ -3672,22 +3312,18 @@
         <p:spPr/>
         <p:txBody>
           <a:bodyPr/>
-          <a:lstStyle/>
-          <a:p>
-            <a:r>
-              <a:rPr lang="zh-CN" altLang="en-US" dirty="0" smtClean="0"/>
-              <a:t>时间估计的两</a:t>
-            </a:r>
-            <a:r>
-              <a:rPr lang="zh-CN" altLang="en-US" dirty="0"/>
-              <a:t>个方面</a:t>
-            </a:r>
-          </a:p>
-        </p:txBody>
-      </p:sp>
-      <p:sp>
-        <p:nvSpPr>
-          <p:cNvPr id="4" name="内容占位符 3"/>
+          <a:p>
+            <a:r>
+              <a:rPr lang="zh-CN" altLang="en-US"/>
+              <a:t>人类学调查</a:t>
+            </a:r>
+            <a:endParaRPr lang="zh-CN" altLang="en-US"/>
+          </a:p>
+        </p:txBody>
+      </p:sp>
+      <p:sp>
+        <p:nvSpPr>
+          <p:cNvPr id="3" name="内容占位符 2"/>
           <p:cNvSpPr>
             <a:spLocks noGrp="1"/>
           </p:cNvSpPr>
@@ -3698,59 +3334,43 @@
         <p:spPr/>
         <p:txBody>
           <a:bodyPr/>
-          <a:lstStyle/>
-          <a:p>
-            <a:r>
-              <a:rPr lang="zh-CN" altLang="en-US" dirty="0"/>
-              <a:t>自底向上。团队成员各自估计底层模块和</a:t>
-            </a:r>
-            <a:r>
-              <a:rPr lang="zh-CN" altLang="en-US" dirty="0" smtClean="0"/>
-              <a:t>单个功能</a:t>
-            </a:r>
-            <a:r>
-              <a:rPr lang="zh-CN" altLang="en-US" dirty="0"/>
-              <a:t>（及单元测试）所需的时间，再加上集成</a:t>
-            </a:r>
-            <a:r>
-              <a:rPr lang="zh-CN" altLang="en-US" dirty="0" smtClean="0"/>
-              <a:t>及基本</a:t>
-            </a:r>
-            <a:r>
-              <a:rPr lang="zh-CN" altLang="en-US" dirty="0"/>
-              <a:t>测试的时间，就是大概的开发</a:t>
-            </a:r>
-            <a:r>
-              <a:rPr lang="zh-CN" altLang="en-US" dirty="0" smtClean="0"/>
-              <a:t>时间</a:t>
-            </a:r>
-            <a:endParaRPr lang="en-US" altLang="zh-CN" dirty="0" smtClean="0"/>
-          </a:p>
-          <a:p>
-            <a:r>
-              <a:rPr lang="zh-CN" altLang="en-US" dirty="0"/>
-              <a:t>回溯。团队从整个项目最终交付之日往回</a:t>
-            </a:r>
-            <a:r>
-              <a:rPr lang="zh-CN" altLang="en-US" dirty="0" smtClean="0"/>
-              <a:t>倒推</a:t>
-            </a:r>
-            <a:endParaRPr lang="zh-CN" altLang="en-US" dirty="0"/>
-          </a:p>
-          <a:p>
-            <a:endParaRPr lang="zh-CN" altLang="en-US" dirty="0"/>
-          </a:p>
-          <a:p>
-            <a:endParaRPr lang="zh-CN" altLang="en-US" dirty="0"/>
-          </a:p>
-        </p:txBody>
-      </p:sp>
+          <a:p>
+            <a:r>
+              <a:rPr lang="zh-CN" altLang="en-US"/>
+              <a:t>和目标用户“同吃同住同劳动”</a:t>
+            </a:r>
+            <a:endParaRPr lang="zh-CN" altLang="en-US"/>
+          </a:p>
+          <a:p>
+            <a:endParaRPr lang="zh-CN" altLang="en-US"/>
+          </a:p>
+        </p:txBody>
+      </p:sp>
+      <p:pic>
+        <p:nvPicPr>
+          <p:cNvPr id="4" name="图片 3" descr="捕获4"/>
+          <p:cNvPicPr>
+            <a:picLocks noChangeAspect="1"/>
+          </p:cNvPicPr>
+          <p:nvPr/>
+        </p:nvPicPr>
+        <p:blipFill>
+          <a:blip r:embed="rId1"/>
+          <a:stretch>
+            <a:fillRect/>
+          </a:stretch>
+        </p:blipFill>
+        <p:spPr>
+          <a:xfrm>
+            <a:off x="1742440" y="2258060"/>
+            <a:ext cx="8155940" cy="4369435"/>
+          </a:xfrm>
+          <a:prstGeom prst="rect">
+            <a:avLst/>
+          </a:prstGeom>
+        </p:spPr>
+      </p:pic>
     </p:spTree>
-    <p:extLst>
-      <p:ext uri="{BB962C8B-B14F-4D97-AF65-F5344CB8AC3E}">
-        <p14:creationId xmlns:p14="http://schemas.microsoft.com/office/powerpoint/2010/main" val="3282757872"/>
-      </p:ext>
-    </p:extLst>
   </p:cSld>
   <p:clrMapOvr>
     <a:masterClrMapping/>
@@ -3767,114 +3387,34 @@
         <p:cNvGrpSpPr/>
         <p:nvPr/>
       </p:nvGrpSpPr>
-      <p:grpSpPr>
-        <a:xfrm>
-          <a:off x="0" y="0"/>
-          <a:ext cx="0" cy="0"/>
-          <a:chOff x="0" y="0"/>
-          <a:chExt cx="0" cy="0"/>
-        </a:xfrm>
-      </p:grpSpPr>
-      <p:sp>
-        <p:nvSpPr>
-          <p:cNvPr id="4" name="内容占位符 3"/>
-          <p:cNvSpPr>
-            <a:spLocks noGrp="1"/>
-          </p:cNvSpPr>
+      <p:grpSpPr/>
+      <p:pic>
+        <p:nvPicPr>
+          <p:cNvPr id="5" name="内容占位符 4" descr="捕获"/>
+          <p:cNvPicPr>
+            <a:picLocks noChangeAspect="1"/>
+          </p:cNvPicPr>
           <p:nvPr>
             <p:ph/>
           </p:nvPr>
-        </p:nvSpPr>
-        <p:spPr/>
-        <p:txBody>
-          <a:bodyPr>
-            <a:normAutofit/>
-          </a:bodyPr>
-          <a:lstStyle/>
-          <a:p>
-            <a:endParaRPr lang="en-US" altLang="zh-CN" dirty="0" smtClean="0"/>
-          </a:p>
-          <a:p>
-            <a:endParaRPr lang="en-US" altLang="zh-CN" dirty="0"/>
-          </a:p>
-          <a:p>
-            <a:endParaRPr lang="en-US" altLang="zh-CN" dirty="0" smtClean="0"/>
-          </a:p>
-          <a:p>
-            <a:pPr marL="0" indent="0">
-              <a:buNone/>
-            </a:pPr>
-            <a:r>
-              <a:rPr lang="zh-CN" altLang="en-US" dirty="0" smtClean="0"/>
-              <a:t>在</a:t>
-            </a:r>
-            <a:r>
-              <a:rPr lang="zh-CN" altLang="en-US" dirty="0"/>
-              <a:t>敏捷开发的项目中，团队一般不过分</a:t>
-            </a:r>
-            <a:r>
-              <a:rPr lang="zh-CN" altLang="en-US" dirty="0" smtClean="0"/>
-              <a:t>强调“估计”的</a:t>
-            </a:r>
-            <a:r>
-              <a:rPr lang="zh-CN" altLang="en-US" dirty="0"/>
-              <a:t>价值，因为它就是一</a:t>
-            </a:r>
-            <a:r>
-              <a:rPr lang="zh-CN" altLang="en-US" dirty="0" smtClean="0"/>
-              <a:t>个“猜”字。“猜得准”不是</a:t>
-            </a:r>
-            <a:r>
-              <a:rPr lang="zh-CN" altLang="en-US" dirty="0"/>
-              <a:t>团队的目标。团队的目标是把软件写出来，</a:t>
-            </a:r>
-            <a:r>
-              <a:rPr lang="zh-CN" altLang="en-US" dirty="0" smtClean="0"/>
-              <a:t>让用户</a:t>
-            </a:r>
-            <a:r>
-              <a:rPr lang="zh-CN" altLang="en-US" dirty="0"/>
-              <a:t>满意。如果猜错了，没关系，微调项目</a:t>
-            </a:r>
-            <a:r>
-              <a:rPr lang="zh-CN" altLang="en-US" dirty="0" smtClean="0"/>
-              <a:t>进度即</a:t>
-            </a:r>
-            <a:r>
-              <a:rPr lang="zh-CN" altLang="en-US" dirty="0"/>
-              <a:t>可，不要</a:t>
-            </a:r>
-            <a:r>
-              <a:rPr lang="zh-CN" altLang="en-US" dirty="0" smtClean="0"/>
-              <a:t>为了“猜得准”而</a:t>
-            </a:r>
-            <a:r>
-              <a:rPr lang="zh-CN" altLang="en-US" dirty="0"/>
-              <a:t>踌躇不前，或者</a:t>
-            </a:r>
-            <a:r>
-              <a:rPr lang="zh-CN" altLang="en-US" dirty="0" smtClean="0"/>
-              <a:t>为了让</a:t>
-            </a:r>
-            <a:r>
-              <a:rPr lang="zh-CN" altLang="en-US" dirty="0"/>
-              <a:t>当初的猜测看起来靠谱而不如实报告进度</a:t>
-            </a:r>
-          </a:p>
-          <a:p>
-            <a:pPr marL="0" indent="0">
-              <a:buNone/>
-            </a:pPr>
-            <a:endParaRPr lang="zh-CN" altLang="en-US" dirty="0"/>
-          </a:p>
-        </p:txBody>
-      </p:sp>
+        </p:nvPicPr>
+        <p:blipFill>
+          <a:blip r:embed="rId1"/>
+          <a:stretch>
+            <a:fillRect/>
+          </a:stretch>
+        </p:blipFill>
+        <p:spPr>
+          <a:xfrm>
+            <a:off x="1163320" y="874395"/>
+            <a:ext cx="9538335" cy="5109210"/>
+          </a:xfrm>
+          <a:prstGeom prst="rect">
+            <a:avLst/>
+          </a:prstGeom>
+        </p:spPr>
+      </p:pic>
     </p:spTree>
-    <p:extLst>
-      <p:ext uri="{BB962C8B-B14F-4D97-AF65-F5344CB8AC3E}">
-        <p14:creationId xmlns:p14="http://schemas.microsoft.com/office/powerpoint/2010/main" val="1321811906"/>
-      </p:ext>
-    </p:extLst>
   </p:cSld>
   <p:clrMapOvr>
     <a:masterClrMapping/>
@@ -3901,7 +3441,7 @@
       </p:grpSpPr>
       <p:sp>
         <p:nvSpPr>
-          <p:cNvPr id="3" name="标题 2"/>
+          <p:cNvPr id="2" name="标题 1"/>
           <p:cNvSpPr>
             <a:spLocks noGrp="1"/>
           </p:cNvSpPr>
@@ -3915,15 +3455,16 @@
           <a:lstStyle/>
           <a:p>
             <a:r>
-              <a:rPr lang="zh-CN" altLang="en-US" dirty="0"/>
-              <a:t>分而治之</a:t>
-            </a:r>
-          </a:p>
-        </p:txBody>
-      </p:sp>
-      <p:sp>
-        <p:nvSpPr>
-          <p:cNvPr id="4" name="内容占位符 3"/>
+              <a:rPr lang="zh-CN" altLang="en-US"/>
+              <a:t>竞争性需求分析的框架</a:t>
+            </a:r>
+            <a:endParaRPr lang="zh-CN" altLang="en-US"/>
+          </a:p>
+        </p:txBody>
+      </p:sp>
+      <p:sp>
+        <p:nvSpPr>
+          <p:cNvPr id="3" name="内容占位符 2"/>
           <p:cNvSpPr>
             <a:spLocks noGrp="1"/>
           </p:cNvSpPr>
@@ -3936,87 +3477,57 @@
           <a:bodyPr/>
           <a:lstStyle/>
           <a:p>
-            <a:pPr marL="0" indent="0">
-              <a:buNone/>
-            </a:pPr>
-            <a:r>
-              <a:rPr lang="zh-CN" altLang="en-US" dirty="0"/>
-              <a:t>一个团队项目要在一段时间内完成诸多任务，</a:t>
-            </a:r>
-            <a:r>
-              <a:rPr lang="zh-CN" altLang="en-US" dirty="0" smtClean="0"/>
-              <a:t>满足</a:t>
-            </a:r>
-            <a:r>
-              <a:rPr lang="zh-CN" altLang="en-US" dirty="0"/>
-              <a:t>用户的需求，实现团队的目标，同时还希望</a:t>
-            </a:r>
-            <a:r>
-              <a:rPr lang="zh-CN" altLang="en-US" dirty="0" smtClean="0"/>
-              <a:t>项目</a:t>
-            </a:r>
-            <a:r>
-              <a:rPr lang="zh-CN" altLang="en-US" dirty="0"/>
-              <a:t>能维持良好的技术架构，以便持续开发，</a:t>
-            </a:r>
-            <a:r>
-              <a:rPr lang="zh-CN" altLang="en-US" dirty="0" smtClean="0"/>
-              <a:t>千头万绪</a:t>
-            </a:r>
-            <a:r>
-              <a:rPr lang="zh-CN" altLang="en-US" dirty="0"/>
-              <a:t>，从哪里入手</a:t>
-            </a:r>
-            <a:r>
-              <a:rPr lang="zh-CN" altLang="en-US" dirty="0" smtClean="0"/>
-              <a:t>？</a:t>
-            </a:r>
-            <a:endParaRPr lang="en-US" altLang="zh-CN" dirty="0" smtClean="0"/>
-          </a:p>
-          <a:p>
-            <a:pPr marL="0" indent="0">
-              <a:buNone/>
-            </a:pPr>
-            <a:endParaRPr lang="zh-CN" altLang="en-US" dirty="0"/>
-          </a:p>
-        </p:txBody>
-      </p:sp>
-      <p:pic>
-        <p:nvPicPr>
-          <p:cNvPr id="5" name="图片 4"/>
-          <p:cNvPicPr>
-            <a:picLocks noChangeAspect="1"/>
-          </p:cNvPicPr>
-          <p:nvPr/>
-        </p:nvPicPr>
-        <p:blipFill>
-          <a:blip r:embed="rId2">
-            <a:extLst>
-              <a:ext uri="{28A0092B-C50C-407E-A947-70E740481C1C}">
-                <a14:useLocalDpi xmlns:a14="http://schemas.microsoft.com/office/drawing/2010/main" val="0"/>
-              </a:ext>
-            </a:extLst>
-          </a:blip>
-          <a:stretch>
-            <a:fillRect/>
-          </a:stretch>
-        </p:blipFill>
-        <p:spPr>
-          <a:xfrm>
-            <a:off x="1605369" y="3515060"/>
-            <a:ext cx="7001853" cy="2219635"/>
-          </a:xfrm>
-          <a:prstGeom prst="rect">
-            <a:avLst/>
-          </a:prstGeom>
-        </p:spPr>
-      </p:pic>
+            <a:r>
+              <a:rPr lang="zh-CN" altLang="en-US"/>
+              <a:t>要在竞争性的环境中实践软件工程，要做实用并且创新的项目</a:t>
+            </a:r>
+            <a:endParaRPr lang="zh-CN" altLang="en-US"/>
+          </a:p>
+          <a:p>
+            <a:r>
+              <a:rPr lang="zh-CN" altLang="en-US"/>
+              <a:t>怎么提出创新的想法，怎么说服别人我的创意是靠谱的</a:t>
+            </a:r>
+            <a:endParaRPr lang="zh-CN" altLang="en-US"/>
+          </a:p>
+          <a:p>
+            <a:r>
+              <a:rPr lang="zh-CN" altLang="en-US"/>
+              <a:t>N（Need，需求）</a:t>
+            </a:r>
+            <a:endParaRPr lang="zh-CN" altLang="en-US"/>
+          </a:p>
+          <a:p>
+            <a:r>
+              <a:rPr lang="zh-CN" altLang="en-US"/>
+              <a:t>A（Approach，做法）</a:t>
+            </a:r>
+            <a:endParaRPr lang="zh-CN" altLang="en-US"/>
+          </a:p>
+          <a:p>
+            <a:r>
+              <a:rPr lang="zh-CN" altLang="en-US"/>
+              <a:t>B（Benefit，好处）</a:t>
+            </a:r>
+            <a:endParaRPr lang="zh-CN" altLang="en-US"/>
+          </a:p>
+          <a:p>
+            <a:r>
+              <a:rPr lang="zh-CN" altLang="en-US"/>
+              <a:t>C（Competitors，竞争）</a:t>
+            </a:r>
+            <a:endParaRPr lang="zh-CN" altLang="en-US"/>
+          </a:p>
+          <a:p>
+            <a:r>
+              <a:rPr lang="zh-CN" altLang="en-US"/>
+              <a:t>D（Delivery，推广）</a:t>
+            </a:r>
+            <a:endParaRPr lang="zh-CN" altLang="en-US"/>
+          </a:p>
+        </p:txBody>
+      </p:sp>
     </p:spTree>
-    <p:extLst>
-      <p:ext uri="{BB962C8B-B14F-4D97-AF65-F5344CB8AC3E}">
-        <p14:creationId xmlns:p14="http://schemas.microsoft.com/office/powerpoint/2010/main" val="3082895364"/>
-      </p:ext>
-    </p:extLst>
   </p:cSld>
   <p:clrMapOvr>
     <a:masterClrMapping/>
@@ -4060,6 +3571,7 @@
               <a:rPr lang="zh-CN" altLang="en-US"/>
               <a:t>软件需求</a:t>
             </a:r>
+            <a:endParaRPr lang="zh-CN" altLang="en-US"/>
           </a:p>
         </p:txBody>
       </p:sp>
@@ -4085,6 +3597,7 @@
               <a:rPr lang="zh-CN" altLang="en-US"/>
               <a:t>人们的需求五花八门，那么软件团队如何才能准确而全面地找到这些需求呢？</a:t>
             </a:r>
+            <a:endParaRPr lang="zh-CN" altLang="en-US"/>
           </a:p>
           <a:p>
             <a:r>
@@ -4095,6 +3608,7 @@
               <a:rPr lang="zh-CN" altLang="en-US"/>
               <a:t>、获取和引导需求</a:t>
             </a:r>
+            <a:endParaRPr lang="zh-CN" altLang="en-US"/>
           </a:p>
           <a:p>
             <a:r>
@@ -4105,6 +3619,7 @@
               <a:rPr lang="zh-CN" altLang="en-US"/>
               <a:t>、分析和定义需求</a:t>
             </a:r>
+            <a:endParaRPr lang="zh-CN" altLang="en-US"/>
           </a:p>
           <a:p>
             <a:r>
@@ -4115,6 +3630,7 @@
               <a:rPr lang="zh-CN" altLang="en-US"/>
               <a:t>、验证需求</a:t>
             </a:r>
+            <a:endParaRPr lang="zh-CN" altLang="en-US"/>
           </a:p>
           <a:p>
             <a:r>
@@ -4125,6 +3641,7 @@
               <a:rPr lang="zh-CN" altLang="en-US"/>
               <a:t>、在软件产品的生命周期中管理需求</a:t>
             </a:r>
+            <a:endParaRPr lang="zh-CN" altLang="en-US"/>
           </a:p>
         </p:txBody>
       </p:sp>
@@ -4169,8 +3686,626 @@
           <a:lstStyle/>
           <a:p>
             <a:r>
-              <a:rPr lang="zh-CN" altLang="en-US" dirty="0" smtClean="0"/>
-              <a:t>分而治之</a:t>
+              <a:rPr lang="zh-CN" altLang="en-US"/>
+              <a:t>功能的定位和优先级</a:t>
+            </a:r>
+            <a:endParaRPr lang="zh-CN" altLang="en-US"/>
+          </a:p>
+        </p:txBody>
+      </p:sp>
+      <p:sp>
+        <p:nvSpPr>
+          <p:cNvPr id="3" name="内容占位符 2"/>
+          <p:cNvSpPr>
+            <a:spLocks noGrp="1"/>
+          </p:cNvSpPr>
+          <p:nvPr>
+            <p:ph idx="1"/>
+          </p:nvPr>
+        </p:nvSpPr>
+        <p:spPr/>
+        <p:txBody>
+          <a:bodyPr/>
+          <a:lstStyle/>
+          <a:p>
+            <a:r>
+              <a:rPr lang="zh-CN" altLang="en-US"/>
+              <a:t>一个团队的资源毕竟有限，怎样才能保证我们的投入能得到较大的回报呢</a:t>
+            </a:r>
+            <a:endParaRPr lang="zh-CN" altLang="en-US"/>
+          </a:p>
+          <a:p>
+            <a:endParaRPr lang="zh-CN" altLang="en-US"/>
+          </a:p>
+        </p:txBody>
+      </p:sp>
+      <p:pic>
+        <p:nvPicPr>
+          <p:cNvPr id="4" name="图片 3" descr="微信图片_20181017224642"/>
+          <p:cNvPicPr>
+            <a:picLocks noChangeAspect="1"/>
+          </p:cNvPicPr>
+          <p:nvPr/>
+        </p:nvPicPr>
+        <p:blipFill>
+          <a:blip r:embed="rId1"/>
+          <a:stretch>
+            <a:fillRect/>
+          </a:stretch>
+        </p:blipFill>
+        <p:spPr>
+          <a:xfrm>
+            <a:off x="2937510" y="2270125"/>
+            <a:ext cx="5923915" cy="4182745"/>
+          </a:xfrm>
+          <a:prstGeom prst="rect">
+            <a:avLst/>
+          </a:prstGeom>
+        </p:spPr>
+      </p:pic>
+    </p:spTree>
+  </p:cSld>
+  <p:clrMapOvr>
+    <a:masterClrMapping/>
+  </p:clrMapOvr>
+</p:sld>
+</file>
+
+<file path=ppt/slides/slide21.xml><?xml version="1.0" encoding="utf-8"?>
+<p:sld xmlns:a="http://schemas.openxmlformats.org/drawingml/2006/main" xmlns:r="http://schemas.openxmlformats.org/officeDocument/2006/relationships" xmlns:p="http://schemas.openxmlformats.org/presentationml/2006/main">
+  <p:cSld>
+    <p:spTree>
+      <p:nvGrpSpPr>
+        <p:cNvPr id="1" name=""/>
+        <p:cNvGrpSpPr/>
+        <p:nvPr/>
+      </p:nvGrpSpPr>
+      <p:grpSpPr/>
+      <p:sp>
+        <p:nvSpPr>
+          <p:cNvPr id="2" name="标题 1"/>
+          <p:cNvSpPr>
+            <a:spLocks noGrp="1"/>
+          </p:cNvSpPr>
+          <p:nvPr>
+            <p:ph type="title"/>
+          </p:nvPr>
+        </p:nvSpPr>
+        <p:spPr/>
+        <p:txBody>
+          <a:bodyPr/>
+          <a:p>
+            <a:r>
+              <a:rPr lang="zh-CN" altLang="en-US"/>
+              <a:t>举例</a:t>
+            </a:r>
+            <a:r>
+              <a:rPr lang="en-US" altLang="zh-CN"/>
+              <a:t>——soul</a:t>
+            </a:r>
+            <a:endParaRPr lang="en-US" altLang="zh-CN"/>
+          </a:p>
+        </p:txBody>
+      </p:sp>
+      <p:sp>
+        <p:nvSpPr>
+          <p:cNvPr id="3" name="内容占位符 2"/>
+          <p:cNvSpPr>
+            <a:spLocks noGrp="1"/>
+          </p:cNvSpPr>
+          <p:nvPr>
+            <p:ph idx="1"/>
+          </p:nvPr>
+        </p:nvSpPr>
+        <p:spPr/>
+        <p:txBody>
+          <a:bodyPr/>
+          <a:p>
+            <a:r>
+              <a:rPr lang="zh-CN" altLang="en-US"/>
+              <a:t>杀手功能：进行测试，分析人格，根据测试结果匹配契合度高的用户进行社交活动</a:t>
+            </a:r>
+            <a:endParaRPr lang="zh-CN" altLang="en-US"/>
+          </a:p>
+          <a:p>
+            <a:pPr marL="0" indent="0">
+              <a:buNone/>
+            </a:pPr>
+            <a:endParaRPr lang="en-US" altLang="zh-CN"/>
+          </a:p>
+        </p:txBody>
+      </p:sp>
+      <p:pic>
+        <p:nvPicPr>
+          <p:cNvPr id="4" name="图片 3" descr="微信图片_20181021155137"/>
+          <p:cNvPicPr>
+            <a:picLocks noChangeAspect="1"/>
+          </p:cNvPicPr>
+          <p:nvPr/>
+        </p:nvPicPr>
+        <p:blipFill>
+          <a:blip r:embed="rId1"/>
+          <a:stretch>
+            <a:fillRect/>
+          </a:stretch>
+        </p:blipFill>
+        <p:spPr>
+          <a:xfrm>
+            <a:off x="1369695" y="2724150"/>
+            <a:ext cx="2649220" cy="3967480"/>
+          </a:xfrm>
+          <a:prstGeom prst="rect">
+            <a:avLst/>
+          </a:prstGeom>
+        </p:spPr>
+      </p:pic>
+      <p:pic>
+        <p:nvPicPr>
+          <p:cNvPr id="5" name="图片 4" descr="微信图片_20181021155239"/>
+          <p:cNvPicPr>
+            <a:picLocks noChangeAspect="1"/>
+          </p:cNvPicPr>
+          <p:nvPr/>
+        </p:nvPicPr>
+        <p:blipFill>
+          <a:blip r:embed="rId2"/>
+          <a:stretch>
+            <a:fillRect/>
+          </a:stretch>
+        </p:blipFill>
+        <p:spPr>
+          <a:xfrm>
+            <a:off x="5502275" y="2723515"/>
+            <a:ext cx="2628900" cy="3967480"/>
+          </a:xfrm>
+          <a:prstGeom prst="rect">
+            <a:avLst/>
+          </a:prstGeom>
+        </p:spPr>
+      </p:pic>
+    </p:spTree>
+  </p:cSld>
+  <p:clrMapOvr>
+    <a:masterClrMapping/>
+  </p:clrMapOvr>
+</p:sld>
+</file>
+
+<file path=ppt/slides/slide22.xml><?xml version="1.0" encoding="utf-8"?>
+<p:sld xmlns:a="http://schemas.openxmlformats.org/drawingml/2006/main" xmlns:r="http://schemas.openxmlformats.org/officeDocument/2006/relationships" xmlns:p="http://schemas.openxmlformats.org/presentationml/2006/main">
+  <p:cSld>
+    <p:spTree>
+      <p:nvGrpSpPr>
+        <p:cNvPr id="1" name=""/>
+        <p:cNvGrpSpPr/>
+        <p:nvPr/>
+      </p:nvGrpSpPr>
+      <p:grpSpPr/>
+      <p:sp>
+        <p:nvSpPr>
+          <p:cNvPr id="4" name="内容占位符 3"/>
+          <p:cNvSpPr>
+            <a:spLocks noGrp="1"/>
+          </p:cNvSpPr>
+          <p:nvPr>
+            <p:ph/>
+          </p:nvPr>
+        </p:nvSpPr>
+        <p:spPr/>
+        <p:txBody>
+          <a:bodyPr/>
+          <a:p>
+            <a:r>
+              <a:rPr lang="zh-CN" altLang="en-US"/>
+              <a:t>外围功能：处杀手功能外的其他功能，例如聊天功能、发状态功能</a:t>
+            </a:r>
+            <a:endParaRPr lang="zh-CN" altLang="en-US"/>
+          </a:p>
+          <a:p>
+            <a:endParaRPr lang="zh-CN" altLang="en-US"/>
+          </a:p>
+        </p:txBody>
+      </p:sp>
+      <p:pic>
+        <p:nvPicPr>
+          <p:cNvPr id="5" name="图片 4" descr="微信图片_20181021155514"/>
+          <p:cNvPicPr>
+            <a:picLocks noChangeAspect="1"/>
+          </p:cNvPicPr>
+          <p:nvPr/>
+        </p:nvPicPr>
+        <p:blipFill>
+          <a:blip r:embed="rId1"/>
+          <a:stretch>
+            <a:fillRect/>
+          </a:stretch>
+        </p:blipFill>
+        <p:spPr>
+          <a:xfrm>
+            <a:off x="1947545" y="1427480"/>
+            <a:ext cx="2805430" cy="4749800"/>
+          </a:xfrm>
+          <a:prstGeom prst="rect">
+            <a:avLst/>
+          </a:prstGeom>
+        </p:spPr>
+      </p:pic>
+      <p:pic>
+        <p:nvPicPr>
+          <p:cNvPr id="6" name="图片 5" descr="微信图片_20181021155523"/>
+          <p:cNvPicPr>
+            <a:picLocks noChangeAspect="1"/>
+          </p:cNvPicPr>
+          <p:nvPr/>
+        </p:nvPicPr>
+        <p:blipFill>
+          <a:blip r:embed="rId2"/>
+          <a:stretch>
+            <a:fillRect/>
+          </a:stretch>
+        </p:blipFill>
+        <p:spPr>
+          <a:xfrm>
+            <a:off x="6862445" y="1427480"/>
+            <a:ext cx="2670175" cy="4749800"/>
+          </a:xfrm>
+          <a:prstGeom prst="rect">
+            <a:avLst/>
+          </a:prstGeom>
+        </p:spPr>
+      </p:pic>
+    </p:spTree>
+  </p:cSld>
+  <p:clrMapOvr>
+    <a:masterClrMapping/>
+  </p:clrMapOvr>
+</p:sld>
+</file>
+
+<file path=ppt/slides/slide23.xml><?xml version="1.0" encoding="utf-8"?>
+<p:sld xmlns:a="http://schemas.openxmlformats.org/drawingml/2006/main" xmlns:r="http://schemas.openxmlformats.org/officeDocument/2006/relationships" xmlns:p="http://schemas.openxmlformats.org/presentationml/2006/main">
+  <p:cSld>
+    <p:spTree>
+      <p:nvGrpSpPr>
+        <p:cNvPr id="1" name=""/>
+        <p:cNvGrpSpPr/>
+        <p:nvPr/>
+      </p:nvGrpSpPr>
+      <p:grpSpPr/>
+      <p:sp>
+        <p:nvSpPr>
+          <p:cNvPr id="2" name="内容占位符 1"/>
+          <p:cNvSpPr>
+            <a:spLocks noGrp="1"/>
+          </p:cNvSpPr>
+          <p:nvPr>
+            <p:ph/>
+          </p:nvPr>
+        </p:nvSpPr>
+        <p:spPr/>
+        <p:txBody>
+          <a:bodyPr/>
+          <a:p>
+            <a:r>
+              <a:rPr lang="zh-CN" altLang="en-US"/>
+              <a:t>必需功能：聊天功能</a:t>
+            </a:r>
+            <a:endParaRPr lang="zh-CN" altLang="en-US"/>
+          </a:p>
+          <a:p>
+            <a:r>
+              <a:rPr lang="zh-CN" altLang="en-US"/>
+              <a:t>辅助功能：辅助性的功能，例如更新资料等</a:t>
+            </a:r>
+            <a:endParaRPr lang="zh-CN" altLang="en-US"/>
+          </a:p>
+          <a:p>
+            <a:endParaRPr lang="zh-CN" altLang="en-US"/>
+          </a:p>
+        </p:txBody>
+      </p:sp>
+      <p:pic>
+        <p:nvPicPr>
+          <p:cNvPr id="3" name="图片 2" descr="微信图片_20181021155514"/>
+          <p:cNvPicPr>
+            <a:picLocks noChangeAspect="1"/>
+          </p:cNvPicPr>
+          <p:nvPr/>
+        </p:nvPicPr>
+        <p:blipFill>
+          <a:blip r:embed="rId1"/>
+          <a:stretch>
+            <a:fillRect/>
+          </a:stretch>
+        </p:blipFill>
+        <p:spPr>
+          <a:xfrm>
+            <a:off x="2179320" y="1583690"/>
+            <a:ext cx="2735580" cy="4866640"/>
+          </a:xfrm>
+          <a:prstGeom prst="rect">
+            <a:avLst/>
+          </a:prstGeom>
+        </p:spPr>
+      </p:pic>
+      <p:pic>
+        <p:nvPicPr>
+          <p:cNvPr id="4" name="图片 3" descr="微信图片_20181021155935"/>
+          <p:cNvPicPr>
+            <a:picLocks noChangeAspect="1"/>
+          </p:cNvPicPr>
+          <p:nvPr/>
+        </p:nvPicPr>
+        <p:blipFill>
+          <a:blip r:embed="rId2"/>
+          <a:stretch>
+            <a:fillRect/>
+          </a:stretch>
+        </p:blipFill>
+        <p:spPr>
+          <a:xfrm>
+            <a:off x="6726555" y="1584325"/>
+            <a:ext cx="2735580" cy="4866640"/>
+          </a:xfrm>
+          <a:prstGeom prst="rect">
+            <a:avLst/>
+          </a:prstGeom>
+        </p:spPr>
+      </p:pic>
+    </p:spTree>
+  </p:cSld>
+  <p:clrMapOvr>
+    <a:masterClrMapping/>
+  </p:clrMapOvr>
+</p:sld>
+</file>
+
+<file path=ppt/slides/slide24.xml><?xml version="1.0" encoding="utf-8"?>
+<p:sld xmlns:a="http://schemas.openxmlformats.org/drawingml/2006/main" xmlns:r="http://schemas.openxmlformats.org/officeDocument/2006/relationships" xmlns:p="http://schemas.openxmlformats.org/presentationml/2006/main">
+  <p:cSld>
+    <p:spTree>
+      <p:nvGrpSpPr>
+        <p:cNvPr id="1" name=""/>
+        <p:cNvGrpSpPr/>
+        <p:nvPr/>
+      </p:nvGrpSpPr>
+      <p:grpSpPr/>
+      <p:graphicFrame>
+        <p:nvGraphicFramePr>
+          <p:cNvPr id="4" name="内容占位符 3"/>
+          <p:cNvGraphicFramePr/>
+          <p:nvPr>
+            <p:ph/>
+          </p:nvPr>
+        </p:nvGraphicFramePr>
+        <p:xfrm>
+          <a:off x="838200" y="365125"/>
+          <a:ext cx="10515600" cy="5652770"/>
+        </p:xfrm>
+        <a:graphic>
+          <a:graphicData uri="http://schemas.openxmlformats.org/drawingml/2006/table">
+            <a:tbl>
+              <a:tblPr firstRow="1" bandRow="1">
+                <a:tableStyleId>{5C22544A-7EE6-4342-B048-85BDC9FD1C3A}</a:tableStyleId>
+              </a:tblPr>
+              <a:tblGrid>
+                <a:gridCol w="570230"/>
+                <a:gridCol w="4847590"/>
+                <a:gridCol w="5097780"/>
+              </a:tblGrid>
+              <a:tr h="480695">
+                <a:tc>
+                  <a:txBody>
+                    <a:bodyPr/>
+                    <a:p>
+                      <a:pPr>
+                        <a:buNone/>
+                      </a:pPr>
+                      <a:endParaRPr lang="zh-CN" altLang="en-US"/>
+                    </a:p>
+                  </a:txBody>
+                  <a:tcPr/>
+                </a:tc>
+                <a:tc>
+                  <a:txBody>
+                    <a:bodyPr/>
+                    <a:p>
+                      <a:pPr>
+                        <a:buNone/>
+                      </a:pPr>
+                      <a:r>
+                        <a:rPr lang="zh-CN" altLang="en-US"/>
+                        <a:t>外围功能</a:t>
+                      </a:r>
+                      <a:endParaRPr lang="zh-CN" altLang="en-US"/>
+                    </a:p>
+                  </a:txBody>
+                  <a:tcPr/>
+                </a:tc>
+                <a:tc>
+                  <a:txBody>
+                    <a:bodyPr/>
+                    <a:p>
+                      <a:pPr>
+                        <a:buNone/>
+                      </a:pPr>
+                      <a:r>
+                        <a:rPr lang="zh-CN" altLang="en-US"/>
+                        <a:t>杀手功能</a:t>
+                      </a:r>
+                      <a:endParaRPr lang="zh-CN" altLang="en-US"/>
+                    </a:p>
+                  </a:txBody>
+                  <a:tcPr/>
+                </a:tc>
+              </a:tr>
+              <a:tr h="2585720">
+                <a:tc>
+                  <a:txBody>
+                    <a:bodyPr/>
+                    <a:p>
+                      <a:pPr>
+                        <a:buNone/>
+                      </a:pPr>
+                      <a:r>
+                        <a:rPr lang="zh-CN" altLang="en-US"/>
+                        <a:t>必需功能</a:t>
+                      </a:r>
+                      <a:endParaRPr lang="zh-CN" altLang="en-US"/>
+                    </a:p>
+                  </a:txBody>
+                  <a:tcPr/>
+                </a:tc>
+                <a:tc>
+                  <a:txBody>
+                    <a:bodyPr/>
+                    <a:p>
+                      <a:pPr>
+                        <a:buNone/>
+                      </a:pPr>
+                      <a:r>
+                        <a:rPr lang="zh-CN" altLang="en-US"/>
+                        <a:t>聊天功能</a:t>
+                      </a:r>
+                      <a:endParaRPr lang="zh-CN" altLang="en-US"/>
+                    </a:p>
+                  </a:txBody>
+                  <a:tcPr/>
+                </a:tc>
+                <a:tc>
+                  <a:txBody>
+                    <a:bodyPr/>
+                    <a:p>
+                      <a:pPr>
+                        <a:buNone/>
+                      </a:pPr>
+                      <a:r>
+                        <a:rPr lang="zh-CN" altLang="en-US"/>
+                        <a:t>进行测试，根据契合度匹配用户</a:t>
+                      </a:r>
+                      <a:endParaRPr lang="zh-CN" altLang="en-US"/>
+                    </a:p>
+                  </a:txBody>
+                  <a:tcPr/>
+                </a:tc>
+              </a:tr>
+              <a:tr h="2586355">
+                <a:tc>
+                  <a:txBody>
+                    <a:bodyPr/>
+                    <a:p>
+                      <a:pPr>
+                        <a:buNone/>
+                      </a:pPr>
+                      <a:r>
+                        <a:rPr lang="zh-CN" altLang="en-US"/>
+                        <a:t>辅助功能</a:t>
+                      </a:r>
+                      <a:endParaRPr lang="zh-CN" altLang="en-US"/>
+                    </a:p>
+                  </a:txBody>
+                  <a:tcPr/>
+                </a:tc>
+                <a:tc>
+                  <a:txBody>
+                    <a:bodyPr/>
+                    <a:p>
+                      <a:pPr>
+                        <a:buNone/>
+                      </a:pPr>
+                      <a:r>
+                        <a:rPr lang="zh-CN" altLang="en-US"/>
+                        <a:t>发状态</a:t>
+                      </a:r>
+                      <a:endParaRPr lang="zh-CN" altLang="en-US"/>
+                    </a:p>
+                    <a:p>
+                      <a:pPr>
+                        <a:buNone/>
+                      </a:pPr>
+                      <a:r>
+                        <a:rPr lang="zh-CN" altLang="en-US"/>
+                        <a:t>更新资料</a:t>
+                      </a:r>
+                      <a:endParaRPr lang="zh-CN" altLang="en-US"/>
+                    </a:p>
+                    <a:p>
+                      <a:pPr>
+                        <a:buNone/>
+                      </a:pPr>
+                      <a:r>
+                        <a:rPr lang="zh-CN" altLang="en-US"/>
+                        <a:t>推送其他用户的状态</a:t>
+                      </a:r>
+                      <a:endParaRPr lang="zh-CN" altLang="en-US"/>
+                    </a:p>
+                  </a:txBody>
+                  <a:tcPr/>
+                </a:tc>
+                <a:tc>
+                  <a:txBody>
+                    <a:bodyPr/>
+                    <a:p>
+                      <a:pPr>
+                        <a:buNone/>
+                      </a:pPr>
+                      <a:r>
+                        <a:rPr lang="zh-CN" altLang="en-US"/>
+                        <a:t>一些其他的测试方法</a:t>
+                      </a:r>
+                      <a:endParaRPr lang="zh-CN" altLang="en-US"/>
+                    </a:p>
+                  </a:txBody>
+                  <a:tcPr/>
+                </a:tc>
+              </a:tr>
+            </a:tbl>
+          </a:graphicData>
+        </a:graphic>
+      </p:graphicFrame>
+    </p:spTree>
+  </p:cSld>
+  <p:clrMapOvr>
+    <a:masterClrMapping/>
+  </p:clrMapOvr>
+</p:sld>
+</file>
+
+<file path=ppt/slides/slide25.xml><?xml version="1.0" encoding="utf-8"?>
+<p:sld xmlns:a="http://schemas.openxmlformats.org/drawingml/2006/main" xmlns:r="http://schemas.openxmlformats.org/officeDocument/2006/relationships" xmlns:p="http://schemas.openxmlformats.org/presentationml/2006/main">
+  <p:cSld>
+    <p:spTree>
+      <p:nvGrpSpPr>
+        <p:cNvPr id="1" name=""/>
+        <p:cNvGrpSpPr/>
+        <p:nvPr/>
+      </p:nvGrpSpPr>
+      <p:grpSpPr>
+        <a:xfrm>
+          <a:off x="0" y="0"/>
+          <a:ext cx="0" cy="0"/>
+          <a:chOff x="0" y="0"/>
+          <a:chExt cx="0" cy="0"/>
+        </a:xfrm>
+      </p:grpSpPr>
+      <p:sp>
+        <p:nvSpPr>
+          <p:cNvPr id="2" name="标题 1"/>
+          <p:cNvSpPr>
+            <a:spLocks noGrp="1"/>
+          </p:cNvSpPr>
+          <p:nvPr>
+            <p:ph type="title"/>
+          </p:nvPr>
+        </p:nvSpPr>
+        <p:spPr/>
+        <p:txBody>
+          <a:bodyPr/>
+          <a:lstStyle/>
+          <a:p>
+            <a:r>
+              <a:rPr lang="zh-CN" altLang="en-US" dirty="0"/>
+              <a:t>计划和估计</a:t>
             </a:r>
             <a:endParaRPr lang="zh-CN" altLang="en-US" dirty="0"/>
           </a:p>
@@ -4188,86 +4323,495 @@
         </p:nvSpPr>
         <p:spPr/>
         <p:txBody>
-          <a:bodyPr>
-            <a:normAutofit/>
-          </a:bodyPr>
-          <a:lstStyle/>
-          <a:p>
+          <a:bodyPr/>
+          <a:lstStyle/>
+          <a:p>
+            <a:pPr marL="0" indent="0">
+              <a:buNone/>
+            </a:pPr>
             <a:r>
               <a:rPr lang="zh-CN" altLang="en-US" dirty="0"/>
-              <a:t>保证所有子节点覆盖了全部父节点包含的</a:t>
-            </a:r>
-            <a:r>
-              <a:rPr lang="zh-CN" altLang="en-US" dirty="0" smtClean="0"/>
-              <a:t>内容</a:t>
+              <a:t>软件项目计划的一个重要环节就是估计</a:t>
+            </a:r>
+            <a:r>
+              <a:rPr lang="zh-CN" altLang="en-US" dirty="0" smtClean="0"/>
+              <a:t>项目各</a:t>
+            </a:r>
+            <a:r>
+              <a:rPr lang="zh-CN" altLang="en-US" dirty="0"/>
+              <a:t>类工作（特别是各种功能）所需的</a:t>
+            </a:r>
+            <a:r>
+              <a:rPr lang="zh-CN" altLang="en-US" dirty="0" smtClean="0"/>
+              <a:t>时间。在</a:t>
+            </a:r>
+            <a:r>
+              <a:rPr lang="zh-CN" altLang="en-US" dirty="0"/>
+              <a:t>开始</a:t>
+            </a:r>
+            <a:r>
+              <a:rPr lang="zh-CN" altLang="en-US" dirty="0" smtClean="0"/>
+              <a:t>估计</a:t>
+            </a:r>
+            <a:r>
+              <a:rPr lang="zh-CN" altLang="en-US" dirty="0"/>
+              <a:t>之前，我们先分清楚几个概念：目标、估计</a:t>
+            </a:r>
+            <a:r>
+              <a:rPr lang="zh-CN" altLang="en-US" dirty="0" smtClean="0"/>
+              <a:t>和决心</a:t>
             </a:r>
             <a:endParaRPr lang="zh-CN" altLang="en-US" dirty="0"/>
           </a:p>
           <a:p>
             <a:r>
+              <a:rPr lang="zh-CN" altLang="en-US" dirty="0" smtClean="0"/>
+              <a:t>目标</a:t>
+            </a:r>
+            <a:r>
               <a:rPr lang="zh-CN" altLang="en-US" dirty="0"/>
-              <a:t>保证各个子节点不要相互</a:t>
-            </a:r>
-            <a:r>
-              <a:rPr lang="zh-CN" altLang="en-US" dirty="0" smtClean="0"/>
-              <a:t>覆盖</a:t>
-            </a:r>
-            <a:endParaRPr lang="en-US" altLang="zh-CN" dirty="0"/>
-          </a:p>
-          <a:p>
-            <a:r>
-              <a:rPr lang="zh-CN" altLang="en-US" dirty="0" smtClean="0"/>
-              <a:t>叶子</a:t>
-            </a:r>
+              <a:t>：表明一个希望达到的</a:t>
+            </a:r>
+            <a:r>
+              <a:rPr lang="zh-CN" altLang="en-US" dirty="0" smtClean="0"/>
+              <a:t>状态</a:t>
+            </a:r>
+            <a:endParaRPr lang="en-US" altLang="zh-CN" dirty="0" smtClean="0"/>
+          </a:p>
+          <a:p>
             <a:r>
               <a:rPr lang="zh-CN" altLang="en-US" dirty="0"/>
-              <a:t>节点要保证足够小，能在一个里程碑中</a:t>
-            </a:r>
-            <a:r>
-              <a:rPr lang="zh-CN" altLang="en-US" dirty="0" smtClean="0"/>
-              <a:t>完成</a:t>
+              <a:t>估计：以当前了解的情况和掌握的资源，要</a:t>
+            </a:r>
+            <a:r>
+              <a:rPr lang="zh-CN" altLang="en-US" dirty="0" smtClean="0"/>
+              <a:t>花费多少</a:t>
             </a:r>
             <a:r>
               <a:rPr lang="zh-CN" altLang="en-US" dirty="0"/>
-              <a:t>。在通常的软件项目中，叶节点的成本最好</a:t>
-            </a:r>
-            <a:r>
-              <a:rPr lang="zh-CN" altLang="en-US" dirty="0" smtClean="0"/>
-              <a:t>不要</a:t>
+              <a:t>人力物力</a:t>
+            </a:r>
+            <a:r>
+              <a:rPr lang="zh-CN" altLang="en-US" dirty="0" smtClean="0"/>
+              <a:t>时       间</a:t>
             </a:r>
             <a:r>
               <a:rPr lang="zh-CN" altLang="en-US" dirty="0"/>
-              <a:t>超过两周</a:t>
-            </a:r>
+              <a:t>才能实现某</a:t>
+            </a:r>
+            <a:r>
+              <a:rPr lang="zh-CN" altLang="en-US" dirty="0" smtClean="0"/>
+              <a:t>事</a:t>
+            </a:r>
+            <a:endParaRPr lang="en-US" altLang="zh-CN" dirty="0" smtClean="0"/>
           </a:p>
           <a:p>
             <a:r>
               <a:rPr lang="zh-CN" altLang="en-US" dirty="0"/>
-              <a:t>从结果</a:t>
-            </a:r>
-            <a:r>
-              <a:rPr lang="zh-CN" altLang="en-US" dirty="0" smtClean="0"/>
-              <a:t>（</a:t>
+              <a:t>决心：保证在某个时间之前完成预先规定的</a:t>
+            </a:r>
+            <a:r>
+              <a:rPr lang="zh-CN" altLang="en-US" dirty="0" smtClean="0"/>
+              <a:t>功能和质量</a:t>
+            </a:r>
+            <a:endParaRPr lang="zh-CN" altLang="en-US" dirty="0"/>
+          </a:p>
+        </p:txBody>
+      </p:sp>
+    </p:spTree>
+  </p:cSld>
+  <p:clrMapOvr>
+    <a:masterClrMapping/>
+  </p:clrMapOvr>
+</p:sld>
+</file>
+
+<file path=ppt/slides/slide26.xml><?xml version="1.0" encoding="utf-8"?>
+<p:sld xmlns:a="http://schemas.openxmlformats.org/drawingml/2006/main" xmlns:r="http://schemas.openxmlformats.org/officeDocument/2006/relationships" xmlns:p="http://schemas.openxmlformats.org/presentationml/2006/main">
+  <p:cSld>
+    <p:spTree>
+      <p:nvGrpSpPr>
+        <p:cNvPr id="1" name=""/>
+        <p:cNvGrpSpPr/>
+        <p:nvPr/>
+      </p:nvGrpSpPr>
+      <p:grpSpPr>
+        <a:xfrm>
+          <a:off x="0" y="0"/>
+          <a:ext cx="0" cy="0"/>
+          <a:chOff x="0" y="0"/>
+          <a:chExt cx="0" cy="0"/>
+        </a:xfrm>
+      </p:grpSpPr>
+      <p:sp>
+        <p:nvSpPr>
+          <p:cNvPr id="2" name="标题 1"/>
+          <p:cNvSpPr>
+            <a:spLocks noGrp="1"/>
+          </p:cNvSpPr>
+          <p:nvPr>
+            <p:ph type="title"/>
+          </p:nvPr>
+        </p:nvSpPr>
+        <p:spPr/>
+        <p:txBody>
+          <a:bodyPr/>
+          <a:lstStyle/>
+          <a:p>
+            <a:r>
+              <a:rPr lang="zh-CN" altLang="en-US" dirty="0"/>
+              <a:t>估计后面的假设</a:t>
+            </a:r>
+            <a:endParaRPr lang="zh-CN" altLang="en-US" dirty="0"/>
+          </a:p>
+        </p:txBody>
+      </p:sp>
+      <p:sp>
+        <p:nvSpPr>
+          <p:cNvPr id="3" name="内容占位符 2"/>
+          <p:cNvSpPr>
+            <a:spLocks noGrp="1"/>
+          </p:cNvSpPr>
+          <p:nvPr>
+            <p:ph idx="1"/>
+          </p:nvPr>
+        </p:nvSpPr>
+        <p:spPr/>
+        <p:txBody>
+          <a:bodyPr/>
+          <a:lstStyle/>
+          <a:p>
+            <a:r>
+              <a:rPr lang="zh-CN" altLang="en-US" dirty="0"/>
+              <a:t>找到一个</a:t>
+            </a:r>
+            <a:r>
+              <a:rPr lang="zh-CN" altLang="en-US" dirty="0" smtClean="0"/>
+              <a:t>主持人</a:t>
+            </a:r>
+            <a:endParaRPr lang="en-US" altLang="zh-CN" dirty="0" smtClean="0"/>
+          </a:p>
+          <a:p>
+            <a:r>
+              <a:rPr lang="zh-CN" altLang="en-US" dirty="0"/>
+              <a:t>主持几轮讨论，先确定大家对目标有统一的</a:t>
+            </a:r>
+            <a:r>
+              <a:rPr lang="zh-CN" altLang="en-US" dirty="0" smtClean="0"/>
+              <a:t>理解。然后</a:t>
+            </a:r>
+            <a:r>
+              <a:rPr lang="zh-CN" altLang="en-US" dirty="0"/>
+              <a:t>每一轮统计</a:t>
+            </a:r>
+            <a:r>
+              <a:rPr lang="zh-CN" altLang="en-US" dirty="0" smtClean="0"/>
+              <a:t>大家</a:t>
+            </a:r>
+            <a:r>
+              <a:rPr lang="zh-CN" altLang="en-US" dirty="0"/>
+              <a:t>对时间的估计，并且询问大家估计值的前提</a:t>
+            </a:r>
+            <a:r>
+              <a:rPr lang="zh-CN" altLang="en-US" dirty="0" smtClean="0"/>
+              <a:t>假设</a:t>
+            </a:r>
+            <a:r>
+              <a:rPr lang="zh-CN" altLang="en-US" dirty="0"/>
+              <a:t>是什么，</a:t>
+            </a:r>
+            <a:r>
+              <a:rPr lang="zh-CN" altLang="en-US" dirty="0" smtClean="0"/>
+              <a:t>找到</a:t>
+            </a:r>
+            <a:r>
+              <a:rPr lang="zh-CN" altLang="en-US" dirty="0"/>
+              <a:t>合理的假设，然后</a:t>
+            </a:r>
+            <a:r>
+              <a:rPr lang="zh-CN" altLang="en-US" dirty="0" smtClean="0"/>
+              <a:t>继续</a:t>
+            </a:r>
+            <a:endParaRPr lang="en-US" altLang="zh-CN" dirty="0" smtClean="0"/>
+          </a:p>
+          <a:p>
+            <a:r>
+              <a:rPr lang="zh-CN" altLang="en-US" dirty="0"/>
+              <a:t>最后大家的估计收敛到一个大家都</a:t>
+            </a:r>
+            <a:r>
+              <a:rPr lang="zh-CN" altLang="en-US" dirty="0" smtClean="0"/>
+              <a:t>比较满意</a:t>
+            </a:r>
+            <a:r>
+              <a:rPr lang="zh-CN" altLang="en-US" dirty="0"/>
+              <a:t>的精度数值。于是估计就结束</a:t>
+            </a:r>
+            <a:r>
+              <a:rPr lang="zh-CN" altLang="en-US" dirty="0" smtClean="0"/>
+              <a:t>了</a:t>
+            </a:r>
+            <a:endParaRPr lang="zh-CN" altLang="en-US" dirty="0"/>
+          </a:p>
+        </p:txBody>
+      </p:sp>
+    </p:spTree>
+  </p:cSld>
+  <p:clrMapOvr>
+    <a:masterClrMapping/>
+  </p:clrMapOvr>
+</p:sld>
+</file>
+
+<file path=ppt/slides/slide27.xml><?xml version="1.0" encoding="utf-8"?>
+<p:sld xmlns:a="http://schemas.openxmlformats.org/drawingml/2006/main" xmlns:r="http://schemas.openxmlformats.org/officeDocument/2006/relationships" xmlns:p="http://schemas.openxmlformats.org/presentationml/2006/main">
+  <p:cSld>
+    <p:spTree>
+      <p:nvGrpSpPr>
+        <p:cNvPr id="1" name=""/>
+        <p:cNvGrpSpPr/>
+        <p:nvPr/>
+      </p:nvGrpSpPr>
+      <p:grpSpPr>
+        <a:xfrm>
+          <a:off x="0" y="0"/>
+          <a:ext cx="0" cy="0"/>
+          <a:chOff x="0" y="0"/>
+          <a:chExt cx="0" cy="0"/>
+        </a:xfrm>
+      </p:grpSpPr>
+      <p:sp>
+        <p:nvSpPr>
+          <p:cNvPr id="4" name="内容占位符 3"/>
+          <p:cNvSpPr>
+            <a:spLocks noGrp="1"/>
+          </p:cNvSpPr>
+          <p:nvPr>
+            <p:ph/>
+          </p:nvPr>
+        </p:nvSpPr>
+        <p:spPr/>
+        <p:txBody>
+          <a:bodyPr/>
+          <a:lstStyle/>
+          <a:p>
+            <a:r>
+              <a:rPr lang="zh-CN" altLang="en-US" dirty="0"/>
+              <a:t>不必太拘泥于</a:t>
+            </a:r>
+            <a:r>
+              <a:rPr lang="zh-CN" altLang="en-US" dirty="0" smtClean="0"/>
+              <a:t>精度</a:t>
+            </a:r>
+            <a:endParaRPr lang="en-US" altLang="zh-CN" dirty="0" smtClean="0"/>
+          </a:p>
+          <a:p>
+            <a:r>
+              <a:rPr lang="zh-CN" altLang="en-US" dirty="0"/>
+              <a:t>主持人要记住在每一轮的讨论中探询</a:t>
+            </a:r>
+            <a:r>
+              <a:rPr lang="zh-CN" altLang="en-US" dirty="0" smtClean="0"/>
+              <a:t>数值</a:t>
+            </a:r>
+            <a:r>
+              <a:rPr lang="zh-CN" altLang="en-US" dirty="0"/>
+              <a:t>背后的</a:t>
+            </a:r>
+            <a:r>
+              <a:rPr lang="zh-CN" altLang="en-US" dirty="0" smtClean="0"/>
+              <a:t>假设</a:t>
+            </a:r>
+            <a:endParaRPr lang="en-US" altLang="zh-CN" dirty="0" smtClean="0"/>
+          </a:p>
+          <a:p>
+            <a:r>
+              <a:rPr lang="zh-CN" altLang="en-US" dirty="0"/>
+              <a:t>大家的</a:t>
+            </a:r>
+            <a:r>
+              <a:rPr lang="zh-CN" altLang="en-US" dirty="0" smtClean="0"/>
+              <a:t>假设要</a:t>
+            </a:r>
+            <a:r>
+              <a:rPr lang="zh-CN" altLang="en-US" dirty="0"/>
+              <a:t>收敛，不要</a:t>
+            </a:r>
+            <a:r>
+              <a:rPr lang="zh-CN" altLang="en-US" dirty="0" smtClean="0"/>
+              <a:t>天马行空，</a:t>
+            </a:r>
+            <a:r>
+              <a:rPr lang="zh-CN" altLang="en-US" dirty="0"/>
+              <a:t>每一轮的讨论中，估计值的上界和下界</a:t>
+            </a:r>
+            <a:r>
+              <a:rPr lang="zh-CN" altLang="en-US" dirty="0" smtClean="0"/>
+              <a:t>要不断</a:t>
+            </a:r>
+            <a:r>
+              <a:rPr lang="zh-CN" altLang="en-US" dirty="0"/>
+              <a:t>接近</a:t>
+            </a:r>
+            <a:endParaRPr lang="zh-CN" altLang="en-US" dirty="0"/>
+          </a:p>
+          <a:p>
+            <a:r>
+              <a:rPr lang="zh-CN" altLang="en-US" dirty="0"/>
+              <a:t>最后得到的估计数值，也许</a:t>
+            </a:r>
+            <a:r>
+              <a:rPr lang="zh-CN" altLang="en-US" dirty="0" smtClean="0"/>
+              <a:t>和某人</a:t>
+            </a:r>
+            <a:r>
+              <a:rPr lang="zh-CN" altLang="en-US" dirty="0"/>
+              <a:t>最初提出的数值很接近，但是这意义</a:t>
+            </a:r>
+            <a:r>
+              <a:rPr lang="zh-CN" altLang="en-US" dirty="0" smtClean="0"/>
+              <a:t>并不大</a:t>
+            </a:r>
+            <a:endParaRPr lang="zh-CN" altLang="en-US" dirty="0"/>
+          </a:p>
+          <a:p>
+            <a:r>
+              <a:rPr lang="zh-CN" altLang="en-US" dirty="0" smtClean="0"/>
+              <a:t>长期项目要考虑人员变动问题</a:t>
+            </a:r>
+            <a:endParaRPr lang="en-US" altLang="zh-CN" dirty="0" smtClean="0"/>
+          </a:p>
+          <a:p>
+            <a:r>
+              <a:rPr lang="zh-CN" altLang="en-US" dirty="0"/>
+              <a:t>软件</a:t>
+            </a:r>
+            <a:r>
+              <a:rPr lang="zh-CN" altLang="en-US" dirty="0" smtClean="0"/>
+              <a:t>项目有不少</a:t>
+            </a:r>
+            <a:r>
+              <a:rPr lang="zh-CN" altLang="en-US" dirty="0"/>
+              <a:t>东西可以重用别人的结果，但是项目中最</a:t>
+            </a:r>
+            <a:r>
+              <a:rPr lang="zh-CN" altLang="en-US" dirty="0" smtClean="0"/>
+              <a:t>有价值</a:t>
+            </a:r>
+            <a:r>
+              <a:rPr lang="zh-CN" altLang="en-US" dirty="0"/>
+              <a:t>的部分，别人都还没做过</a:t>
+            </a:r>
+            <a:r>
+              <a:rPr lang="zh-CN" altLang="en-US" dirty="0" smtClean="0"/>
+              <a:t>，得</a:t>
+            </a:r>
+            <a:r>
+              <a:rPr lang="zh-CN" altLang="en-US" dirty="0"/>
+              <a:t>自己</a:t>
+            </a:r>
+            <a:r>
+              <a:rPr lang="zh-CN" altLang="en-US" dirty="0" smtClean="0"/>
+              <a:t>动手，这时不能</a:t>
+            </a:r>
+            <a:r>
+              <a:rPr lang="zh-CN" altLang="en-US" dirty="0"/>
+              <a:t>高估自己的</a:t>
+            </a:r>
+            <a:r>
+              <a:rPr lang="zh-CN" altLang="en-US" dirty="0" smtClean="0"/>
+              <a:t>能力</a:t>
+            </a:r>
+            <a:r>
+              <a:rPr lang="zh-CN" altLang="en-US" dirty="0"/>
+              <a:t>，低估未知的困难</a:t>
+            </a:r>
+            <a:endParaRPr lang="zh-CN" altLang="en-US" dirty="0"/>
+          </a:p>
+          <a:p>
+            <a:endParaRPr lang="zh-CN" altLang="en-US" dirty="0"/>
+          </a:p>
+          <a:p>
+            <a:endParaRPr lang="en-US" altLang="zh-CN" dirty="0" smtClean="0"/>
+          </a:p>
+          <a:p>
+            <a:endParaRPr lang="zh-CN" altLang="en-US" dirty="0"/>
+          </a:p>
+          <a:p>
+            <a:endParaRPr lang="zh-CN" altLang="en-US" dirty="0"/>
+          </a:p>
+          <a:p>
+            <a:endParaRPr lang="zh-CN" altLang="en-US" dirty="0"/>
+          </a:p>
+        </p:txBody>
+      </p:sp>
+    </p:spTree>
+  </p:cSld>
+  <p:clrMapOvr>
+    <a:masterClrMapping/>
+  </p:clrMapOvr>
+</p:sld>
+</file>
+
+<file path=ppt/slides/slide28.xml><?xml version="1.0" encoding="utf-8"?>
+<p:sld xmlns:a="http://schemas.openxmlformats.org/drawingml/2006/main" xmlns:r="http://schemas.openxmlformats.org/officeDocument/2006/relationships" xmlns:p="http://schemas.openxmlformats.org/presentationml/2006/main">
+  <p:cSld>
+    <p:spTree>
+      <p:nvGrpSpPr>
+        <p:cNvPr id="1" name=""/>
+        <p:cNvGrpSpPr/>
+        <p:nvPr/>
+      </p:nvGrpSpPr>
+      <p:grpSpPr>
+        <a:xfrm>
+          <a:off x="0" y="0"/>
+          <a:ext cx="0" cy="0"/>
+          <a:chOff x="0" y="0"/>
+          <a:chExt cx="0" cy="0"/>
+        </a:xfrm>
+      </p:grpSpPr>
+      <p:sp>
+        <p:nvSpPr>
+          <p:cNvPr id="2" name="内容占位符 1"/>
+          <p:cNvSpPr>
+            <a:spLocks noGrp="1"/>
+          </p:cNvSpPr>
+          <p:nvPr>
+            <p:ph/>
+          </p:nvPr>
+        </p:nvSpPr>
+        <p:spPr/>
+        <p:txBody>
+          <a:bodyPr/>
+          <a:lstStyle/>
+          <a:p>
+            <a:r>
+              <a:rPr lang="zh-CN" altLang="en-US" dirty="0"/>
+              <a:t>实际时间花费主要取决于两</a:t>
+            </a:r>
+            <a:r>
+              <a:rPr lang="zh-CN" altLang="en-US" dirty="0" smtClean="0"/>
+              <a:t>个因素</a:t>
             </a:r>
             <a:r>
               <a:rPr lang="en-US" altLang="zh-CN" dirty="0" smtClean="0"/>
-              <a:t>Outcome</a:t>
-            </a:r>
-            <a:r>
-              <a:rPr lang="zh-CN" altLang="en-US" dirty="0" smtClean="0"/>
-              <a:t>）</a:t>
+              <a:t>—</a:t>
+            </a:r>
+            <a:r>
+              <a:rPr lang="zh-CN" altLang="en-US" dirty="0" smtClean="0"/>
+              <a:t>对</a:t>
             </a:r>
             <a:r>
               <a:rPr lang="zh-CN" altLang="en-US" dirty="0"/>
-              <a:t>出发</a:t>
-            </a:r>
-            <a:r>
-              <a:rPr lang="zh-CN" altLang="en-US" dirty="0" smtClean="0"/>
-              <a:t>构建</a:t>
+              <a:t>某件事的估计</a:t>
+            </a:r>
+            <a:r>
+              <a:rPr lang="zh-CN" altLang="en-US" dirty="0" smtClean="0"/>
+              <a:t>时间</a:t>
             </a:r>
             <a:r>
               <a:rPr lang="en-US" altLang="zh-CN" dirty="0" smtClean="0"/>
-              <a:t>WBS</a:t>
+              <a:t>X</a:t>
             </a:r>
             <a:r>
               <a:rPr lang="zh-CN" altLang="en-US" dirty="0" smtClean="0"/>
@@ -4275,38 +4819,229 @@
             </a:r>
             <a:r>
               <a:rPr lang="zh-CN" altLang="en-US" dirty="0"/>
-              <a:t>而</a:t>
-            </a:r>
-            <a:r>
-              <a:rPr lang="zh-CN" altLang="en-US" dirty="0" smtClean="0"/>
-              <a:t>不是从</a:t>
+              <a:t>以及他做过</a:t>
+            </a:r>
+            <a:r>
+              <a:rPr lang="zh-CN" altLang="en-US" dirty="0" smtClean="0"/>
+              <a:t>类似开发</a:t>
             </a:r>
             <a:r>
               <a:rPr lang="zh-CN" altLang="en-US" dirty="0"/>
-              <a:t>团队的活动</a:t>
-            </a:r>
-            <a:r>
-              <a:rPr lang="zh-CN" altLang="en-US" dirty="0" smtClean="0"/>
-              <a:t>（</a:t>
+              <a:t>工作的</a:t>
+            </a:r>
+            <a:r>
+              <a:rPr lang="zh-CN" altLang="en-US" dirty="0" smtClean="0"/>
+              <a:t>次数</a:t>
             </a:r>
             <a:r>
               <a:rPr lang="en-US" altLang="zh-CN" dirty="0" smtClean="0"/>
-              <a:t>Action</a:t>
-            </a:r>
-            <a:r>
-              <a:rPr lang="zh-CN" altLang="en-US" dirty="0" smtClean="0"/>
-              <a:t>）出发</a:t>
+              <a:t>N</a:t>
+            </a:r>
+            <a:r>
+              <a:rPr lang="zh-CN" altLang="en-US" dirty="0" smtClean="0"/>
+              <a:t>：</a:t>
+            </a:r>
+            <a:r>
+              <a:rPr lang="en-US" altLang="zh-CN" dirty="0"/>
+              <a:t>Y = X ± X ÷ </a:t>
+            </a:r>
+            <a:r>
+              <a:rPr lang="en-US" altLang="zh-CN" dirty="0" smtClean="0"/>
+              <a:t>N</a:t>
+            </a:r>
+            <a:endParaRPr lang="en-US" altLang="zh-CN" dirty="0" smtClean="0"/>
+          </a:p>
+          <a:p>
+            <a:r>
+              <a:rPr lang="zh-CN" altLang="en-US" dirty="0"/>
+              <a:t>项目的</a:t>
+            </a:r>
+            <a:r>
+              <a:rPr lang="zh-CN" altLang="en-US" dirty="0" smtClean="0"/>
+              <a:t>复杂程度</a:t>
+            </a:r>
+            <a:r>
+              <a:rPr lang="zh-CN" altLang="en-US" dirty="0"/>
+              <a:t>将由下面两个因素决定：</a:t>
             </a:r>
             <a:endParaRPr lang="zh-CN" altLang="en-US" dirty="0"/>
           </a:p>
-        </p:txBody>
-      </p:sp>
+          <a:p>
+            <a:r>
+              <a:rPr lang="zh-CN" altLang="en-US" dirty="0"/>
+              <a:t>需求的复杂程度：程序员是第几次实现类似</a:t>
+            </a:r>
+            <a:r>
+              <a:rPr lang="zh-CN" altLang="en-US" dirty="0" smtClean="0"/>
+              <a:t>的需求</a:t>
+            </a:r>
+            <a:endParaRPr lang="zh-CN" altLang="en-US" dirty="0"/>
+          </a:p>
+          <a:p>
+            <a:r>
+              <a:rPr lang="zh-CN" altLang="en-US" dirty="0"/>
+              <a:t>技术的复杂程度：程序员是第几次用这个</a:t>
+            </a:r>
+            <a:r>
+              <a:rPr lang="zh-CN" altLang="en-US" dirty="0" smtClean="0"/>
+              <a:t>技术实现</a:t>
+            </a:r>
+            <a:endParaRPr lang="en-US" altLang="zh-CN" dirty="0" smtClean="0"/>
+          </a:p>
+          <a:p>
+            <a:endParaRPr lang="zh-CN" altLang="en-US" dirty="0"/>
+          </a:p>
+          <a:p>
+            <a:pPr marL="0" indent="0">
+              <a:buNone/>
+            </a:pPr>
+            <a:endParaRPr lang="zh-CN" altLang="en-US" dirty="0"/>
+          </a:p>
+        </p:txBody>
+      </p:sp>
+      <p:pic>
+        <p:nvPicPr>
+          <p:cNvPr id="3" name="图片 2"/>
+          <p:cNvPicPr>
+            <a:picLocks noChangeAspect="1"/>
+          </p:cNvPicPr>
+          <p:nvPr/>
+        </p:nvPicPr>
+        <p:blipFill>
+          <a:blip r:embed="rId1">
+            <a:extLst>
+              <a:ext uri="{28A0092B-C50C-407E-A947-70E740481C1C}">
+                <a14:useLocalDpi xmlns:a14="http://schemas.microsoft.com/office/drawing/2010/main" val="0"/>
+              </a:ext>
+            </a:extLst>
+          </a:blip>
+          <a:stretch>
+            <a:fillRect/>
+          </a:stretch>
+        </p:blipFill>
+        <p:spPr>
+          <a:xfrm>
+            <a:off x="2323651" y="2844845"/>
+            <a:ext cx="4174003" cy="3451580"/>
+          </a:xfrm>
+          <a:prstGeom prst="rect">
+            <a:avLst/>
+          </a:prstGeom>
+        </p:spPr>
+      </p:pic>
     </p:spTree>
-    <p:extLst>
-      <p:ext uri="{BB962C8B-B14F-4D97-AF65-F5344CB8AC3E}">
-        <p14:creationId xmlns:p14="http://schemas.microsoft.com/office/powerpoint/2010/main" val="1221635081"/>
-      </p:ext>
-    </p:extLst>
+  </p:cSld>
+  <p:clrMapOvr>
+    <a:masterClrMapping/>
+  </p:clrMapOvr>
+</p:sld>
+</file>
+
+<file path=ppt/slides/slide29.xml><?xml version="1.0" encoding="utf-8"?>
+<p:sld xmlns:a="http://schemas.openxmlformats.org/drawingml/2006/main" xmlns:r="http://schemas.openxmlformats.org/officeDocument/2006/relationships" xmlns:p="http://schemas.openxmlformats.org/presentationml/2006/main">
+  <p:cSld>
+    <p:spTree>
+      <p:nvGrpSpPr>
+        <p:cNvPr id="1" name=""/>
+        <p:cNvGrpSpPr/>
+        <p:nvPr/>
+      </p:nvGrpSpPr>
+      <p:grpSpPr>
+        <a:xfrm>
+          <a:off x="0" y="0"/>
+          <a:ext cx="0" cy="0"/>
+          <a:chOff x="0" y="0"/>
+          <a:chExt cx="0" cy="0"/>
+        </a:xfrm>
+      </p:grpSpPr>
+      <p:sp>
+        <p:nvSpPr>
+          <p:cNvPr id="3" name="标题 2"/>
+          <p:cNvSpPr>
+            <a:spLocks noGrp="1"/>
+          </p:cNvSpPr>
+          <p:nvPr>
+            <p:ph type="title"/>
+          </p:nvPr>
+        </p:nvSpPr>
+        <p:spPr/>
+        <p:txBody>
+          <a:bodyPr/>
+          <a:lstStyle/>
+          <a:p>
+            <a:r>
+              <a:rPr lang="zh-CN" altLang="en-US" dirty="0" smtClean="0"/>
+              <a:t>时间估计的两</a:t>
+            </a:r>
+            <a:r>
+              <a:rPr lang="zh-CN" altLang="en-US" dirty="0"/>
+              <a:t>个方面</a:t>
+            </a:r>
+            <a:endParaRPr lang="zh-CN" altLang="en-US" dirty="0"/>
+          </a:p>
+        </p:txBody>
+      </p:sp>
+      <p:sp>
+        <p:nvSpPr>
+          <p:cNvPr id="4" name="内容占位符 3"/>
+          <p:cNvSpPr>
+            <a:spLocks noGrp="1"/>
+          </p:cNvSpPr>
+          <p:nvPr>
+            <p:ph idx="1"/>
+          </p:nvPr>
+        </p:nvSpPr>
+        <p:spPr/>
+        <p:txBody>
+          <a:bodyPr/>
+          <a:lstStyle/>
+          <a:p>
+            <a:r>
+              <a:rPr lang="zh-CN" altLang="en-US" dirty="0"/>
+              <a:t>自底向上。团队成员各自估计底层模块和</a:t>
+            </a:r>
+            <a:r>
+              <a:rPr lang="zh-CN" altLang="en-US" dirty="0" smtClean="0"/>
+              <a:t>单个功能</a:t>
+            </a:r>
+            <a:r>
+              <a:rPr lang="zh-CN" altLang="en-US" dirty="0"/>
+              <a:t>（及单元测试）所需的时间，再加上集成</a:t>
+            </a:r>
+            <a:r>
+              <a:rPr lang="zh-CN" altLang="en-US" dirty="0" smtClean="0"/>
+              <a:t>及基本</a:t>
+            </a:r>
+            <a:r>
+              <a:rPr lang="zh-CN" altLang="en-US" dirty="0"/>
+              <a:t>测试的时间，就是大概的开发</a:t>
+            </a:r>
+            <a:r>
+              <a:rPr lang="zh-CN" altLang="en-US" dirty="0" smtClean="0"/>
+              <a:t>时间</a:t>
+            </a:r>
+            <a:endParaRPr lang="en-US" altLang="zh-CN" dirty="0" smtClean="0"/>
+          </a:p>
+          <a:p>
+            <a:r>
+              <a:rPr lang="zh-CN" altLang="en-US" dirty="0"/>
+              <a:t>回溯。团队从整个项目最终交付之日往回</a:t>
+            </a:r>
+            <a:r>
+              <a:rPr lang="zh-CN" altLang="en-US" dirty="0" smtClean="0"/>
+              <a:t>倒推</a:t>
+            </a:r>
+            <a:endParaRPr lang="zh-CN" altLang="en-US" dirty="0"/>
+          </a:p>
+          <a:p>
+            <a:endParaRPr lang="zh-CN" altLang="en-US" dirty="0"/>
+          </a:p>
+          <a:p>
+            <a:endParaRPr lang="zh-CN" altLang="en-US" dirty="0"/>
+          </a:p>
+        </p:txBody>
+      </p:sp>
+    </p:spTree>
   </p:cSld>
   <p:clrMapOvr>
     <a:masterClrMapping/>
@@ -4386,6 +5121,7 @@
               <a:rPr lang="zh-CN" altLang="en-US"/>
               <a:t>、需求捕捉</a:t>
             </a:r>
+            <a:endParaRPr lang="zh-CN" altLang="en-US"/>
           </a:p>
           <a:p>
             <a:r>
@@ -4396,6 +5132,7 @@
               <a:rPr lang="zh-CN" altLang="en-US"/>
               <a:t>、引导需求</a:t>
             </a:r>
+            <a:endParaRPr lang="zh-CN" altLang="en-US"/>
           </a:p>
           <a:p>
             <a:r>
@@ -4406,6 +5143,7 @@
               <a:rPr lang="zh-CN" altLang="en-US"/>
               <a:t>、挖掘需求</a:t>
             </a:r>
+            <a:endParaRPr lang="zh-CN" altLang="en-US"/>
           </a:p>
           <a:p>
             <a:r>
@@ -4416,6 +5154,439 @@
               <a:rPr lang="zh-CN" altLang="en-US"/>
               <a:t>、推测需求（快捷支付、音乐分享）</a:t>
             </a:r>
+            <a:endParaRPr lang="zh-CN" altLang="en-US"/>
+          </a:p>
+        </p:txBody>
+      </p:sp>
+    </p:spTree>
+  </p:cSld>
+  <p:clrMapOvr>
+    <a:masterClrMapping/>
+  </p:clrMapOvr>
+</p:sld>
+</file>
+
+<file path=ppt/slides/slide30.xml><?xml version="1.0" encoding="utf-8"?>
+<p:sld xmlns:a="http://schemas.openxmlformats.org/drawingml/2006/main" xmlns:r="http://schemas.openxmlformats.org/officeDocument/2006/relationships" xmlns:p="http://schemas.openxmlformats.org/presentationml/2006/main">
+  <p:cSld>
+    <p:spTree>
+      <p:nvGrpSpPr>
+        <p:cNvPr id="1" name=""/>
+        <p:cNvGrpSpPr/>
+        <p:nvPr/>
+      </p:nvGrpSpPr>
+      <p:grpSpPr>
+        <a:xfrm>
+          <a:off x="0" y="0"/>
+          <a:ext cx="0" cy="0"/>
+          <a:chOff x="0" y="0"/>
+          <a:chExt cx="0" cy="0"/>
+        </a:xfrm>
+      </p:grpSpPr>
+      <p:sp>
+        <p:nvSpPr>
+          <p:cNvPr id="4" name="内容占位符 3"/>
+          <p:cNvSpPr>
+            <a:spLocks noGrp="1"/>
+          </p:cNvSpPr>
+          <p:nvPr>
+            <p:ph/>
+          </p:nvPr>
+        </p:nvSpPr>
+        <p:spPr/>
+        <p:txBody>
+          <a:bodyPr>
+            <a:normAutofit/>
+          </a:bodyPr>
+          <a:lstStyle/>
+          <a:p>
+            <a:endParaRPr lang="en-US" altLang="zh-CN" dirty="0" smtClean="0"/>
+          </a:p>
+          <a:p>
+            <a:endParaRPr lang="en-US" altLang="zh-CN" dirty="0"/>
+          </a:p>
+          <a:p>
+            <a:endParaRPr lang="en-US" altLang="zh-CN" dirty="0" smtClean="0"/>
+          </a:p>
+          <a:p>
+            <a:pPr marL="0" indent="0">
+              <a:buNone/>
+            </a:pPr>
+            <a:r>
+              <a:rPr lang="zh-CN" altLang="en-US" dirty="0" smtClean="0"/>
+              <a:t>在</a:t>
+            </a:r>
+            <a:r>
+              <a:rPr lang="zh-CN" altLang="en-US" dirty="0"/>
+              <a:t>敏捷开发的项目中，团队一般不过分</a:t>
+            </a:r>
+            <a:r>
+              <a:rPr lang="zh-CN" altLang="en-US" dirty="0" smtClean="0"/>
+              <a:t>强调“估计”的</a:t>
+            </a:r>
+            <a:r>
+              <a:rPr lang="zh-CN" altLang="en-US" dirty="0"/>
+              <a:t>价值，因为它就是一</a:t>
+            </a:r>
+            <a:r>
+              <a:rPr lang="zh-CN" altLang="en-US" dirty="0" smtClean="0"/>
+              <a:t>个“猜”字。“猜得准”不是</a:t>
+            </a:r>
+            <a:r>
+              <a:rPr lang="zh-CN" altLang="en-US" dirty="0"/>
+              <a:t>团队的目标。团队的目标是把软件写出来，</a:t>
+            </a:r>
+            <a:r>
+              <a:rPr lang="zh-CN" altLang="en-US" dirty="0" smtClean="0"/>
+              <a:t>让用户</a:t>
+            </a:r>
+            <a:r>
+              <a:rPr lang="zh-CN" altLang="en-US" dirty="0"/>
+              <a:t>满意。如果猜错了，没关系，微调项目</a:t>
+            </a:r>
+            <a:r>
+              <a:rPr lang="zh-CN" altLang="en-US" dirty="0" smtClean="0"/>
+              <a:t>进度即</a:t>
+            </a:r>
+            <a:r>
+              <a:rPr lang="zh-CN" altLang="en-US" dirty="0"/>
+              <a:t>可，不要</a:t>
+            </a:r>
+            <a:r>
+              <a:rPr lang="zh-CN" altLang="en-US" dirty="0" smtClean="0"/>
+              <a:t>为了“猜得准”而</a:t>
+            </a:r>
+            <a:r>
+              <a:rPr lang="zh-CN" altLang="en-US" dirty="0"/>
+              <a:t>踌躇不前，或者</a:t>
+            </a:r>
+            <a:r>
+              <a:rPr lang="zh-CN" altLang="en-US" dirty="0" smtClean="0"/>
+              <a:t>为了让</a:t>
+            </a:r>
+            <a:r>
+              <a:rPr lang="zh-CN" altLang="en-US" dirty="0"/>
+              <a:t>当初的猜测看起来靠谱而不如实报告进度</a:t>
+            </a:r>
+            <a:endParaRPr lang="zh-CN" altLang="en-US" dirty="0"/>
+          </a:p>
+          <a:p>
+            <a:pPr marL="0" indent="0">
+              <a:buNone/>
+            </a:pPr>
+            <a:endParaRPr lang="zh-CN" altLang="en-US" dirty="0"/>
+          </a:p>
+        </p:txBody>
+      </p:sp>
+    </p:spTree>
+  </p:cSld>
+  <p:clrMapOvr>
+    <a:masterClrMapping/>
+  </p:clrMapOvr>
+</p:sld>
+</file>
+
+<file path=ppt/slides/slide31.xml><?xml version="1.0" encoding="utf-8"?>
+<p:sld xmlns:a="http://schemas.openxmlformats.org/drawingml/2006/main" xmlns:r="http://schemas.openxmlformats.org/officeDocument/2006/relationships" xmlns:p="http://schemas.openxmlformats.org/presentationml/2006/main">
+  <p:cSld>
+    <p:spTree>
+      <p:nvGrpSpPr>
+        <p:cNvPr id="1" name=""/>
+        <p:cNvGrpSpPr/>
+        <p:nvPr/>
+      </p:nvGrpSpPr>
+      <p:grpSpPr>
+        <a:xfrm>
+          <a:off x="0" y="0"/>
+          <a:ext cx="0" cy="0"/>
+          <a:chOff x="0" y="0"/>
+          <a:chExt cx="0" cy="0"/>
+        </a:xfrm>
+      </p:grpSpPr>
+      <p:sp>
+        <p:nvSpPr>
+          <p:cNvPr id="3" name="标题 2"/>
+          <p:cNvSpPr>
+            <a:spLocks noGrp="1"/>
+          </p:cNvSpPr>
+          <p:nvPr>
+            <p:ph type="title"/>
+          </p:nvPr>
+        </p:nvSpPr>
+        <p:spPr/>
+        <p:txBody>
+          <a:bodyPr/>
+          <a:lstStyle/>
+          <a:p>
+            <a:r>
+              <a:rPr lang="zh-CN" altLang="en-US" dirty="0"/>
+              <a:t>分而治之</a:t>
+            </a:r>
+            <a:endParaRPr lang="zh-CN" altLang="en-US" dirty="0"/>
+          </a:p>
+        </p:txBody>
+      </p:sp>
+      <p:sp>
+        <p:nvSpPr>
+          <p:cNvPr id="4" name="内容占位符 3"/>
+          <p:cNvSpPr>
+            <a:spLocks noGrp="1"/>
+          </p:cNvSpPr>
+          <p:nvPr>
+            <p:ph idx="1"/>
+          </p:nvPr>
+        </p:nvSpPr>
+        <p:spPr/>
+        <p:txBody>
+          <a:bodyPr/>
+          <a:lstStyle/>
+          <a:p>
+            <a:pPr marL="0" indent="0">
+              <a:buNone/>
+            </a:pPr>
+            <a:r>
+              <a:rPr lang="zh-CN" altLang="en-US" dirty="0"/>
+              <a:t>一个团队项目要在一段时间内完成诸多任务，</a:t>
+            </a:r>
+            <a:r>
+              <a:rPr lang="zh-CN" altLang="en-US" dirty="0" smtClean="0"/>
+              <a:t>满足</a:t>
+            </a:r>
+            <a:r>
+              <a:rPr lang="zh-CN" altLang="en-US" dirty="0"/>
+              <a:t>用户的需求，实现团队的目标，同时还希望</a:t>
+            </a:r>
+            <a:r>
+              <a:rPr lang="zh-CN" altLang="en-US" dirty="0" smtClean="0"/>
+              <a:t>项目</a:t>
+            </a:r>
+            <a:r>
+              <a:rPr lang="zh-CN" altLang="en-US" dirty="0"/>
+              <a:t>能维持良好的技术架构，以便持续开发，</a:t>
+            </a:r>
+            <a:r>
+              <a:rPr lang="zh-CN" altLang="en-US" dirty="0" smtClean="0"/>
+              <a:t>千头万绪</a:t>
+            </a:r>
+            <a:r>
+              <a:rPr lang="zh-CN" altLang="en-US" dirty="0"/>
+              <a:t>，从哪里入手</a:t>
+            </a:r>
+            <a:r>
+              <a:rPr lang="zh-CN" altLang="en-US" dirty="0" smtClean="0"/>
+              <a:t>？</a:t>
+            </a:r>
+            <a:endParaRPr lang="en-US" altLang="zh-CN" dirty="0" smtClean="0"/>
+          </a:p>
+          <a:p>
+            <a:pPr marL="0" indent="0">
+              <a:buNone/>
+            </a:pPr>
+            <a:endParaRPr lang="zh-CN" altLang="en-US" dirty="0"/>
+          </a:p>
+        </p:txBody>
+      </p:sp>
+      <p:pic>
+        <p:nvPicPr>
+          <p:cNvPr id="5" name="图片 4"/>
+          <p:cNvPicPr>
+            <a:picLocks noChangeAspect="1"/>
+          </p:cNvPicPr>
+          <p:nvPr/>
+        </p:nvPicPr>
+        <p:blipFill>
+          <a:blip r:embed="rId1">
+            <a:extLst>
+              <a:ext uri="{28A0092B-C50C-407E-A947-70E740481C1C}">
+                <a14:useLocalDpi xmlns:a14="http://schemas.microsoft.com/office/drawing/2010/main" val="0"/>
+              </a:ext>
+            </a:extLst>
+          </a:blip>
+          <a:stretch>
+            <a:fillRect/>
+          </a:stretch>
+        </p:blipFill>
+        <p:spPr>
+          <a:xfrm>
+            <a:off x="1605369" y="3515060"/>
+            <a:ext cx="7001853" cy="2219635"/>
+          </a:xfrm>
+          <a:prstGeom prst="rect">
+            <a:avLst/>
+          </a:prstGeom>
+        </p:spPr>
+      </p:pic>
+    </p:spTree>
+  </p:cSld>
+  <p:clrMapOvr>
+    <a:masterClrMapping/>
+  </p:clrMapOvr>
+</p:sld>
+</file>
+
+<file path=ppt/slides/slide32.xml><?xml version="1.0" encoding="utf-8"?>
+<p:sld xmlns:a="http://schemas.openxmlformats.org/drawingml/2006/main" xmlns:r="http://schemas.openxmlformats.org/officeDocument/2006/relationships" xmlns:p="http://schemas.openxmlformats.org/presentationml/2006/main">
+  <p:cSld>
+    <p:spTree>
+      <p:nvGrpSpPr>
+        <p:cNvPr id="1" name=""/>
+        <p:cNvGrpSpPr/>
+        <p:nvPr/>
+      </p:nvGrpSpPr>
+      <p:grpSpPr>
+        <a:xfrm>
+          <a:off x="0" y="0"/>
+          <a:ext cx="0" cy="0"/>
+          <a:chOff x="0" y="0"/>
+          <a:chExt cx="0" cy="0"/>
+        </a:xfrm>
+      </p:grpSpPr>
+      <p:sp>
+        <p:nvSpPr>
+          <p:cNvPr id="2" name="标题 1"/>
+          <p:cNvSpPr>
+            <a:spLocks noGrp="1"/>
+          </p:cNvSpPr>
+          <p:nvPr>
+            <p:ph type="title"/>
+          </p:nvPr>
+        </p:nvSpPr>
+        <p:spPr/>
+        <p:txBody>
+          <a:bodyPr/>
+          <a:lstStyle/>
+          <a:p>
+            <a:r>
+              <a:rPr lang="zh-CN" altLang="en-US" dirty="0" smtClean="0"/>
+              <a:t>分而治之</a:t>
+            </a:r>
+            <a:endParaRPr lang="zh-CN" altLang="en-US" dirty="0"/>
+          </a:p>
+        </p:txBody>
+      </p:sp>
+      <p:sp>
+        <p:nvSpPr>
+          <p:cNvPr id="3" name="内容占位符 2"/>
+          <p:cNvSpPr>
+            <a:spLocks noGrp="1"/>
+          </p:cNvSpPr>
+          <p:nvPr>
+            <p:ph idx="1"/>
+          </p:nvPr>
+        </p:nvSpPr>
+        <p:spPr/>
+        <p:txBody>
+          <a:bodyPr>
+            <a:normAutofit/>
+          </a:bodyPr>
+          <a:lstStyle/>
+          <a:p>
+            <a:r>
+              <a:rPr lang="zh-CN" altLang="en-US" dirty="0"/>
+              <a:t>保证所有子节点覆盖了全部父节点包含的</a:t>
+            </a:r>
+            <a:r>
+              <a:rPr lang="zh-CN" altLang="en-US" dirty="0" smtClean="0"/>
+              <a:t>内容</a:t>
+            </a:r>
+            <a:endParaRPr lang="zh-CN" altLang="en-US" dirty="0"/>
+          </a:p>
+          <a:p>
+            <a:r>
+              <a:rPr lang="zh-CN" altLang="en-US" dirty="0"/>
+              <a:t>保证各个子节点不要相互</a:t>
+            </a:r>
+            <a:r>
+              <a:rPr lang="zh-CN" altLang="en-US" dirty="0" smtClean="0"/>
+              <a:t>覆盖</a:t>
+            </a:r>
+            <a:endParaRPr lang="en-US" altLang="zh-CN" dirty="0"/>
+          </a:p>
+          <a:p>
+            <a:r>
+              <a:rPr lang="zh-CN" altLang="en-US" dirty="0" smtClean="0"/>
+              <a:t>叶子</a:t>
+            </a:r>
+            <a:r>
+              <a:rPr lang="zh-CN" altLang="en-US" dirty="0"/>
+              <a:t>节点要保证足够小，能在一个里程碑中</a:t>
+            </a:r>
+            <a:r>
+              <a:rPr lang="zh-CN" altLang="en-US" dirty="0" smtClean="0"/>
+              <a:t>完成</a:t>
+            </a:r>
+            <a:r>
+              <a:rPr lang="zh-CN" altLang="en-US" dirty="0"/>
+              <a:t>。在通常的软件项目中，叶节点的成本最好</a:t>
+            </a:r>
+            <a:r>
+              <a:rPr lang="zh-CN" altLang="en-US" dirty="0" smtClean="0"/>
+              <a:t>不要</a:t>
+            </a:r>
+            <a:r>
+              <a:rPr lang="zh-CN" altLang="en-US" dirty="0"/>
+              <a:t>超过两周</a:t>
+            </a:r>
+            <a:endParaRPr lang="zh-CN" altLang="en-US" dirty="0"/>
+          </a:p>
+          <a:p>
+            <a:r>
+              <a:rPr lang="zh-CN" altLang="en-US" dirty="0"/>
+              <a:t>从结果</a:t>
+            </a:r>
+            <a:r>
+              <a:rPr lang="zh-CN" altLang="en-US" dirty="0" smtClean="0"/>
+              <a:t>（</a:t>
+            </a:r>
+            <a:r>
+              <a:rPr lang="en-US" altLang="zh-CN" dirty="0" smtClean="0"/>
+              <a:t>Outcome</a:t>
+            </a:r>
+            <a:r>
+              <a:rPr lang="zh-CN" altLang="en-US" dirty="0" smtClean="0"/>
+              <a:t>）</a:t>
+            </a:r>
+            <a:r>
+              <a:rPr lang="zh-CN" altLang="en-US" dirty="0"/>
+              <a:t>出发</a:t>
+            </a:r>
+            <a:r>
+              <a:rPr lang="zh-CN" altLang="en-US" dirty="0" smtClean="0"/>
+              <a:t>构建</a:t>
+            </a:r>
+            <a:r>
+              <a:rPr lang="en-US" altLang="zh-CN" dirty="0" smtClean="0"/>
+              <a:t>WBS</a:t>
+            </a:r>
+            <a:r>
+              <a:rPr lang="zh-CN" altLang="en-US" dirty="0" smtClean="0"/>
+              <a:t>，</a:t>
+            </a:r>
+            <a:r>
+              <a:rPr lang="zh-CN" altLang="en-US" dirty="0"/>
+              <a:t>而</a:t>
+            </a:r>
+            <a:r>
+              <a:rPr lang="zh-CN" altLang="en-US" dirty="0" smtClean="0"/>
+              <a:t>不是从</a:t>
+            </a:r>
+            <a:r>
+              <a:rPr lang="zh-CN" altLang="en-US" dirty="0"/>
+              <a:t>团队的活动</a:t>
+            </a:r>
+            <a:r>
+              <a:rPr lang="zh-CN" altLang="en-US" dirty="0" smtClean="0"/>
+              <a:t>（</a:t>
+            </a:r>
+            <a:r>
+              <a:rPr lang="en-US" altLang="zh-CN" dirty="0" smtClean="0"/>
+              <a:t>Action</a:t>
+            </a:r>
+            <a:r>
+              <a:rPr lang="zh-CN" altLang="en-US" dirty="0" smtClean="0"/>
+              <a:t>）出发</a:t>
+            </a:r>
+            <a:endParaRPr lang="zh-CN" altLang="en-US" dirty="0"/>
           </a:p>
         </p:txBody>
       </p:sp>
@@ -4481,7 +5652,7 @@
           <p:nvPr/>
         </p:nvPicPr>
         <p:blipFill>
-          <a:blip r:embed="rId2"/>
+          <a:blip r:embed="rId1"/>
           <a:stretch>
             <a:fillRect/>
           </a:stretch>
@@ -4540,6 +5711,7 @@
               <a:rPr lang="zh-CN" altLang="en-US"/>
               <a:t>技术团队需求</a:t>
             </a:r>
+            <a:endParaRPr lang="zh-CN" altLang="en-US"/>
           </a:p>
           <a:p>
             <a:pPr marL="0" indent="0">
@@ -4549,6 +5721,7 @@
               <a:rPr lang="zh-CN" altLang="en-US"/>
               <a:t>考虑软件的代码、架构、所依赖平台的长期演化的时候，会提出技术性的需求，包括代码的迁移、架构的演化、平台的变化，或者引入新的技术</a:t>
             </a:r>
+            <a:endParaRPr lang="zh-CN" altLang="en-US"/>
           </a:p>
         </p:txBody>
       </p:sp>
@@ -4596,6 +5769,7 @@
               <a:rPr lang="zh-CN" altLang="en-US"/>
               <a:t>分析和定义需求</a:t>
             </a:r>
+            <a:endParaRPr lang="zh-CN" altLang="en-US"/>
           </a:p>
         </p:txBody>
       </p:sp>
@@ -4621,6 +5795,7 @@
               <a:rPr lang="zh-CN" altLang="en-US"/>
               <a:t>从各个方面获取的需求进行规整，定义需求的内涵，从各个角度将需求量化（需求实现的最后期限，实现需求大致所需的时间和资源成本，各个不同需求的优先级，需求带来的收益，等等）</a:t>
             </a:r>
+            <a:endParaRPr lang="zh-CN" altLang="en-US"/>
           </a:p>
         </p:txBody>
       </p:sp>
@@ -4668,6 +5843,7 @@
               <a:rPr lang="zh-CN" altLang="en-US"/>
               <a:t>验证需求</a:t>
             </a:r>
+            <a:endParaRPr lang="zh-CN" altLang="en-US"/>
           </a:p>
         </p:txBody>
       </p:sp>
@@ -4693,6 +5869,7 @@
               <a:rPr lang="zh-CN" altLang="en-US"/>
               <a:t>软件团队要跟利益相关者沟通，通过分析报告、技术原型、用户调查或演示等形式向他们验证软件团队对于这些需求的认知</a:t>
             </a:r>
+            <a:endParaRPr lang="zh-CN" altLang="en-US"/>
           </a:p>
         </p:txBody>
       </p:sp>
@@ -4740,6 +5917,7 @@
               <a:rPr lang="zh-CN" altLang="en-US"/>
               <a:t>在软件产品的生命周期中管理需求</a:t>
             </a:r>
+            <a:endParaRPr lang="zh-CN" altLang="en-US"/>
           </a:p>
         </p:txBody>
       </p:sp>
@@ -4765,6 +5943,7 @@
               <a:rPr lang="zh-CN" altLang="en-US"/>
               <a:t>在软件的生命周期中，需求在发生变化，技术在发展，团队成员的能力也在提高。原来认为重要的事情可能不再重要，有些功能原来技术上很难实现，现在出现了捷径，一些相关的法规会发生变化，外部的合作伙伴突然发生变化，这些都要求我们不断对需求进行重新审核并做出相应的调整</a:t>
             </a:r>
+            <a:endParaRPr lang="zh-CN" altLang="en-US"/>
           </a:p>
         </p:txBody>
       </p:sp>
@@ -4812,6 +5991,7 @@
               <a:rPr lang="zh-CN" altLang="en-US"/>
               <a:t>软件产品的利益相关者</a:t>
             </a:r>
+            <a:endParaRPr lang="zh-CN" altLang="en-US"/>
           </a:p>
         </p:txBody>
       </p:sp>
@@ -4877,6 +6057,7 @@
               <a:rPr lang="zh-CN" altLang="en-US" sz="3200" b="1"/>
               <a:t>利益相关者</a:t>
             </a:r>
+            <a:endParaRPr lang="zh-CN" altLang="en-US" sz="3200" b="1"/>
           </a:p>
         </p:txBody>
       </p:sp>
@@ -4920,6 +6101,7 @@
               <a:rPr lang="zh-CN" altLang="en-US" sz="3200" b="1"/>
               <a:t>用户</a:t>
             </a:r>
+            <a:endParaRPr lang="zh-CN" altLang="en-US" sz="3200" b="1"/>
           </a:p>
         </p:txBody>
       </p:sp>
@@ -4963,6 +6145,7 @@
               <a:rPr lang="zh-CN" altLang="en-US" sz="3200" b="1"/>
               <a:t>顾客</a:t>
             </a:r>
+            <a:endParaRPr lang="zh-CN" altLang="en-US" sz="3200" b="1"/>
           </a:p>
         </p:txBody>
       </p:sp>
@@ -5006,6 +6189,7 @@
               <a:rPr lang="zh-CN" altLang="en-US" sz="3200" b="1"/>
               <a:t>市场分析师</a:t>
             </a:r>
+            <a:endParaRPr lang="zh-CN" altLang="en-US" sz="3200" b="1"/>
           </a:p>
         </p:txBody>
       </p:sp>
@@ -5049,6 +6233,7 @@
               <a:rPr lang="zh-CN" altLang="en-US" sz="3200" b="1"/>
               <a:t>监管部门</a:t>
             </a:r>
+            <a:endParaRPr lang="zh-CN" altLang="en-US" sz="3200" b="1"/>
           </a:p>
         </p:txBody>
       </p:sp>
@@ -5092,6 +6277,7 @@
               <a:rPr lang="zh-CN" altLang="en-US" sz="3200" b="1"/>
               <a:t>软件工程师</a:t>
             </a:r>
+            <a:endParaRPr lang="zh-CN" altLang="en-US" sz="3200" b="1"/>
           </a:p>
         </p:txBody>
       </p:sp>
@@ -5517,11 +6703,9 @@
       </a:bgFillStyleLst>
     </a:fmtScheme>
   </a:themeElements>
-  <a:objectDefaults/>
-  <a:extraClrSchemeLst/>
   <a:extLst>
     <a:ext uri="{05A4C25C-085E-4340-85A3-A5531E510DB2}">
-      <thm15:themeFamily xmlns:thm15="http://schemas.microsoft.com/office/thememl/2012/main" xmlns="" name="Office Theme" id="{62F939B6-93AF-4DB8-9C6B-D6C7DFDC589F}" vid="{4A3C46E8-61CC-4603-A589-7422A47A8E4A}"/>
+      <thm15:themeFamily xmlns:thm15="http://schemas.microsoft.com/office/thememl/2012/main" name="Office Theme" id="{62F939B6-93AF-4DB8-9C6B-D6C7DFDC589F}" vid="{4A3C46E8-61CC-4603-A589-7422A47A8E4A}"/>
     </a:ext>
   </a:extLst>
 </a:theme>
